--- a/Lending_club_case_study.pptx
+++ b/Lending_club_case_study.pptx
@@ -9,6 +9,8 @@
     <p:sldId id="257" r:id="rId3"/>
     <p:sldId id="258" r:id="rId4"/>
     <p:sldId id="259" r:id="rId5"/>
+    <p:sldId id="260" r:id="rId6"/>
+    <p:sldId id="261" r:id="rId7"/>
   </p:sldIdLst>
   <p:sldSz cx="12192000" cy="6858000"/>
   <p:notesSz cx="6858000" cy="9144000"/>
@@ -264,7 +266,7 @@
           <a:p>
             <a:fld id="{101BFF65-A201-44C8-A7FA-A288B2426049}" type="datetimeFigureOut">
               <a:rPr lang="en-IN" smtClean="0"/>
-              <a:t>07-11-2022</a:t>
+              <a:t>09-11-2022</a:t>
             </a:fld>
             <a:endParaRPr lang="en-IN"/>
           </a:p>
@@ -464,7 +466,7 @@
           <a:p>
             <a:fld id="{101BFF65-A201-44C8-A7FA-A288B2426049}" type="datetimeFigureOut">
               <a:rPr lang="en-IN" smtClean="0"/>
-              <a:t>07-11-2022</a:t>
+              <a:t>09-11-2022</a:t>
             </a:fld>
             <a:endParaRPr lang="en-IN"/>
           </a:p>
@@ -674,7 +676,7 @@
           <a:p>
             <a:fld id="{101BFF65-A201-44C8-A7FA-A288B2426049}" type="datetimeFigureOut">
               <a:rPr lang="en-IN" smtClean="0"/>
-              <a:t>07-11-2022</a:t>
+              <a:t>09-11-2022</a:t>
             </a:fld>
             <a:endParaRPr lang="en-IN"/>
           </a:p>
@@ -874,7 +876,7 @@
           <a:p>
             <a:fld id="{101BFF65-A201-44C8-A7FA-A288B2426049}" type="datetimeFigureOut">
               <a:rPr lang="en-IN" smtClean="0"/>
-              <a:t>07-11-2022</a:t>
+              <a:t>09-11-2022</a:t>
             </a:fld>
             <a:endParaRPr lang="en-IN"/>
           </a:p>
@@ -1150,7 +1152,7 @@
           <a:p>
             <a:fld id="{101BFF65-A201-44C8-A7FA-A288B2426049}" type="datetimeFigureOut">
               <a:rPr lang="en-IN" smtClean="0"/>
-              <a:t>07-11-2022</a:t>
+              <a:t>09-11-2022</a:t>
             </a:fld>
             <a:endParaRPr lang="en-IN"/>
           </a:p>
@@ -1418,7 +1420,7 @@
           <a:p>
             <a:fld id="{101BFF65-A201-44C8-A7FA-A288B2426049}" type="datetimeFigureOut">
               <a:rPr lang="en-IN" smtClean="0"/>
-              <a:t>07-11-2022</a:t>
+              <a:t>09-11-2022</a:t>
             </a:fld>
             <a:endParaRPr lang="en-IN"/>
           </a:p>
@@ -1833,7 +1835,7 @@
           <a:p>
             <a:fld id="{101BFF65-A201-44C8-A7FA-A288B2426049}" type="datetimeFigureOut">
               <a:rPr lang="en-IN" smtClean="0"/>
-              <a:t>07-11-2022</a:t>
+              <a:t>09-11-2022</a:t>
             </a:fld>
             <a:endParaRPr lang="en-IN"/>
           </a:p>
@@ -1975,7 +1977,7 @@
           <a:p>
             <a:fld id="{101BFF65-A201-44C8-A7FA-A288B2426049}" type="datetimeFigureOut">
               <a:rPr lang="en-IN" smtClean="0"/>
-              <a:t>07-11-2022</a:t>
+              <a:t>09-11-2022</a:t>
             </a:fld>
             <a:endParaRPr lang="en-IN"/>
           </a:p>
@@ -2088,7 +2090,7 @@
           <a:p>
             <a:fld id="{101BFF65-A201-44C8-A7FA-A288B2426049}" type="datetimeFigureOut">
               <a:rPr lang="en-IN" smtClean="0"/>
-              <a:t>07-11-2022</a:t>
+              <a:t>09-11-2022</a:t>
             </a:fld>
             <a:endParaRPr lang="en-IN"/>
           </a:p>
@@ -2401,7 +2403,7 @@
           <a:p>
             <a:fld id="{101BFF65-A201-44C8-A7FA-A288B2426049}" type="datetimeFigureOut">
               <a:rPr lang="en-IN" smtClean="0"/>
-              <a:t>07-11-2022</a:t>
+              <a:t>09-11-2022</a:t>
             </a:fld>
             <a:endParaRPr lang="en-IN"/>
           </a:p>
@@ -2690,7 +2692,7 @@
           <a:p>
             <a:fld id="{101BFF65-A201-44C8-A7FA-A288B2426049}" type="datetimeFigureOut">
               <a:rPr lang="en-IN" smtClean="0"/>
-              <a:t>07-11-2022</a:t>
+              <a:t>09-11-2022</a:t>
             </a:fld>
             <a:endParaRPr lang="en-IN"/>
           </a:p>
@@ -2933,7 +2935,7 @@
           <a:p>
             <a:fld id="{101BFF65-A201-44C8-A7FA-A288B2426049}" type="datetimeFigureOut">
               <a:rPr lang="en-IN" smtClean="0"/>
-              <a:t>07-11-2022</a:t>
+              <a:t>09-11-2022</a:t>
             </a:fld>
             <a:endParaRPr lang="en-IN"/>
           </a:p>
@@ -3890,6 +3892,384 @@
 </p:sld>
 </file>
 
+<file path=ppt/slides/slide5.xml><?xml version="1.0" encoding="utf-8"?>
+<p:sld xmlns:a="http://schemas.openxmlformats.org/drawingml/2006/main" xmlns:r="http://schemas.openxmlformats.org/officeDocument/2006/relationships" xmlns:p="http://schemas.openxmlformats.org/presentationml/2006/main">
+  <p:cSld>
+    <p:spTree>
+      <p:nvGrpSpPr>
+        <p:cNvPr id="1" name=""/>
+        <p:cNvGrpSpPr/>
+        <p:nvPr/>
+      </p:nvGrpSpPr>
+      <p:grpSpPr>
+        <a:xfrm>
+          <a:off x="0" y="0"/>
+          <a:ext cx="0" cy="0"/>
+          <a:chOff x="0" y="0"/>
+          <a:chExt cx="0" cy="0"/>
+        </a:xfrm>
+      </p:grpSpPr>
+      <p:sp>
+        <p:nvSpPr>
+          <p:cNvPr id="2" name="Title 1">
+            <a:extLst>
+              <a:ext uri="{FF2B5EF4-FFF2-40B4-BE49-F238E27FC236}">
+                <a16:creationId xmlns:a16="http://schemas.microsoft.com/office/drawing/2014/main" id="{AC3C1103-507C-EE13-196A-4BCA925A213F}"/>
+              </a:ext>
+            </a:extLst>
+          </p:cNvPr>
+          <p:cNvSpPr>
+            <a:spLocks noGrp="1"/>
+          </p:cNvSpPr>
+          <p:nvPr>
+            <p:ph type="title"/>
+          </p:nvPr>
+        </p:nvSpPr>
+        <p:spPr/>
+        <p:txBody>
+          <a:bodyPr/>
+          <a:lstStyle/>
+          <a:p>
+            <a:pPr algn="ctr"/>
+            <a:r>
+              <a:rPr lang="en-US" dirty="0"/>
+              <a:t>Visualizations</a:t>
+            </a:r>
+            <a:endParaRPr lang="en-IN" dirty="0"/>
+          </a:p>
+        </p:txBody>
+      </p:sp>
+      <p:sp>
+        <p:nvSpPr>
+          <p:cNvPr id="4" name="Text Placeholder 3">
+            <a:extLst>
+              <a:ext uri="{FF2B5EF4-FFF2-40B4-BE49-F238E27FC236}">
+                <a16:creationId xmlns:a16="http://schemas.microsoft.com/office/drawing/2014/main" id="{611CD95F-D74F-18A0-B936-229301A635A8}"/>
+              </a:ext>
+            </a:extLst>
+          </p:cNvPr>
+          <p:cNvSpPr>
+            <a:spLocks noGrp="1"/>
+          </p:cNvSpPr>
+          <p:nvPr>
+            <p:ph sz="half" idx="2"/>
+          </p:nvPr>
+        </p:nvSpPr>
+        <p:spPr/>
+        <p:txBody>
+          <a:bodyPr/>
+          <a:lstStyle/>
+          <a:p>
+            <a:r>
+              <a:rPr lang="en-US" dirty="0"/>
+              <a:t>This shows how many people have fully paid the loan and how many are defaulted. Around 15% are defaulters.</a:t>
+            </a:r>
+          </a:p>
+          <a:p>
+            <a:endParaRPr lang="en-US" dirty="0"/>
+          </a:p>
+          <a:p>
+            <a:endParaRPr lang="en-IN" dirty="0"/>
+          </a:p>
+        </p:txBody>
+      </p:sp>
+      <p:pic>
+        <p:nvPicPr>
+          <p:cNvPr id="5" name="Picture 2">
+            <a:extLst>
+              <a:ext uri="{FF2B5EF4-FFF2-40B4-BE49-F238E27FC236}">
+                <a16:creationId xmlns:a16="http://schemas.microsoft.com/office/drawing/2014/main" id="{B7819EC8-CC38-7B4E-7E06-B6D2A414CBA0}"/>
+              </a:ext>
+            </a:extLst>
+          </p:cNvPr>
+          <p:cNvPicPr>
+            <a:picLocks noChangeAspect="1" noChangeArrowheads="1"/>
+          </p:cNvPicPr>
+          <p:nvPr/>
+        </p:nvPicPr>
+        <p:blipFill>
+          <a:blip r:embed="rId2">
+            <a:extLst>
+              <a:ext uri="{28A0092B-C50C-407E-A947-70E740481C1C}">
+                <a14:useLocalDpi xmlns:a14="http://schemas.microsoft.com/office/drawing/2010/main" val="0"/>
+              </a:ext>
+            </a:extLst>
+          </a:blip>
+          <a:srcRect/>
+          <a:stretch>
+            <a:fillRect/>
+          </a:stretch>
+        </p:blipFill>
+        <p:spPr bwMode="auto">
+          <a:xfrm>
+            <a:off x="1072089" y="1825625"/>
+            <a:ext cx="4697340" cy="4187866"/>
+          </a:xfrm>
+          <a:prstGeom prst="rect">
+            <a:avLst/>
+          </a:prstGeom>
+          <a:noFill/>
+          <a:extLst>
+            <a:ext uri="{909E8E84-426E-40DD-AFC4-6F175D3DCCD1}">
+              <a14:hiddenFill xmlns:a14="http://schemas.microsoft.com/office/drawing/2010/main">
+                <a:solidFill>
+                  <a:srgbClr val="FFFFFF"/>
+                </a:solidFill>
+              </a14:hiddenFill>
+            </a:ext>
+          </a:extLst>
+        </p:spPr>
+      </p:pic>
+    </p:spTree>
+    <p:extLst>
+      <p:ext uri="{BB962C8B-B14F-4D97-AF65-F5344CB8AC3E}">
+        <p14:creationId xmlns:p14="http://schemas.microsoft.com/office/powerpoint/2010/main" val="1135984558"/>
+      </p:ext>
+    </p:extLst>
+  </p:cSld>
+  <p:clrMapOvr>
+    <a:masterClrMapping/>
+  </p:clrMapOvr>
+</p:sld>
+</file>
+
+<file path=ppt/slides/slide6.xml><?xml version="1.0" encoding="utf-8"?>
+<p:sld xmlns:a="http://schemas.openxmlformats.org/drawingml/2006/main" xmlns:r="http://schemas.openxmlformats.org/officeDocument/2006/relationships" xmlns:p="http://schemas.openxmlformats.org/presentationml/2006/main">
+  <p:cSld>
+    <p:spTree>
+      <p:nvGrpSpPr>
+        <p:cNvPr id="1" name=""/>
+        <p:cNvGrpSpPr/>
+        <p:nvPr/>
+      </p:nvGrpSpPr>
+      <p:grpSpPr>
+        <a:xfrm>
+          <a:off x="0" y="0"/>
+          <a:ext cx="0" cy="0"/>
+          <a:chOff x="0" y="0"/>
+          <a:chExt cx="0" cy="0"/>
+        </a:xfrm>
+      </p:grpSpPr>
+      <p:sp>
+        <p:nvSpPr>
+          <p:cNvPr id="2" name="Title 1">
+            <a:extLst>
+              <a:ext uri="{FF2B5EF4-FFF2-40B4-BE49-F238E27FC236}">
+                <a16:creationId xmlns:a16="http://schemas.microsoft.com/office/drawing/2014/main" id="{AC3C1103-507C-EE13-196A-4BCA925A213F}"/>
+              </a:ext>
+            </a:extLst>
+          </p:cNvPr>
+          <p:cNvSpPr>
+            <a:spLocks noGrp="1"/>
+          </p:cNvSpPr>
+          <p:nvPr>
+            <p:ph type="title"/>
+          </p:nvPr>
+        </p:nvSpPr>
+        <p:spPr>
+          <a:xfrm>
+            <a:off x="838200" y="288925"/>
+            <a:ext cx="10515600" cy="1325563"/>
+          </a:xfrm>
+        </p:spPr>
+        <p:txBody>
+          <a:bodyPr/>
+          <a:lstStyle/>
+          <a:p>
+            <a:pPr algn="ctr"/>
+            <a:r>
+              <a:rPr lang="en-US" dirty="0"/>
+              <a:t>Visualizations</a:t>
+            </a:r>
+            <a:endParaRPr lang="en-IN" dirty="0"/>
+          </a:p>
+        </p:txBody>
+      </p:sp>
+      <p:sp>
+        <p:nvSpPr>
+          <p:cNvPr id="4" name="Text Placeholder 3">
+            <a:extLst>
+              <a:ext uri="{FF2B5EF4-FFF2-40B4-BE49-F238E27FC236}">
+                <a16:creationId xmlns:a16="http://schemas.microsoft.com/office/drawing/2014/main" id="{611CD95F-D74F-18A0-B936-229301A635A8}"/>
+              </a:ext>
+            </a:extLst>
+          </p:cNvPr>
+          <p:cNvSpPr>
+            <a:spLocks noGrp="1"/>
+          </p:cNvSpPr>
+          <p:nvPr>
+            <p:ph sz="half" idx="2"/>
+          </p:nvPr>
+        </p:nvSpPr>
+        <p:spPr>
+          <a:xfrm>
+            <a:off x="7119256" y="1825625"/>
+            <a:ext cx="4234543" cy="4351338"/>
+          </a:xfrm>
+        </p:spPr>
+        <p:txBody>
+          <a:bodyPr/>
+          <a:lstStyle/>
+          <a:p>
+            <a:r>
+              <a:rPr lang="en-US" dirty="0"/>
+              <a:t>This shows the count of people with different home ownership and different loan status. Most of the defaulters either rent or Mortgage a house. Only few of them have their own house.</a:t>
+            </a:r>
+          </a:p>
+          <a:p>
+            <a:endParaRPr lang="en-IN" dirty="0"/>
+          </a:p>
+        </p:txBody>
+      </p:sp>
+      <p:sp>
+        <p:nvSpPr>
+          <p:cNvPr id="7" name="Rectangle 1">
+            <a:extLst>
+              <a:ext uri="{FF2B5EF4-FFF2-40B4-BE49-F238E27FC236}">
+                <a16:creationId xmlns:a16="http://schemas.microsoft.com/office/drawing/2014/main" id="{62ADF9BD-8E12-3096-219D-4C8B19B24BFF}"/>
+              </a:ext>
+            </a:extLst>
+          </p:cNvPr>
+          <p:cNvSpPr>
+            <a:spLocks noChangeArrowheads="1"/>
+          </p:cNvSpPr>
+          <p:nvPr/>
+        </p:nvSpPr>
+        <p:spPr bwMode="auto">
+          <a:xfrm>
+            <a:off x="838200" y="1665973"/>
+            <a:ext cx="6007650" cy="646331"/>
+          </a:xfrm>
+          <a:prstGeom prst="rect">
+            <a:avLst/>
+          </a:prstGeom>
+          <a:noFill/>
+          <a:ln>
+            <a:noFill/>
+          </a:ln>
+          <a:effectLst/>
+          <a:extLst>
+            <a:ext uri="{909E8E84-426E-40DD-AFC4-6F175D3DCCD1}">
+              <a14:hiddenFill xmlns:a14="http://schemas.microsoft.com/office/drawing/2010/main">
+                <a:solidFill>
+                  <a:schemeClr val="accent1"/>
+                </a:solidFill>
+              </a14:hiddenFill>
+            </a:ext>
+            <a:ext uri="{91240B29-F687-4F45-9708-019B960494DF}">
+              <a14:hiddenLine xmlns:a14="http://schemas.microsoft.com/office/drawing/2010/main" w="9525">
+                <a:solidFill>
+                  <a:schemeClr val="tx1"/>
+                </a:solidFill>
+                <a:miter lim="800000"/>
+                <a:headEnd/>
+                <a:tailEnd/>
+              </a14:hiddenLine>
+            </a:ext>
+            <a:ext uri="{AF507438-7753-43E0-B8FC-AC1667EBCBE1}">
+              <a14:hiddenEffects xmlns:a14="http://schemas.microsoft.com/office/drawing/2010/main">
+                <a:effectLst>
+                  <a:outerShdw dist="35921" dir="2700000" algn="ctr" rotWithShape="0">
+                    <a:schemeClr val="bg2"/>
+                  </a:outerShdw>
+                </a:effectLst>
+              </a14:hiddenEffects>
+            </a:ext>
+          </a:extLst>
+        </p:spPr>
+        <p:txBody>
+          <a:bodyPr vert="horz" wrap="square" lIns="91440" tIns="45720" rIns="91440" bIns="45720" numCol="1" anchor="ctr" anchorCtr="0" compatLnSpc="1">
+            <a:prstTxWarp prst="textNoShape">
+              <a:avLst/>
+            </a:prstTxWarp>
+            <a:spAutoFit/>
+          </a:bodyPr>
+          <a:lstStyle/>
+          <a:p>
+            <a:pPr marL="0" marR="0" lvl="0" indent="0" algn="l" defTabSz="914400" rtl="0" eaLnBrk="0" fontAlgn="base" latinLnBrk="0" hangingPunct="0">
+              <a:lnSpc>
+                <a:spcPct val="100000"/>
+              </a:lnSpc>
+              <a:spcBef>
+                <a:spcPct val="0"/>
+              </a:spcBef>
+              <a:spcAft>
+                <a:spcPct val="0"/>
+              </a:spcAft>
+              <a:buClrTx/>
+              <a:buSzTx/>
+              <a:buFontTx/>
+              <a:buNone/>
+              <a:tabLst/>
+            </a:pPr>
+            <a:br>
+              <a:rPr kumimoji="0" lang="en-US" altLang="en-US" sz="1800" b="0" i="0" u="none" strike="noStrike" cap="none" normalizeH="0" baseline="0">
+                <a:ln>
+                  <a:noFill/>
+                </a:ln>
+                <a:solidFill>
+                  <a:schemeClr val="tx1"/>
+                </a:solidFill>
+                <a:effectLst/>
+                <a:latin typeface="Arial" panose="020B0604020202020204" pitchFamily="34" charset="0"/>
+              </a:rPr>
+            </a:br>
+            <a:endParaRPr kumimoji="0" lang="en-US" altLang="en-US" sz="1800" b="0" i="0" u="none" strike="noStrike" cap="none" normalizeH="0" baseline="0">
+              <a:ln>
+                <a:noFill/>
+              </a:ln>
+              <a:solidFill>
+                <a:schemeClr val="tx1"/>
+              </a:solidFill>
+              <a:effectLst/>
+              <a:latin typeface="Arial" panose="020B0604020202020204" pitchFamily="34" charset="0"/>
+            </a:endParaRPr>
+          </a:p>
+        </p:txBody>
+      </p:sp>
+      <p:pic>
+        <p:nvPicPr>
+          <p:cNvPr id="12" name="Picture 11">
+            <a:extLst>
+              <a:ext uri="{FF2B5EF4-FFF2-40B4-BE49-F238E27FC236}">
+                <a16:creationId xmlns:a16="http://schemas.microsoft.com/office/drawing/2014/main" id="{041180D2-E682-F75F-F6B9-16E7C2B39B31}"/>
+              </a:ext>
+            </a:extLst>
+          </p:cNvPr>
+          <p:cNvPicPr>
+            <a:picLocks noChangeAspect="1"/>
+          </p:cNvPicPr>
+          <p:nvPr/>
+        </p:nvPicPr>
+        <p:blipFill>
+          <a:blip r:embed="rId2"/>
+          <a:stretch>
+            <a:fillRect/>
+          </a:stretch>
+        </p:blipFill>
+        <p:spPr>
+          <a:xfrm>
+            <a:off x="1222563" y="1971658"/>
+            <a:ext cx="5238924" cy="2914683"/>
+          </a:xfrm>
+          <a:prstGeom prst="rect">
+            <a:avLst/>
+          </a:prstGeom>
+        </p:spPr>
+      </p:pic>
+    </p:spTree>
+    <p:extLst>
+      <p:ext uri="{BB962C8B-B14F-4D97-AF65-F5344CB8AC3E}">
+        <p14:creationId xmlns:p14="http://schemas.microsoft.com/office/powerpoint/2010/main" val="1187481988"/>
+      </p:ext>
+    </p:extLst>
+  </p:cSld>
+  <p:clrMapOvr>
+    <a:masterClrMapping/>
+  </p:clrMapOvr>
+</p:sld>
+</file>
+
 <file path=ppt/theme/theme1.xml><?xml version="1.0" encoding="utf-8"?>
 <a:theme xmlns:a="http://schemas.openxmlformats.org/drawingml/2006/main" name="Office Theme">
   <a:themeElements>

--- a/Lending_club_case_study.pptx
+++ b/Lending_club_case_study.pptx
@@ -11,6 +11,12 @@
     <p:sldId id="259" r:id="rId5"/>
     <p:sldId id="260" r:id="rId6"/>
     <p:sldId id="261" r:id="rId7"/>
+    <p:sldId id="264" r:id="rId8"/>
+    <p:sldId id="262" r:id="rId9"/>
+    <p:sldId id="265" r:id="rId10"/>
+    <p:sldId id="263" r:id="rId11"/>
+    <p:sldId id="267" r:id="rId12"/>
+    <p:sldId id="266" r:id="rId13"/>
   </p:sldIdLst>
   <p:sldSz cx="12192000" cy="6858000"/>
   <p:notesSz cx="6858000" cy="9144000"/>
@@ -3435,6 +3441,4481 @@
 </p:sld>
 </file>
 
+<file path=ppt/slides/slide10.xml><?xml version="1.0" encoding="utf-8"?>
+<p:sld xmlns:a="http://schemas.openxmlformats.org/drawingml/2006/main" xmlns:r="http://schemas.openxmlformats.org/officeDocument/2006/relationships" xmlns:p="http://schemas.openxmlformats.org/presentationml/2006/main">
+  <p:cSld>
+    <p:spTree>
+      <p:nvGrpSpPr>
+        <p:cNvPr id="1" name=""/>
+        <p:cNvGrpSpPr/>
+        <p:nvPr/>
+      </p:nvGrpSpPr>
+      <p:grpSpPr>
+        <a:xfrm>
+          <a:off x="0" y="0"/>
+          <a:ext cx="0" cy="0"/>
+          <a:chOff x="0" y="0"/>
+          <a:chExt cx="0" cy="0"/>
+        </a:xfrm>
+      </p:grpSpPr>
+      <p:sp>
+        <p:nvSpPr>
+          <p:cNvPr id="2" name="Title 1">
+            <a:extLst>
+              <a:ext uri="{FF2B5EF4-FFF2-40B4-BE49-F238E27FC236}">
+                <a16:creationId xmlns:a16="http://schemas.microsoft.com/office/drawing/2014/main" id="{AC3C1103-507C-EE13-196A-4BCA925A213F}"/>
+              </a:ext>
+            </a:extLst>
+          </p:cNvPr>
+          <p:cNvSpPr>
+            <a:spLocks noGrp="1"/>
+          </p:cNvSpPr>
+          <p:nvPr>
+            <p:ph type="title"/>
+          </p:nvPr>
+        </p:nvSpPr>
+        <p:spPr>
+          <a:xfrm>
+            <a:off x="838200" y="288925"/>
+            <a:ext cx="10515600" cy="1325563"/>
+          </a:xfrm>
+        </p:spPr>
+        <p:txBody>
+          <a:bodyPr/>
+          <a:lstStyle/>
+          <a:p>
+            <a:pPr algn="ctr"/>
+            <a:r>
+              <a:rPr lang="en-US" dirty="0"/>
+              <a:t>Visualizations</a:t>
+            </a:r>
+            <a:endParaRPr lang="en-IN" dirty="0"/>
+          </a:p>
+        </p:txBody>
+      </p:sp>
+      <p:sp>
+        <p:nvSpPr>
+          <p:cNvPr id="4" name="Text Placeholder 3">
+            <a:extLst>
+              <a:ext uri="{FF2B5EF4-FFF2-40B4-BE49-F238E27FC236}">
+                <a16:creationId xmlns:a16="http://schemas.microsoft.com/office/drawing/2014/main" id="{611CD95F-D74F-18A0-B936-229301A635A8}"/>
+              </a:ext>
+            </a:extLst>
+          </p:cNvPr>
+          <p:cNvSpPr>
+            <a:spLocks noGrp="1"/>
+          </p:cNvSpPr>
+          <p:nvPr>
+            <p:ph sz="half" idx="2"/>
+          </p:nvPr>
+        </p:nvSpPr>
+        <p:spPr>
+          <a:xfrm>
+            <a:off x="7119256" y="1825625"/>
+            <a:ext cx="4234543" cy="4351338"/>
+          </a:xfrm>
+        </p:spPr>
+        <p:txBody>
+          <a:bodyPr/>
+          <a:lstStyle/>
+          <a:p>
+            <a:r>
+              <a:rPr lang="en-US" dirty="0"/>
+              <a:t>Mainly most of the defaulters usually take the loan in order to pay their debts off.</a:t>
+            </a:r>
+            <a:endParaRPr lang="en-IN" dirty="0"/>
+          </a:p>
+        </p:txBody>
+      </p:sp>
+      <p:sp>
+        <p:nvSpPr>
+          <p:cNvPr id="7" name="Rectangle 1">
+            <a:extLst>
+              <a:ext uri="{FF2B5EF4-FFF2-40B4-BE49-F238E27FC236}">
+                <a16:creationId xmlns:a16="http://schemas.microsoft.com/office/drawing/2014/main" id="{62ADF9BD-8E12-3096-219D-4C8B19B24BFF}"/>
+              </a:ext>
+            </a:extLst>
+          </p:cNvPr>
+          <p:cNvSpPr>
+            <a:spLocks noChangeArrowheads="1"/>
+          </p:cNvSpPr>
+          <p:nvPr/>
+        </p:nvSpPr>
+        <p:spPr bwMode="auto">
+          <a:xfrm>
+            <a:off x="838200" y="1665973"/>
+            <a:ext cx="6007650" cy="646331"/>
+          </a:xfrm>
+          <a:prstGeom prst="rect">
+            <a:avLst/>
+          </a:prstGeom>
+          <a:noFill/>
+          <a:ln>
+            <a:noFill/>
+          </a:ln>
+          <a:effectLst/>
+          <a:extLst>
+            <a:ext uri="{909E8E84-426E-40DD-AFC4-6F175D3DCCD1}">
+              <a14:hiddenFill xmlns:a14="http://schemas.microsoft.com/office/drawing/2010/main">
+                <a:solidFill>
+                  <a:schemeClr val="accent1"/>
+                </a:solidFill>
+              </a14:hiddenFill>
+            </a:ext>
+            <a:ext uri="{91240B29-F687-4F45-9708-019B960494DF}">
+              <a14:hiddenLine xmlns:a14="http://schemas.microsoft.com/office/drawing/2010/main" w="9525">
+                <a:solidFill>
+                  <a:schemeClr val="tx1"/>
+                </a:solidFill>
+                <a:miter lim="800000"/>
+                <a:headEnd/>
+                <a:tailEnd/>
+              </a14:hiddenLine>
+            </a:ext>
+            <a:ext uri="{AF507438-7753-43E0-B8FC-AC1667EBCBE1}">
+              <a14:hiddenEffects xmlns:a14="http://schemas.microsoft.com/office/drawing/2010/main">
+                <a:effectLst>
+                  <a:outerShdw dist="35921" dir="2700000" algn="ctr" rotWithShape="0">
+                    <a:schemeClr val="bg2"/>
+                  </a:outerShdw>
+                </a:effectLst>
+              </a14:hiddenEffects>
+            </a:ext>
+          </a:extLst>
+        </p:spPr>
+        <p:txBody>
+          <a:bodyPr vert="horz" wrap="square" lIns="91440" tIns="45720" rIns="91440" bIns="45720" numCol="1" anchor="ctr" anchorCtr="0" compatLnSpc="1">
+            <a:prstTxWarp prst="textNoShape">
+              <a:avLst/>
+            </a:prstTxWarp>
+            <a:spAutoFit/>
+          </a:bodyPr>
+          <a:lstStyle/>
+          <a:p>
+            <a:pPr marL="0" marR="0" lvl="0" indent="0" algn="l" defTabSz="914400" rtl="0" eaLnBrk="0" fontAlgn="base" latinLnBrk="0" hangingPunct="0">
+              <a:lnSpc>
+                <a:spcPct val="100000"/>
+              </a:lnSpc>
+              <a:spcBef>
+                <a:spcPct val="0"/>
+              </a:spcBef>
+              <a:spcAft>
+                <a:spcPct val="0"/>
+              </a:spcAft>
+              <a:buClrTx/>
+              <a:buSzTx/>
+              <a:buFontTx/>
+              <a:buNone/>
+              <a:tabLst/>
+            </a:pPr>
+            <a:br>
+              <a:rPr kumimoji="0" lang="en-US" altLang="en-US" sz="1800" b="0" i="0" u="none" strike="noStrike" cap="none" normalizeH="0" baseline="0">
+                <a:ln>
+                  <a:noFill/>
+                </a:ln>
+                <a:solidFill>
+                  <a:schemeClr val="tx1"/>
+                </a:solidFill>
+                <a:effectLst/>
+                <a:latin typeface="Arial" panose="020B0604020202020204" pitchFamily="34" charset="0"/>
+              </a:rPr>
+            </a:br>
+            <a:endParaRPr kumimoji="0" lang="en-US" altLang="en-US" sz="1800" b="0" i="0" u="none" strike="noStrike" cap="none" normalizeH="0" baseline="0">
+              <a:ln>
+                <a:noFill/>
+              </a:ln>
+              <a:solidFill>
+                <a:schemeClr val="tx1"/>
+              </a:solidFill>
+              <a:effectLst/>
+              <a:latin typeface="Arial" panose="020B0604020202020204" pitchFamily="34" charset="0"/>
+            </a:endParaRPr>
+          </a:p>
+        </p:txBody>
+      </p:sp>
+      <p:pic>
+        <p:nvPicPr>
+          <p:cNvPr id="2050" name="Picture 2">
+            <a:extLst>
+              <a:ext uri="{FF2B5EF4-FFF2-40B4-BE49-F238E27FC236}">
+                <a16:creationId xmlns:a16="http://schemas.microsoft.com/office/drawing/2014/main" id="{7598656F-1992-BA58-5D8F-F34904575D5E}"/>
+              </a:ext>
+            </a:extLst>
+          </p:cNvPr>
+          <p:cNvPicPr>
+            <a:picLocks noChangeAspect="1" noChangeArrowheads="1"/>
+          </p:cNvPicPr>
+          <p:nvPr/>
+        </p:nvPicPr>
+        <p:blipFill>
+          <a:blip r:embed="rId2">
+            <a:extLst>
+              <a:ext uri="{28A0092B-C50C-407E-A947-70E740481C1C}">
+                <a14:useLocalDpi xmlns:a14="http://schemas.microsoft.com/office/drawing/2010/main" val="0"/>
+              </a:ext>
+            </a:extLst>
+          </a:blip>
+          <a:srcRect/>
+          <a:stretch>
+            <a:fillRect/>
+          </a:stretch>
+        </p:blipFill>
+        <p:spPr bwMode="auto">
+          <a:xfrm>
+            <a:off x="969510" y="1611540"/>
+            <a:ext cx="5419725" cy="5353050"/>
+          </a:xfrm>
+          <a:prstGeom prst="rect">
+            <a:avLst/>
+          </a:prstGeom>
+          <a:noFill/>
+          <a:extLst>
+            <a:ext uri="{909E8E84-426E-40DD-AFC4-6F175D3DCCD1}">
+              <a14:hiddenFill xmlns:a14="http://schemas.microsoft.com/office/drawing/2010/main">
+                <a:solidFill>
+                  <a:srgbClr val="FFFFFF"/>
+                </a:solidFill>
+              </a14:hiddenFill>
+            </a:ext>
+          </a:extLst>
+        </p:spPr>
+      </p:pic>
+    </p:spTree>
+    <p:extLst>
+      <p:ext uri="{BB962C8B-B14F-4D97-AF65-F5344CB8AC3E}">
+        <p14:creationId xmlns:p14="http://schemas.microsoft.com/office/powerpoint/2010/main" val="3427185515"/>
+      </p:ext>
+    </p:extLst>
+  </p:cSld>
+  <p:clrMapOvr>
+    <a:masterClrMapping/>
+  </p:clrMapOvr>
+</p:sld>
+</file>
+
+<file path=ppt/slides/slide11.xml><?xml version="1.0" encoding="utf-8"?>
+<p:sld xmlns:a="http://schemas.openxmlformats.org/drawingml/2006/main" xmlns:r="http://schemas.openxmlformats.org/officeDocument/2006/relationships" xmlns:p="http://schemas.openxmlformats.org/presentationml/2006/main">
+  <p:cSld>
+    <p:spTree>
+      <p:nvGrpSpPr>
+        <p:cNvPr id="1" name=""/>
+        <p:cNvGrpSpPr/>
+        <p:nvPr/>
+      </p:nvGrpSpPr>
+      <p:grpSpPr>
+        <a:xfrm>
+          <a:off x="0" y="0"/>
+          <a:ext cx="0" cy="0"/>
+          <a:chOff x="0" y="0"/>
+          <a:chExt cx="0" cy="0"/>
+        </a:xfrm>
+      </p:grpSpPr>
+      <p:sp>
+        <p:nvSpPr>
+          <p:cNvPr id="2" name="Title 1">
+            <a:extLst>
+              <a:ext uri="{FF2B5EF4-FFF2-40B4-BE49-F238E27FC236}">
+                <a16:creationId xmlns:a16="http://schemas.microsoft.com/office/drawing/2014/main" id="{AC3C1103-507C-EE13-196A-4BCA925A213F}"/>
+              </a:ext>
+            </a:extLst>
+          </p:cNvPr>
+          <p:cNvSpPr>
+            <a:spLocks noGrp="1"/>
+          </p:cNvSpPr>
+          <p:nvPr>
+            <p:ph type="title"/>
+          </p:nvPr>
+        </p:nvSpPr>
+        <p:spPr>
+          <a:xfrm>
+            <a:off x="839788" y="457200"/>
+            <a:ext cx="9817326" cy="646331"/>
+          </a:xfrm>
+        </p:spPr>
+        <p:txBody>
+          <a:bodyPr/>
+          <a:lstStyle/>
+          <a:p>
+            <a:pPr algn="ctr"/>
+            <a:r>
+              <a:rPr lang="en-US" dirty="0"/>
+              <a:t>Bivariate Variables</a:t>
+            </a:r>
+            <a:endParaRPr lang="en-IN" dirty="0"/>
+          </a:p>
+        </p:txBody>
+      </p:sp>
+      <p:sp>
+        <p:nvSpPr>
+          <p:cNvPr id="4" name="Text Placeholder 3">
+            <a:extLst>
+              <a:ext uri="{FF2B5EF4-FFF2-40B4-BE49-F238E27FC236}">
+                <a16:creationId xmlns:a16="http://schemas.microsoft.com/office/drawing/2014/main" id="{611CD95F-D74F-18A0-B936-229301A635A8}"/>
+              </a:ext>
+            </a:extLst>
+          </p:cNvPr>
+          <p:cNvSpPr>
+            <a:spLocks noGrp="1"/>
+          </p:cNvSpPr>
+          <p:nvPr>
+            <p:ph idx="1"/>
+          </p:nvPr>
+        </p:nvSpPr>
+        <p:spPr>
+          <a:xfrm>
+            <a:off x="664029" y="1836511"/>
+            <a:ext cx="10843759" cy="4873625"/>
+          </a:xfrm>
+        </p:spPr>
+        <p:txBody>
+          <a:bodyPr/>
+          <a:lstStyle/>
+          <a:p>
+            <a:r>
+              <a:rPr lang="en-US" dirty="0"/>
+              <a:t>Here we find the correlation b/w 2 variables. If the correlation is negative, then they are inversely proportional.</a:t>
+            </a:r>
+          </a:p>
+          <a:p>
+            <a:r>
+              <a:rPr lang="en-US" dirty="0"/>
+              <a:t>For this we plot a correlation matrix of the variables.</a:t>
+            </a:r>
+            <a:endParaRPr lang="en-IN" dirty="0"/>
+          </a:p>
+        </p:txBody>
+      </p:sp>
+    </p:spTree>
+    <p:extLst>
+      <p:ext uri="{BB962C8B-B14F-4D97-AF65-F5344CB8AC3E}">
+        <p14:creationId xmlns:p14="http://schemas.microsoft.com/office/powerpoint/2010/main" val="2120902572"/>
+      </p:ext>
+    </p:extLst>
+  </p:cSld>
+  <p:clrMapOvr>
+    <a:masterClrMapping/>
+  </p:clrMapOvr>
+</p:sld>
+</file>
+
+<file path=ppt/slides/slide12.xml><?xml version="1.0" encoding="utf-8"?>
+<p:sld xmlns:a="http://schemas.openxmlformats.org/drawingml/2006/main" xmlns:r="http://schemas.openxmlformats.org/officeDocument/2006/relationships" xmlns:p="http://schemas.openxmlformats.org/presentationml/2006/main">
+  <p:cSld>
+    <p:spTree>
+      <p:nvGrpSpPr>
+        <p:cNvPr id="1" name=""/>
+        <p:cNvGrpSpPr/>
+        <p:nvPr/>
+      </p:nvGrpSpPr>
+      <p:grpSpPr>
+        <a:xfrm>
+          <a:off x="0" y="0"/>
+          <a:ext cx="0" cy="0"/>
+          <a:chOff x="0" y="0"/>
+          <a:chExt cx="0" cy="0"/>
+        </a:xfrm>
+      </p:grpSpPr>
+      <p:sp>
+        <p:nvSpPr>
+          <p:cNvPr id="2" name="Title 1">
+            <a:extLst>
+              <a:ext uri="{FF2B5EF4-FFF2-40B4-BE49-F238E27FC236}">
+                <a16:creationId xmlns:a16="http://schemas.microsoft.com/office/drawing/2014/main" id="{28056DB5-F24A-AE51-15BF-6A9CD8BF8E1B}"/>
+              </a:ext>
+            </a:extLst>
+          </p:cNvPr>
+          <p:cNvSpPr>
+            <a:spLocks noGrp="1"/>
+          </p:cNvSpPr>
+          <p:nvPr>
+            <p:ph type="title"/>
+          </p:nvPr>
+        </p:nvSpPr>
+        <p:spPr/>
+        <p:txBody>
+          <a:bodyPr/>
+          <a:lstStyle/>
+          <a:p>
+            <a:pPr algn="ctr"/>
+            <a:r>
+              <a:rPr lang="en-US" dirty="0"/>
+              <a:t>Bivariate Analysis</a:t>
+            </a:r>
+            <a:endParaRPr lang="en-IN" dirty="0"/>
+          </a:p>
+        </p:txBody>
+      </p:sp>
+      <p:graphicFrame>
+        <p:nvGraphicFramePr>
+          <p:cNvPr id="5" name="Content Placeholder 4">
+            <a:extLst>
+              <a:ext uri="{FF2B5EF4-FFF2-40B4-BE49-F238E27FC236}">
+                <a16:creationId xmlns:a16="http://schemas.microsoft.com/office/drawing/2014/main" id="{7517AFBF-0D40-CA5C-15CB-ED8EFC4C8175}"/>
+              </a:ext>
+            </a:extLst>
+          </p:cNvPr>
+          <p:cNvGraphicFramePr>
+            <a:graphicFrameLocks noGrp="1"/>
+          </p:cNvGraphicFramePr>
+          <p:nvPr>
+            <p:ph sz="half" idx="1"/>
+            <p:extLst>
+              <p:ext uri="{D42A27DB-BD31-4B8C-83A1-F6EECF244321}">
+                <p14:modId xmlns:p14="http://schemas.microsoft.com/office/powerpoint/2010/main" val="2239264974"/>
+              </p:ext>
+            </p:extLst>
+          </p:nvPr>
+        </p:nvGraphicFramePr>
+        <p:xfrm>
+          <a:off x="951750" y="1825624"/>
+          <a:ext cx="10249646" cy="4351340"/>
+        </p:xfrm>
+        <a:graphic>
+          <a:graphicData uri="http://schemas.openxmlformats.org/drawingml/2006/table">
+            <a:tbl>
+              <a:tblPr/>
+              <a:tblGrid>
+                <a:gridCol w="931786">
+                  <a:extLst>
+                    <a:ext uri="{9D8B030D-6E8A-4147-A177-3AD203B41FA5}">
+                      <a16:colId xmlns:a16="http://schemas.microsoft.com/office/drawing/2014/main" val="1540163986"/>
+                    </a:ext>
+                  </a:extLst>
+                </a:gridCol>
+                <a:gridCol w="931786">
+                  <a:extLst>
+                    <a:ext uri="{9D8B030D-6E8A-4147-A177-3AD203B41FA5}">
+                      <a16:colId xmlns:a16="http://schemas.microsoft.com/office/drawing/2014/main" val="551428919"/>
+                    </a:ext>
+                  </a:extLst>
+                </a:gridCol>
+                <a:gridCol w="931786">
+                  <a:extLst>
+                    <a:ext uri="{9D8B030D-6E8A-4147-A177-3AD203B41FA5}">
+                      <a16:colId xmlns:a16="http://schemas.microsoft.com/office/drawing/2014/main" val="245346827"/>
+                    </a:ext>
+                  </a:extLst>
+                </a:gridCol>
+                <a:gridCol w="931786">
+                  <a:extLst>
+                    <a:ext uri="{9D8B030D-6E8A-4147-A177-3AD203B41FA5}">
+                      <a16:colId xmlns:a16="http://schemas.microsoft.com/office/drawing/2014/main" val="3471757182"/>
+                    </a:ext>
+                  </a:extLst>
+                </a:gridCol>
+                <a:gridCol w="931786">
+                  <a:extLst>
+                    <a:ext uri="{9D8B030D-6E8A-4147-A177-3AD203B41FA5}">
+                      <a16:colId xmlns:a16="http://schemas.microsoft.com/office/drawing/2014/main" val="3544475360"/>
+                    </a:ext>
+                  </a:extLst>
+                </a:gridCol>
+                <a:gridCol w="931786">
+                  <a:extLst>
+                    <a:ext uri="{9D8B030D-6E8A-4147-A177-3AD203B41FA5}">
+                      <a16:colId xmlns:a16="http://schemas.microsoft.com/office/drawing/2014/main" val="2851853273"/>
+                    </a:ext>
+                  </a:extLst>
+                </a:gridCol>
+                <a:gridCol w="931786">
+                  <a:extLst>
+                    <a:ext uri="{9D8B030D-6E8A-4147-A177-3AD203B41FA5}">
+                      <a16:colId xmlns:a16="http://schemas.microsoft.com/office/drawing/2014/main" val="795676322"/>
+                    </a:ext>
+                  </a:extLst>
+                </a:gridCol>
+                <a:gridCol w="931786">
+                  <a:extLst>
+                    <a:ext uri="{9D8B030D-6E8A-4147-A177-3AD203B41FA5}">
+                      <a16:colId xmlns:a16="http://schemas.microsoft.com/office/drawing/2014/main" val="3719963768"/>
+                    </a:ext>
+                  </a:extLst>
+                </a:gridCol>
+                <a:gridCol w="931786">
+                  <a:extLst>
+                    <a:ext uri="{9D8B030D-6E8A-4147-A177-3AD203B41FA5}">
+                      <a16:colId xmlns:a16="http://schemas.microsoft.com/office/drawing/2014/main" val="2389107957"/>
+                    </a:ext>
+                  </a:extLst>
+                </a:gridCol>
+                <a:gridCol w="931786">
+                  <a:extLst>
+                    <a:ext uri="{9D8B030D-6E8A-4147-A177-3AD203B41FA5}">
+                      <a16:colId xmlns:a16="http://schemas.microsoft.com/office/drawing/2014/main" val="3588126853"/>
+                    </a:ext>
+                  </a:extLst>
+                </a:gridCol>
+                <a:gridCol w="931786">
+                  <a:extLst>
+                    <a:ext uri="{9D8B030D-6E8A-4147-A177-3AD203B41FA5}">
+                      <a16:colId xmlns:a16="http://schemas.microsoft.com/office/drawing/2014/main" val="1986183118"/>
+                    </a:ext>
+                  </a:extLst>
+                </a:gridCol>
+              </a:tblGrid>
+              <a:tr h="560073">
+                <a:tc>
+                  <a:txBody>
+                    <a:bodyPr/>
+                    <a:lstStyle/>
+                    <a:p>
+                      <a:pPr algn="r" fontAlgn="ctr"/>
+                      <a:endParaRPr lang="en-IN" sz="800" b="1">
+                        <a:effectLst/>
+                      </a:endParaRPr>
+                    </a:p>
+                  </a:txBody>
+                  <a:tcPr marL="43083" marR="43083" marT="21541" marB="21541" anchor="ctr">
+                    <a:lnL>
+                      <a:noFill/>
+                    </a:lnL>
+                    <a:lnR>
+                      <a:noFill/>
+                    </a:lnR>
+                    <a:lnT>
+                      <a:noFill/>
+                    </a:lnT>
+                    <a:lnB>
+                      <a:noFill/>
+                    </a:lnB>
+                    <a:solidFill>
+                      <a:srgbClr val="FFFFFF"/>
+                    </a:solidFill>
+                  </a:tcPr>
+                </a:tc>
+                <a:tc>
+                  <a:txBody>
+                    <a:bodyPr/>
+                    <a:lstStyle/>
+                    <a:p>
+                      <a:pPr algn="r" fontAlgn="ctr"/>
+                      <a:r>
+                        <a:rPr lang="en-IN" sz="800" b="1">
+                          <a:effectLst/>
+                        </a:rPr>
+                        <a:t>id</a:t>
+                      </a:r>
+                    </a:p>
+                  </a:txBody>
+                  <a:tcPr marL="43083" marR="43083" marT="21541" marB="21541" anchor="ctr">
+                    <a:lnL>
+                      <a:noFill/>
+                    </a:lnL>
+                    <a:lnR>
+                      <a:noFill/>
+                    </a:lnR>
+                    <a:lnT>
+                      <a:noFill/>
+                    </a:lnT>
+                    <a:lnB>
+                      <a:noFill/>
+                    </a:lnB>
+                    <a:solidFill>
+                      <a:srgbClr val="FFFFFF"/>
+                    </a:solidFill>
+                  </a:tcPr>
+                </a:tc>
+                <a:tc>
+                  <a:txBody>
+                    <a:bodyPr/>
+                    <a:lstStyle/>
+                    <a:p>
+                      <a:pPr algn="r" fontAlgn="ctr"/>
+                      <a:r>
+                        <a:rPr lang="en-IN" sz="800" b="1">
+                          <a:effectLst/>
+                        </a:rPr>
+                        <a:t>member_id</a:t>
+                      </a:r>
+                    </a:p>
+                  </a:txBody>
+                  <a:tcPr marL="43083" marR="43083" marT="21541" marB="21541" anchor="ctr">
+                    <a:lnL>
+                      <a:noFill/>
+                    </a:lnL>
+                    <a:lnR>
+                      <a:noFill/>
+                    </a:lnR>
+                    <a:lnT>
+                      <a:noFill/>
+                    </a:lnT>
+                    <a:lnB>
+                      <a:noFill/>
+                    </a:lnB>
+                    <a:solidFill>
+                      <a:srgbClr val="FFFFFF"/>
+                    </a:solidFill>
+                  </a:tcPr>
+                </a:tc>
+                <a:tc>
+                  <a:txBody>
+                    <a:bodyPr/>
+                    <a:lstStyle/>
+                    <a:p>
+                      <a:pPr algn="r" fontAlgn="ctr"/>
+                      <a:r>
+                        <a:rPr lang="en-IN" sz="800" b="1">
+                          <a:effectLst/>
+                        </a:rPr>
+                        <a:t>loan_amnt</a:t>
+                      </a:r>
+                    </a:p>
+                  </a:txBody>
+                  <a:tcPr marL="43083" marR="43083" marT="21541" marB="21541" anchor="ctr">
+                    <a:lnL>
+                      <a:noFill/>
+                    </a:lnL>
+                    <a:lnR>
+                      <a:noFill/>
+                    </a:lnR>
+                    <a:lnT>
+                      <a:noFill/>
+                    </a:lnT>
+                    <a:lnB>
+                      <a:noFill/>
+                    </a:lnB>
+                    <a:solidFill>
+                      <a:srgbClr val="FFFFFF"/>
+                    </a:solidFill>
+                  </a:tcPr>
+                </a:tc>
+                <a:tc>
+                  <a:txBody>
+                    <a:bodyPr/>
+                    <a:lstStyle/>
+                    <a:p>
+                      <a:pPr algn="r" fontAlgn="ctr"/>
+                      <a:r>
+                        <a:rPr lang="en-IN" sz="800" b="1">
+                          <a:effectLst/>
+                        </a:rPr>
+                        <a:t>funded_amnt</a:t>
+                      </a:r>
+                    </a:p>
+                  </a:txBody>
+                  <a:tcPr marL="43083" marR="43083" marT="21541" marB="21541" anchor="ctr">
+                    <a:lnL>
+                      <a:noFill/>
+                    </a:lnL>
+                    <a:lnR>
+                      <a:noFill/>
+                    </a:lnR>
+                    <a:lnT>
+                      <a:noFill/>
+                    </a:lnT>
+                    <a:lnB>
+                      <a:noFill/>
+                    </a:lnB>
+                    <a:solidFill>
+                      <a:srgbClr val="FFFFFF"/>
+                    </a:solidFill>
+                  </a:tcPr>
+                </a:tc>
+                <a:tc>
+                  <a:txBody>
+                    <a:bodyPr/>
+                    <a:lstStyle/>
+                    <a:p>
+                      <a:pPr algn="r" fontAlgn="ctr"/>
+                      <a:r>
+                        <a:rPr lang="en-IN" sz="800" b="1">
+                          <a:effectLst/>
+                        </a:rPr>
+                        <a:t>funded_amnt_inv</a:t>
+                      </a:r>
+                    </a:p>
+                  </a:txBody>
+                  <a:tcPr marL="43083" marR="43083" marT="21541" marB="21541" anchor="ctr">
+                    <a:lnL>
+                      <a:noFill/>
+                    </a:lnL>
+                    <a:lnR>
+                      <a:noFill/>
+                    </a:lnR>
+                    <a:lnT>
+                      <a:noFill/>
+                    </a:lnT>
+                    <a:lnB>
+                      <a:noFill/>
+                    </a:lnB>
+                    <a:solidFill>
+                      <a:srgbClr val="FFFFFF"/>
+                    </a:solidFill>
+                  </a:tcPr>
+                </a:tc>
+                <a:tc>
+                  <a:txBody>
+                    <a:bodyPr/>
+                    <a:lstStyle/>
+                    <a:p>
+                      <a:pPr algn="r" fontAlgn="ctr"/>
+                      <a:r>
+                        <a:rPr lang="en-IN" sz="800" b="1">
+                          <a:effectLst/>
+                        </a:rPr>
+                        <a:t>int_rate</a:t>
+                      </a:r>
+                    </a:p>
+                  </a:txBody>
+                  <a:tcPr marL="43083" marR="43083" marT="21541" marB="21541" anchor="ctr">
+                    <a:lnL>
+                      <a:noFill/>
+                    </a:lnL>
+                    <a:lnR>
+                      <a:noFill/>
+                    </a:lnR>
+                    <a:lnT>
+                      <a:noFill/>
+                    </a:lnT>
+                    <a:lnB>
+                      <a:noFill/>
+                    </a:lnB>
+                    <a:solidFill>
+                      <a:srgbClr val="FFFFFF"/>
+                    </a:solidFill>
+                  </a:tcPr>
+                </a:tc>
+                <a:tc>
+                  <a:txBody>
+                    <a:bodyPr/>
+                    <a:lstStyle/>
+                    <a:p>
+                      <a:pPr algn="r" fontAlgn="ctr"/>
+                      <a:r>
+                        <a:rPr lang="en-IN" sz="800" b="1">
+                          <a:effectLst/>
+                        </a:rPr>
+                        <a:t>installment</a:t>
+                      </a:r>
+                    </a:p>
+                  </a:txBody>
+                  <a:tcPr marL="43083" marR="43083" marT="21541" marB="21541" anchor="ctr">
+                    <a:lnL>
+                      <a:noFill/>
+                    </a:lnL>
+                    <a:lnR>
+                      <a:noFill/>
+                    </a:lnR>
+                    <a:lnT>
+                      <a:noFill/>
+                    </a:lnT>
+                    <a:lnB>
+                      <a:noFill/>
+                    </a:lnB>
+                    <a:solidFill>
+                      <a:srgbClr val="FFFFFF"/>
+                    </a:solidFill>
+                  </a:tcPr>
+                </a:tc>
+                <a:tc>
+                  <a:txBody>
+                    <a:bodyPr/>
+                    <a:lstStyle/>
+                    <a:p>
+                      <a:pPr algn="r" fontAlgn="ctr"/>
+                      <a:r>
+                        <a:rPr lang="en-IN" sz="800" b="1">
+                          <a:effectLst/>
+                        </a:rPr>
+                        <a:t>annual_inc</a:t>
+                      </a:r>
+                    </a:p>
+                  </a:txBody>
+                  <a:tcPr marL="43083" marR="43083" marT="21541" marB="21541" anchor="ctr">
+                    <a:lnL>
+                      <a:noFill/>
+                    </a:lnL>
+                    <a:lnR>
+                      <a:noFill/>
+                    </a:lnR>
+                    <a:lnT>
+                      <a:noFill/>
+                    </a:lnT>
+                    <a:lnB>
+                      <a:noFill/>
+                    </a:lnB>
+                    <a:solidFill>
+                      <a:srgbClr val="FFFFFF"/>
+                    </a:solidFill>
+                  </a:tcPr>
+                </a:tc>
+                <a:tc>
+                  <a:txBody>
+                    <a:bodyPr/>
+                    <a:lstStyle/>
+                    <a:p>
+                      <a:pPr algn="r" fontAlgn="ctr"/>
+                      <a:r>
+                        <a:rPr lang="en-IN" sz="800" b="1">
+                          <a:effectLst/>
+                        </a:rPr>
+                        <a:t>dti</a:t>
+                      </a:r>
+                    </a:p>
+                  </a:txBody>
+                  <a:tcPr marL="43083" marR="43083" marT="21541" marB="21541" anchor="ctr">
+                    <a:lnL>
+                      <a:noFill/>
+                    </a:lnL>
+                    <a:lnR>
+                      <a:noFill/>
+                    </a:lnR>
+                    <a:lnT>
+                      <a:noFill/>
+                    </a:lnT>
+                    <a:lnB>
+                      <a:noFill/>
+                    </a:lnB>
+                    <a:solidFill>
+                      <a:srgbClr val="FFFFFF"/>
+                    </a:solidFill>
+                  </a:tcPr>
+                </a:tc>
+                <a:tc>
+                  <a:txBody>
+                    <a:bodyPr/>
+                    <a:lstStyle/>
+                    <a:p>
+                      <a:pPr algn="r" fontAlgn="ctr"/>
+                      <a:r>
+                        <a:rPr lang="en-IN" sz="800" b="1">
+                          <a:effectLst/>
+                        </a:rPr>
+                        <a:t>mths_since_last_delinq</a:t>
+                      </a:r>
+                    </a:p>
+                  </a:txBody>
+                  <a:tcPr marL="43083" marR="43083" marT="21541" marB="21541" anchor="ctr">
+                    <a:lnL>
+                      <a:noFill/>
+                    </a:lnL>
+                    <a:lnR>
+                      <a:noFill/>
+                    </a:lnR>
+                    <a:lnT>
+                      <a:noFill/>
+                    </a:lnT>
+                    <a:lnB>
+                      <a:noFill/>
+                    </a:lnB>
+                    <a:solidFill>
+                      <a:srgbClr val="FFFFFF"/>
+                    </a:solidFill>
+                  </a:tcPr>
+                </a:tc>
+                <a:extLst>
+                  <a:ext uri="{0D108BD9-81ED-4DB2-BD59-A6C34878D82A}">
+                    <a16:rowId xmlns:a16="http://schemas.microsoft.com/office/drawing/2014/main" val="3385632272"/>
+                  </a:ext>
+                </a:extLst>
+              </a:tr>
+              <a:tr h="301578">
+                <a:tc>
+                  <a:txBody>
+                    <a:bodyPr/>
+                    <a:lstStyle/>
+                    <a:p>
+                      <a:pPr algn="r" fontAlgn="ctr"/>
+                      <a:r>
+                        <a:rPr lang="en-IN" sz="800" b="1">
+                          <a:effectLst/>
+                        </a:rPr>
+                        <a:t>id</a:t>
+                      </a:r>
+                    </a:p>
+                  </a:txBody>
+                  <a:tcPr marL="43083" marR="43083" marT="21541" marB="21541" anchor="ctr">
+                    <a:lnL>
+                      <a:noFill/>
+                    </a:lnL>
+                    <a:lnR>
+                      <a:noFill/>
+                    </a:lnR>
+                    <a:lnT>
+                      <a:noFill/>
+                    </a:lnT>
+                    <a:lnB>
+                      <a:noFill/>
+                    </a:lnB>
+                    <a:solidFill>
+                      <a:srgbClr val="F5F5F5"/>
+                    </a:solidFill>
+                  </a:tcPr>
+                </a:tc>
+                <a:tc>
+                  <a:txBody>
+                    <a:bodyPr/>
+                    <a:lstStyle/>
+                    <a:p>
+                      <a:pPr algn="r" fontAlgn="ctr"/>
+                      <a:r>
+                        <a:rPr lang="en-IN" sz="800">
+                          <a:effectLst/>
+                        </a:rPr>
+                        <a:t>1.000000</a:t>
+                      </a:r>
+                    </a:p>
+                  </a:txBody>
+                  <a:tcPr marL="43083" marR="43083" marT="21541" marB="21541" anchor="ctr">
+                    <a:lnL>
+                      <a:noFill/>
+                    </a:lnL>
+                    <a:lnR>
+                      <a:noFill/>
+                    </a:lnR>
+                    <a:lnT>
+                      <a:noFill/>
+                    </a:lnT>
+                    <a:lnB>
+                      <a:noFill/>
+                    </a:lnB>
+                    <a:solidFill>
+                      <a:srgbClr val="F5F5F5"/>
+                    </a:solidFill>
+                  </a:tcPr>
+                </a:tc>
+                <a:tc>
+                  <a:txBody>
+                    <a:bodyPr/>
+                    <a:lstStyle/>
+                    <a:p>
+                      <a:pPr algn="r" fontAlgn="ctr"/>
+                      <a:r>
+                        <a:rPr lang="en-IN" sz="800">
+                          <a:effectLst/>
+                        </a:rPr>
+                        <a:t>0.993534</a:t>
+                      </a:r>
+                    </a:p>
+                  </a:txBody>
+                  <a:tcPr marL="43083" marR="43083" marT="21541" marB="21541" anchor="ctr">
+                    <a:lnL>
+                      <a:noFill/>
+                    </a:lnL>
+                    <a:lnR>
+                      <a:noFill/>
+                    </a:lnR>
+                    <a:lnT>
+                      <a:noFill/>
+                    </a:lnT>
+                    <a:lnB>
+                      <a:noFill/>
+                    </a:lnB>
+                    <a:solidFill>
+                      <a:srgbClr val="F5F5F5"/>
+                    </a:solidFill>
+                  </a:tcPr>
+                </a:tc>
+                <a:tc>
+                  <a:txBody>
+                    <a:bodyPr/>
+                    <a:lstStyle/>
+                    <a:p>
+                      <a:pPr algn="r" fontAlgn="ctr"/>
+                      <a:r>
+                        <a:rPr lang="en-IN" sz="800">
+                          <a:effectLst/>
+                        </a:rPr>
+                        <a:t>0.120614</a:t>
+                      </a:r>
+                    </a:p>
+                  </a:txBody>
+                  <a:tcPr marL="43083" marR="43083" marT="21541" marB="21541" anchor="ctr">
+                    <a:lnL>
+                      <a:noFill/>
+                    </a:lnL>
+                    <a:lnR>
+                      <a:noFill/>
+                    </a:lnR>
+                    <a:lnT>
+                      <a:noFill/>
+                    </a:lnT>
+                    <a:lnB>
+                      <a:noFill/>
+                    </a:lnB>
+                    <a:solidFill>
+                      <a:srgbClr val="F5F5F5"/>
+                    </a:solidFill>
+                  </a:tcPr>
+                </a:tc>
+                <a:tc>
+                  <a:txBody>
+                    <a:bodyPr/>
+                    <a:lstStyle/>
+                    <a:p>
+                      <a:pPr algn="r" fontAlgn="ctr"/>
+                      <a:r>
+                        <a:rPr lang="en-IN" sz="800">
+                          <a:effectLst/>
+                        </a:rPr>
+                        <a:t>0.131283</a:t>
+                      </a:r>
+                    </a:p>
+                  </a:txBody>
+                  <a:tcPr marL="43083" marR="43083" marT="21541" marB="21541" anchor="ctr">
+                    <a:lnL>
+                      <a:noFill/>
+                    </a:lnL>
+                    <a:lnR>
+                      <a:noFill/>
+                    </a:lnR>
+                    <a:lnT>
+                      <a:noFill/>
+                    </a:lnT>
+                    <a:lnB>
+                      <a:noFill/>
+                    </a:lnB>
+                    <a:solidFill>
+                      <a:srgbClr val="F5F5F5"/>
+                    </a:solidFill>
+                  </a:tcPr>
+                </a:tc>
+                <a:tc>
+                  <a:txBody>
+                    <a:bodyPr/>
+                    <a:lstStyle/>
+                    <a:p>
+                      <a:pPr algn="r" fontAlgn="ctr"/>
+                      <a:r>
+                        <a:rPr lang="en-IN" sz="800">
+                          <a:effectLst/>
+                        </a:rPr>
+                        <a:t>0.231603</a:t>
+                      </a:r>
+                    </a:p>
+                  </a:txBody>
+                  <a:tcPr marL="43083" marR="43083" marT="21541" marB="21541" anchor="ctr">
+                    <a:lnL>
+                      <a:noFill/>
+                    </a:lnL>
+                    <a:lnR>
+                      <a:noFill/>
+                    </a:lnR>
+                    <a:lnT>
+                      <a:noFill/>
+                    </a:lnT>
+                    <a:lnB>
+                      <a:noFill/>
+                    </a:lnB>
+                    <a:solidFill>
+                      <a:srgbClr val="F5F5F5"/>
+                    </a:solidFill>
+                  </a:tcPr>
+                </a:tc>
+                <a:tc>
+                  <a:txBody>
+                    <a:bodyPr/>
+                    <a:lstStyle/>
+                    <a:p>
+                      <a:pPr algn="r" fontAlgn="ctr"/>
+                      <a:r>
+                        <a:rPr lang="en-IN" sz="800">
+                          <a:effectLst/>
+                        </a:rPr>
+                        <a:t>0.053936</a:t>
+                      </a:r>
+                    </a:p>
+                  </a:txBody>
+                  <a:tcPr marL="43083" marR="43083" marT="21541" marB="21541" anchor="ctr">
+                    <a:lnL>
+                      <a:noFill/>
+                    </a:lnL>
+                    <a:lnR>
+                      <a:noFill/>
+                    </a:lnR>
+                    <a:lnT>
+                      <a:noFill/>
+                    </a:lnT>
+                    <a:lnB>
+                      <a:noFill/>
+                    </a:lnB>
+                    <a:solidFill>
+                      <a:srgbClr val="F5F5F5"/>
+                    </a:solidFill>
+                  </a:tcPr>
+                </a:tc>
+                <a:tc>
+                  <a:txBody>
+                    <a:bodyPr/>
+                    <a:lstStyle/>
+                    <a:p>
+                      <a:pPr algn="r" fontAlgn="ctr"/>
+                      <a:r>
+                        <a:rPr lang="en-IN" sz="800">
+                          <a:effectLst/>
+                        </a:rPr>
+                        <a:t>0.076088</a:t>
+                      </a:r>
+                    </a:p>
+                  </a:txBody>
+                  <a:tcPr marL="43083" marR="43083" marT="21541" marB="21541" anchor="ctr">
+                    <a:lnL>
+                      <a:noFill/>
+                    </a:lnL>
+                    <a:lnR>
+                      <a:noFill/>
+                    </a:lnR>
+                    <a:lnT>
+                      <a:noFill/>
+                    </a:lnT>
+                    <a:lnB>
+                      <a:noFill/>
+                    </a:lnB>
+                    <a:solidFill>
+                      <a:srgbClr val="F5F5F5"/>
+                    </a:solidFill>
+                  </a:tcPr>
+                </a:tc>
+                <a:tc>
+                  <a:txBody>
+                    <a:bodyPr/>
+                    <a:lstStyle/>
+                    <a:p>
+                      <a:pPr algn="r" fontAlgn="ctr"/>
+                      <a:r>
+                        <a:rPr lang="en-IN" sz="800">
+                          <a:effectLst/>
+                        </a:rPr>
+                        <a:t>0.005572</a:t>
+                      </a:r>
+                    </a:p>
+                  </a:txBody>
+                  <a:tcPr marL="43083" marR="43083" marT="21541" marB="21541" anchor="ctr">
+                    <a:lnL>
+                      <a:noFill/>
+                    </a:lnL>
+                    <a:lnR>
+                      <a:noFill/>
+                    </a:lnR>
+                    <a:lnT>
+                      <a:noFill/>
+                    </a:lnT>
+                    <a:lnB>
+                      <a:noFill/>
+                    </a:lnB>
+                    <a:solidFill>
+                      <a:srgbClr val="F5F5F5"/>
+                    </a:solidFill>
+                  </a:tcPr>
+                </a:tc>
+                <a:tc>
+                  <a:txBody>
+                    <a:bodyPr/>
+                    <a:lstStyle/>
+                    <a:p>
+                      <a:pPr algn="r" fontAlgn="ctr"/>
+                      <a:r>
+                        <a:rPr lang="en-IN" sz="800">
+                          <a:effectLst/>
+                        </a:rPr>
+                        <a:t>0.091785</a:t>
+                      </a:r>
+                    </a:p>
+                  </a:txBody>
+                  <a:tcPr marL="43083" marR="43083" marT="21541" marB="21541" anchor="ctr">
+                    <a:lnL>
+                      <a:noFill/>
+                    </a:lnL>
+                    <a:lnR>
+                      <a:noFill/>
+                    </a:lnR>
+                    <a:lnT>
+                      <a:noFill/>
+                    </a:lnT>
+                    <a:lnB>
+                      <a:noFill/>
+                    </a:lnB>
+                    <a:solidFill>
+                      <a:srgbClr val="F5F5F5"/>
+                    </a:solidFill>
+                  </a:tcPr>
+                </a:tc>
+                <a:tc>
+                  <a:txBody>
+                    <a:bodyPr/>
+                    <a:lstStyle/>
+                    <a:p>
+                      <a:pPr algn="r" fontAlgn="ctr"/>
+                      <a:r>
+                        <a:rPr lang="en-IN" sz="800">
+                          <a:effectLst/>
+                        </a:rPr>
+                        <a:t>0.119468</a:t>
+                      </a:r>
+                    </a:p>
+                  </a:txBody>
+                  <a:tcPr marL="43083" marR="43083" marT="21541" marB="21541" anchor="ctr">
+                    <a:lnL>
+                      <a:noFill/>
+                    </a:lnL>
+                    <a:lnR>
+                      <a:noFill/>
+                    </a:lnR>
+                    <a:lnT>
+                      <a:noFill/>
+                    </a:lnT>
+                    <a:lnB>
+                      <a:noFill/>
+                    </a:lnB>
+                    <a:solidFill>
+                      <a:srgbClr val="F5F5F5"/>
+                    </a:solidFill>
+                  </a:tcPr>
+                </a:tc>
+                <a:extLst>
+                  <a:ext uri="{0D108BD9-81ED-4DB2-BD59-A6C34878D82A}">
+                    <a16:rowId xmlns:a16="http://schemas.microsoft.com/office/drawing/2014/main" val="4157536056"/>
+                  </a:ext>
+                </a:extLst>
+              </a:tr>
+              <a:tr h="301578">
+                <a:tc>
+                  <a:txBody>
+                    <a:bodyPr/>
+                    <a:lstStyle/>
+                    <a:p>
+                      <a:pPr algn="r" fontAlgn="ctr"/>
+                      <a:r>
+                        <a:rPr lang="en-IN" sz="800" b="1">
+                          <a:effectLst/>
+                        </a:rPr>
+                        <a:t>member_id</a:t>
+                      </a:r>
+                    </a:p>
+                  </a:txBody>
+                  <a:tcPr marL="43083" marR="43083" marT="21541" marB="21541" anchor="ctr">
+                    <a:lnL>
+                      <a:noFill/>
+                    </a:lnL>
+                    <a:lnR>
+                      <a:noFill/>
+                    </a:lnR>
+                    <a:lnT>
+                      <a:noFill/>
+                    </a:lnT>
+                    <a:lnB>
+                      <a:noFill/>
+                    </a:lnB>
+                    <a:solidFill>
+                      <a:srgbClr val="FFFFFF"/>
+                    </a:solidFill>
+                  </a:tcPr>
+                </a:tc>
+                <a:tc>
+                  <a:txBody>
+                    <a:bodyPr/>
+                    <a:lstStyle/>
+                    <a:p>
+                      <a:pPr algn="r" fontAlgn="ctr"/>
+                      <a:r>
+                        <a:rPr lang="en-IN" sz="800">
+                          <a:effectLst/>
+                        </a:rPr>
+                        <a:t>0.993534</a:t>
+                      </a:r>
+                    </a:p>
+                  </a:txBody>
+                  <a:tcPr marL="43083" marR="43083" marT="21541" marB="21541" anchor="ctr">
+                    <a:lnL>
+                      <a:noFill/>
+                    </a:lnL>
+                    <a:lnR>
+                      <a:noFill/>
+                    </a:lnR>
+                    <a:lnT>
+                      <a:noFill/>
+                    </a:lnT>
+                    <a:lnB>
+                      <a:noFill/>
+                    </a:lnB>
+                    <a:solidFill>
+                      <a:srgbClr val="FFFFFF"/>
+                    </a:solidFill>
+                  </a:tcPr>
+                </a:tc>
+                <a:tc>
+                  <a:txBody>
+                    <a:bodyPr/>
+                    <a:lstStyle/>
+                    <a:p>
+                      <a:pPr algn="r" fontAlgn="ctr"/>
+                      <a:r>
+                        <a:rPr lang="en-IN" sz="800">
+                          <a:effectLst/>
+                        </a:rPr>
+                        <a:t>1.000000</a:t>
+                      </a:r>
+                    </a:p>
+                  </a:txBody>
+                  <a:tcPr marL="43083" marR="43083" marT="21541" marB="21541" anchor="ctr">
+                    <a:lnL>
+                      <a:noFill/>
+                    </a:lnL>
+                    <a:lnR>
+                      <a:noFill/>
+                    </a:lnR>
+                    <a:lnT>
+                      <a:noFill/>
+                    </a:lnT>
+                    <a:lnB>
+                      <a:noFill/>
+                    </a:lnB>
+                    <a:solidFill>
+                      <a:srgbClr val="FFFFFF"/>
+                    </a:solidFill>
+                  </a:tcPr>
+                </a:tc>
+                <a:tc>
+                  <a:txBody>
+                    <a:bodyPr/>
+                    <a:lstStyle/>
+                    <a:p>
+                      <a:pPr algn="r" fontAlgn="ctr"/>
+                      <a:r>
+                        <a:rPr lang="en-IN" sz="800">
+                          <a:effectLst/>
+                        </a:rPr>
+                        <a:t>0.120393</a:t>
+                      </a:r>
+                    </a:p>
+                  </a:txBody>
+                  <a:tcPr marL="43083" marR="43083" marT="21541" marB="21541" anchor="ctr">
+                    <a:lnL>
+                      <a:noFill/>
+                    </a:lnL>
+                    <a:lnR>
+                      <a:noFill/>
+                    </a:lnR>
+                    <a:lnT>
+                      <a:noFill/>
+                    </a:lnT>
+                    <a:lnB>
+                      <a:noFill/>
+                    </a:lnB>
+                    <a:solidFill>
+                      <a:srgbClr val="FFFFFF"/>
+                    </a:solidFill>
+                  </a:tcPr>
+                </a:tc>
+                <a:tc>
+                  <a:txBody>
+                    <a:bodyPr/>
+                    <a:lstStyle/>
+                    <a:p>
+                      <a:pPr algn="r" fontAlgn="ctr"/>
+                      <a:r>
+                        <a:rPr lang="en-IN" sz="800">
+                          <a:effectLst/>
+                        </a:rPr>
+                        <a:t>0.130307</a:t>
+                      </a:r>
+                    </a:p>
+                  </a:txBody>
+                  <a:tcPr marL="43083" marR="43083" marT="21541" marB="21541" anchor="ctr">
+                    <a:lnL>
+                      <a:noFill/>
+                    </a:lnL>
+                    <a:lnR>
+                      <a:noFill/>
+                    </a:lnR>
+                    <a:lnT>
+                      <a:noFill/>
+                    </a:lnT>
+                    <a:lnB>
+                      <a:noFill/>
+                    </a:lnB>
+                    <a:solidFill>
+                      <a:srgbClr val="FFFFFF"/>
+                    </a:solidFill>
+                  </a:tcPr>
+                </a:tc>
+                <a:tc>
+                  <a:txBody>
+                    <a:bodyPr/>
+                    <a:lstStyle/>
+                    <a:p>
+                      <a:pPr algn="r" fontAlgn="ctr"/>
+                      <a:r>
+                        <a:rPr lang="en-IN" sz="800">
+                          <a:effectLst/>
+                        </a:rPr>
+                        <a:t>0.241324</a:t>
+                      </a:r>
+                    </a:p>
+                  </a:txBody>
+                  <a:tcPr marL="43083" marR="43083" marT="21541" marB="21541" anchor="ctr">
+                    <a:lnL>
+                      <a:noFill/>
+                    </a:lnL>
+                    <a:lnR>
+                      <a:noFill/>
+                    </a:lnR>
+                    <a:lnT>
+                      <a:noFill/>
+                    </a:lnT>
+                    <a:lnB>
+                      <a:noFill/>
+                    </a:lnB>
+                    <a:solidFill>
+                      <a:srgbClr val="FFFFFF"/>
+                    </a:solidFill>
+                  </a:tcPr>
+                </a:tc>
+                <a:tc>
+                  <a:txBody>
+                    <a:bodyPr/>
+                    <a:lstStyle/>
+                    <a:p>
+                      <a:pPr algn="r" fontAlgn="ctr"/>
+                      <a:r>
+                        <a:rPr lang="en-IN" sz="800">
+                          <a:effectLst/>
+                        </a:rPr>
+                        <a:t>0.050808</a:t>
+                      </a:r>
+                    </a:p>
+                  </a:txBody>
+                  <a:tcPr marL="43083" marR="43083" marT="21541" marB="21541" anchor="ctr">
+                    <a:lnL>
+                      <a:noFill/>
+                    </a:lnL>
+                    <a:lnR>
+                      <a:noFill/>
+                    </a:lnR>
+                    <a:lnT>
+                      <a:noFill/>
+                    </a:lnT>
+                    <a:lnB>
+                      <a:noFill/>
+                    </a:lnB>
+                    <a:solidFill>
+                      <a:srgbClr val="FFFFFF"/>
+                    </a:solidFill>
+                  </a:tcPr>
+                </a:tc>
+                <a:tc>
+                  <a:txBody>
+                    <a:bodyPr/>
+                    <a:lstStyle/>
+                    <a:p>
+                      <a:pPr algn="r" fontAlgn="ctr"/>
+                      <a:r>
+                        <a:rPr lang="en-IN" sz="800">
+                          <a:effectLst/>
+                        </a:rPr>
+                        <a:t>0.070918</a:t>
+                      </a:r>
+                    </a:p>
+                  </a:txBody>
+                  <a:tcPr marL="43083" marR="43083" marT="21541" marB="21541" anchor="ctr">
+                    <a:lnL>
+                      <a:noFill/>
+                    </a:lnL>
+                    <a:lnR>
+                      <a:noFill/>
+                    </a:lnR>
+                    <a:lnT>
+                      <a:noFill/>
+                    </a:lnT>
+                    <a:lnB>
+                      <a:noFill/>
+                    </a:lnB>
+                    <a:solidFill>
+                      <a:srgbClr val="FFFFFF"/>
+                    </a:solidFill>
+                  </a:tcPr>
+                </a:tc>
+                <a:tc>
+                  <a:txBody>
+                    <a:bodyPr/>
+                    <a:lstStyle/>
+                    <a:p>
+                      <a:pPr algn="r" fontAlgn="ctr"/>
+                      <a:r>
+                        <a:rPr lang="en-IN" sz="800" dirty="0">
+                          <a:effectLst/>
+                        </a:rPr>
+                        <a:t>0.006442</a:t>
+                      </a:r>
+                    </a:p>
+                  </a:txBody>
+                  <a:tcPr marL="43083" marR="43083" marT="21541" marB="21541" anchor="ctr">
+                    <a:lnL>
+                      <a:noFill/>
+                    </a:lnL>
+                    <a:lnR>
+                      <a:noFill/>
+                    </a:lnR>
+                    <a:lnT>
+                      <a:noFill/>
+                    </a:lnT>
+                    <a:lnB>
+                      <a:noFill/>
+                    </a:lnB>
+                    <a:solidFill>
+                      <a:srgbClr val="FFFFFF"/>
+                    </a:solidFill>
+                  </a:tcPr>
+                </a:tc>
+                <a:tc>
+                  <a:txBody>
+                    <a:bodyPr/>
+                    <a:lstStyle/>
+                    <a:p>
+                      <a:pPr algn="r" fontAlgn="ctr"/>
+                      <a:r>
+                        <a:rPr lang="en-IN" sz="800">
+                          <a:effectLst/>
+                        </a:rPr>
+                        <a:t>0.092910</a:t>
+                      </a:r>
+                    </a:p>
+                  </a:txBody>
+                  <a:tcPr marL="43083" marR="43083" marT="21541" marB="21541" anchor="ctr">
+                    <a:lnL>
+                      <a:noFill/>
+                    </a:lnL>
+                    <a:lnR>
+                      <a:noFill/>
+                    </a:lnR>
+                    <a:lnT>
+                      <a:noFill/>
+                    </a:lnT>
+                    <a:lnB>
+                      <a:noFill/>
+                    </a:lnB>
+                    <a:solidFill>
+                      <a:srgbClr val="FFFFFF"/>
+                    </a:solidFill>
+                  </a:tcPr>
+                </a:tc>
+                <a:tc>
+                  <a:txBody>
+                    <a:bodyPr/>
+                    <a:lstStyle/>
+                    <a:p>
+                      <a:pPr algn="r" fontAlgn="ctr"/>
+                      <a:r>
+                        <a:rPr lang="en-IN" sz="800">
+                          <a:effectLst/>
+                        </a:rPr>
+                        <a:t>0.125311</a:t>
+                      </a:r>
+                    </a:p>
+                  </a:txBody>
+                  <a:tcPr marL="43083" marR="43083" marT="21541" marB="21541" anchor="ctr">
+                    <a:lnL>
+                      <a:noFill/>
+                    </a:lnL>
+                    <a:lnR>
+                      <a:noFill/>
+                    </a:lnR>
+                    <a:lnT>
+                      <a:noFill/>
+                    </a:lnT>
+                    <a:lnB>
+                      <a:noFill/>
+                    </a:lnB>
+                    <a:solidFill>
+                      <a:srgbClr val="FFFFFF"/>
+                    </a:solidFill>
+                  </a:tcPr>
+                </a:tc>
+                <a:extLst>
+                  <a:ext uri="{0D108BD9-81ED-4DB2-BD59-A6C34878D82A}">
+                    <a16:rowId xmlns:a16="http://schemas.microsoft.com/office/drawing/2014/main" val="913133108"/>
+                  </a:ext>
+                </a:extLst>
+              </a:tr>
+              <a:tr h="301578">
+                <a:tc>
+                  <a:txBody>
+                    <a:bodyPr/>
+                    <a:lstStyle/>
+                    <a:p>
+                      <a:pPr algn="r" fontAlgn="ctr"/>
+                      <a:r>
+                        <a:rPr lang="en-IN" sz="800" b="1">
+                          <a:effectLst/>
+                        </a:rPr>
+                        <a:t>loan_amnt</a:t>
+                      </a:r>
+                    </a:p>
+                  </a:txBody>
+                  <a:tcPr marL="43083" marR="43083" marT="21541" marB="21541" anchor="ctr">
+                    <a:lnL>
+                      <a:noFill/>
+                    </a:lnL>
+                    <a:lnR>
+                      <a:noFill/>
+                    </a:lnR>
+                    <a:lnT>
+                      <a:noFill/>
+                    </a:lnT>
+                    <a:lnB>
+                      <a:noFill/>
+                    </a:lnB>
+                    <a:solidFill>
+                      <a:srgbClr val="F5F5F5"/>
+                    </a:solidFill>
+                  </a:tcPr>
+                </a:tc>
+                <a:tc>
+                  <a:txBody>
+                    <a:bodyPr/>
+                    <a:lstStyle/>
+                    <a:p>
+                      <a:pPr algn="r" fontAlgn="ctr"/>
+                      <a:r>
+                        <a:rPr lang="en-IN" sz="800">
+                          <a:effectLst/>
+                        </a:rPr>
+                        <a:t>0.120614</a:t>
+                      </a:r>
+                    </a:p>
+                  </a:txBody>
+                  <a:tcPr marL="43083" marR="43083" marT="21541" marB="21541" anchor="ctr">
+                    <a:lnL>
+                      <a:noFill/>
+                    </a:lnL>
+                    <a:lnR>
+                      <a:noFill/>
+                    </a:lnR>
+                    <a:lnT>
+                      <a:noFill/>
+                    </a:lnT>
+                    <a:lnB>
+                      <a:noFill/>
+                    </a:lnB>
+                    <a:solidFill>
+                      <a:srgbClr val="F5F5F5"/>
+                    </a:solidFill>
+                  </a:tcPr>
+                </a:tc>
+                <a:tc>
+                  <a:txBody>
+                    <a:bodyPr/>
+                    <a:lstStyle/>
+                    <a:p>
+                      <a:pPr algn="r" fontAlgn="ctr"/>
+                      <a:r>
+                        <a:rPr lang="en-IN" sz="800">
+                          <a:effectLst/>
+                        </a:rPr>
+                        <a:t>0.120393</a:t>
+                      </a:r>
+                    </a:p>
+                  </a:txBody>
+                  <a:tcPr marL="43083" marR="43083" marT="21541" marB="21541" anchor="ctr">
+                    <a:lnL>
+                      <a:noFill/>
+                    </a:lnL>
+                    <a:lnR>
+                      <a:noFill/>
+                    </a:lnR>
+                    <a:lnT>
+                      <a:noFill/>
+                    </a:lnT>
+                    <a:lnB>
+                      <a:noFill/>
+                    </a:lnB>
+                    <a:solidFill>
+                      <a:srgbClr val="F5F5F5"/>
+                    </a:solidFill>
+                  </a:tcPr>
+                </a:tc>
+                <a:tc>
+                  <a:txBody>
+                    <a:bodyPr/>
+                    <a:lstStyle/>
+                    <a:p>
+                      <a:pPr algn="r" fontAlgn="ctr"/>
+                      <a:r>
+                        <a:rPr lang="en-IN" sz="800">
+                          <a:effectLst/>
+                        </a:rPr>
+                        <a:t>1.000000</a:t>
+                      </a:r>
+                    </a:p>
+                  </a:txBody>
+                  <a:tcPr marL="43083" marR="43083" marT="21541" marB="21541" anchor="ctr">
+                    <a:lnL>
+                      <a:noFill/>
+                    </a:lnL>
+                    <a:lnR>
+                      <a:noFill/>
+                    </a:lnR>
+                    <a:lnT>
+                      <a:noFill/>
+                    </a:lnT>
+                    <a:lnB>
+                      <a:noFill/>
+                    </a:lnB>
+                    <a:solidFill>
+                      <a:srgbClr val="F5F5F5"/>
+                    </a:solidFill>
+                  </a:tcPr>
+                </a:tc>
+                <a:tc>
+                  <a:txBody>
+                    <a:bodyPr/>
+                    <a:lstStyle/>
+                    <a:p>
+                      <a:pPr algn="r" fontAlgn="ctr"/>
+                      <a:r>
+                        <a:rPr lang="en-IN" sz="800">
+                          <a:effectLst/>
+                        </a:rPr>
+                        <a:t>0.981790</a:t>
+                      </a:r>
+                    </a:p>
+                  </a:txBody>
+                  <a:tcPr marL="43083" marR="43083" marT="21541" marB="21541" anchor="ctr">
+                    <a:lnL>
+                      <a:noFill/>
+                    </a:lnL>
+                    <a:lnR>
+                      <a:noFill/>
+                    </a:lnR>
+                    <a:lnT>
+                      <a:noFill/>
+                    </a:lnT>
+                    <a:lnB>
+                      <a:noFill/>
+                    </a:lnB>
+                    <a:solidFill>
+                      <a:srgbClr val="F5F5F5"/>
+                    </a:solidFill>
+                  </a:tcPr>
+                </a:tc>
+                <a:tc>
+                  <a:txBody>
+                    <a:bodyPr/>
+                    <a:lstStyle/>
+                    <a:p>
+                      <a:pPr algn="r" fontAlgn="ctr"/>
+                      <a:r>
+                        <a:rPr lang="en-IN" sz="800">
+                          <a:effectLst/>
+                        </a:rPr>
+                        <a:t>0.937922</a:t>
+                      </a:r>
+                    </a:p>
+                  </a:txBody>
+                  <a:tcPr marL="43083" marR="43083" marT="21541" marB="21541" anchor="ctr">
+                    <a:lnL>
+                      <a:noFill/>
+                    </a:lnL>
+                    <a:lnR>
+                      <a:noFill/>
+                    </a:lnR>
+                    <a:lnT>
+                      <a:noFill/>
+                    </a:lnT>
+                    <a:lnB>
+                      <a:noFill/>
+                    </a:lnB>
+                    <a:solidFill>
+                      <a:srgbClr val="F5F5F5"/>
+                    </a:solidFill>
+                  </a:tcPr>
+                </a:tc>
+                <a:tc>
+                  <a:txBody>
+                    <a:bodyPr/>
+                    <a:lstStyle/>
+                    <a:p>
+                      <a:pPr algn="r" fontAlgn="ctr"/>
+                      <a:r>
+                        <a:rPr lang="en-IN" sz="800">
+                          <a:effectLst/>
+                        </a:rPr>
+                        <a:t>0.301265</a:t>
+                      </a:r>
+                    </a:p>
+                  </a:txBody>
+                  <a:tcPr marL="43083" marR="43083" marT="21541" marB="21541" anchor="ctr">
+                    <a:lnL>
+                      <a:noFill/>
+                    </a:lnL>
+                    <a:lnR>
+                      <a:noFill/>
+                    </a:lnR>
+                    <a:lnT>
+                      <a:noFill/>
+                    </a:lnT>
+                    <a:lnB>
+                      <a:noFill/>
+                    </a:lnB>
+                    <a:solidFill>
+                      <a:srgbClr val="F5F5F5"/>
+                    </a:solidFill>
+                  </a:tcPr>
+                </a:tc>
+                <a:tc>
+                  <a:txBody>
+                    <a:bodyPr/>
+                    <a:lstStyle/>
+                    <a:p>
+                      <a:pPr algn="r" fontAlgn="ctr"/>
+                      <a:r>
+                        <a:rPr lang="en-IN" sz="800">
+                          <a:effectLst/>
+                        </a:rPr>
+                        <a:t>0.932260</a:t>
+                      </a:r>
+                    </a:p>
+                  </a:txBody>
+                  <a:tcPr marL="43083" marR="43083" marT="21541" marB="21541" anchor="ctr">
+                    <a:lnL>
+                      <a:noFill/>
+                    </a:lnL>
+                    <a:lnR>
+                      <a:noFill/>
+                    </a:lnR>
+                    <a:lnT>
+                      <a:noFill/>
+                    </a:lnT>
+                    <a:lnB>
+                      <a:noFill/>
+                    </a:lnB>
+                    <a:solidFill>
+                      <a:srgbClr val="F5F5F5"/>
+                    </a:solidFill>
+                  </a:tcPr>
+                </a:tc>
+                <a:tc>
+                  <a:txBody>
+                    <a:bodyPr/>
+                    <a:lstStyle/>
+                    <a:p>
+                      <a:pPr algn="r" fontAlgn="ctr"/>
+                      <a:r>
+                        <a:rPr lang="en-IN" sz="800">
+                          <a:effectLst/>
+                        </a:rPr>
+                        <a:t>0.268999</a:t>
+                      </a:r>
+                    </a:p>
+                  </a:txBody>
+                  <a:tcPr marL="43083" marR="43083" marT="21541" marB="21541" anchor="ctr">
+                    <a:lnL>
+                      <a:noFill/>
+                    </a:lnL>
+                    <a:lnR>
+                      <a:noFill/>
+                    </a:lnR>
+                    <a:lnT>
+                      <a:noFill/>
+                    </a:lnT>
+                    <a:lnB>
+                      <a:noFill/>
+                    </a:lnB>
+                    <a:solidFill>
+                      <a:srgbClr val="F5F5F5"/>
+                    </a:solidFill>
+                  </a:tcPr>
+                </a:tc>
+                <a:tc>
+                  <a:txBody>
+                    <a:bodyPr/>
+                    <a:lstStyle/>
+                    <a:p>
+                      <a:pPr algn="r" fontAlgn="ctr"/>
+                      <a:r>
+                        <a:rPr lang="en-IN" sz="800">
+                          <a:effectLst/>
+                        </a:rPr>
+                        <a:t>0.062436</a:t>
+                      </a:r>
+                    </a:p>
+                  </a:txBody>
+                  <a:tcPr marL="43083" marR="43083" marT="21541" marB="21541" anchor="ctr">
+                    <a:lnL>
+                      <a:noFill/>
+                    </a:lnL>
+                    <a:lnR>
+                      <a:noFill/>
+                    </a:lnR>
+                    <a:lnT>
+                      <a:noFill/>
+                    </a:lnT>
+                    <a:lnB>
+                      <a:noFill/>
+                    </a:lnB>
+                    <a:solidFill>
+                      <a:srgbClr val="F5F5F5"/>
+                    </a:solidFill>
+                  </a:tcPr>
+                </a:tc>
+                <a:tc>
+                  <a:txBody>
+                    <a:bodyPr/>
+                    <a:lstStyle/>
+                    <a:p>
+                      <a:pPr algn="r" fontAlgn="ctr"/>
+                      <a:r>
+                        <a:rPr lang="en-IN" sz="800">
+                          <a:effectLst/>
+                        </a:rPr>
+                        <a:t>0.015440</a:t>
+                      </a:r>
+                    </a:p>
+                  </a:txBody>
+                  <a:tcPr marL="43083" marR="43083" marT="21541" marB="21541" anchor="ctr">
+                    <a:lnL>
+                      <a:noFill/>
+                    </a:lnL>
+                    <a:lnR>
+                      <a:noFill/>
+                    </a:lnR>
+                    <a:lnT>
+                      <a:noFill/>
+                    </a:lnT>
+                    <a:lnB>
+                      <a:noFill/>
+                    </a:lnB>
+                    <a:solidFill>
+                      <a:srgbClr val="F5F5F5"/>
+                    </a:solidFill>
+                  </a:tcPr>
+                </a:tc>
+                <a:extLst>
+                  <a:ext uri="{0D108BD9-81ED-4DB2-BD59-A6C34878D82A}">
+                    <a16:rowId xmlns:a16="http://schemas.microsoft.com/office/drawing/2014/main" val="1946444649"/>
+                  </a:ext>
+                </a:extLst>
+              </a:tr>
+              <a:tr h="301578">
+                <a:tc>
+                  <a:txBody>
+                    <a:bodyPr/>
+                    <a:lstStyle/>
+                    <a:p>
+                      <a:pPr algn="r" fontAlgn="ctr"/>
+                      <a:r>
+                        <a:rPr lang="en-IN" sz="800" b="1">
+                          <a:effectLst/>
+                        </a:rPr>
+                        <a:t>funded_amnt</a:t>
+                      </a:r>
+                    </a:p>
+                  </a:txBody>
+                  <a:tcPr marL="43083" marR="43083" marT="21541" marB="21541" anchor="ctr">
+                    <a:lnL>
+                      <a:noFill/>
+                    </a:lnL>
+                    <a:lnR>
+                      <a:noFill/>
+                    </a:lnR>
+                    <a:lnT>
+                      <a:noFill/>
+                    </a:lnT>
+                    <a:lnB>
+                      <a:noFill/>
+                    </a:lnB>
+                    <a:solidFill>
+                      <a:srgbClr val="FFFFFF"/>
+                    </a:solidFill>
+                  </a:tcPr>
+                </a:tc>
+                <a:tc>
+                  <a:txBody>
+                    <a:bodyPr/>
+                    <a:lstStyle/>
+                    <a:p>
+                      <a:pPr algn="r" fontAlgn="ctr"/>
+                      <a:r>
+                        <a:rPr lang="en-IN" sz="800">
+                          <a:effectLst/>
+                        </a:rPr>
+                        <a:t>0.131283</a:t>
+                      </a:r>
+                    </a:p>
+                  </a:txBody>
+                  <a:tcPr marL="43083" marR="43083" marT="21541" marB="21541" anchor="ctr">
+                    <a:lnL>
+                      <a:noFill/>
+                    </a:lnL>
+                    <a:lnR>
+                      <a:noFill/>
+                    </a:lnR>
+                    <a:lnT>
+                      <a:noFill/>
+                    </a:lnT>
+                    <a:lnB>
+                      <a:noFill/>
+                    </a:lnB>
+                    <a:solidFill>
+                      <a:srgbClr val="FFFFFF"/>
+                    </a:solidFill>
+                  </a:tcPr>
+                </a:tc>
+                <a:tc>
+                  <a:txBody>
+                    <a:bodyPr/>
+                    <a:lstStyle/>
+                    <a:p>
+                      <a:pPr algn="r" fontAlgn="ctr"/>
+                      <a:r>
+                        <a:rPr lang="en-IN" sz="800">
+                          <a:effectLst/>
+                        </a:rPr>
+                        <a:t>0.130307</a:t>
+                      </a:r>
+                    </a:p>
+                  </a:txBody>
+                  <a:tcPr marL="43083" marR="43083" marT="21541" marB="21541" anchor="ctr">
+                    <a:lnL>
+                      <a:noFill/>
+                    </a:lnL>
+                    <a:lnR>
+                      <a:noFill/>
+                    </a:lnR>
+                    <a:lnT>
+                      <a:noFill/>
+                    </a:lnT>
+                    <a:lnB>
+                      <a:noFill/>
+                    </a:lnB>
+                    <a:solidFill>
+                      <a:srgbClr val="FFFFFF"/>
+                    </a:solidFill>
+                  </a:tcPr>
+                </a:tc>
+                <a:tc>
+                  <a:txBody>
+                    <a:bodyPr/>
+                    <a:lstStyle/>
+                    <a:p>
+                      <a:pPr algn="r" fontAlgn="ctr"/>
+                      <a:r>
+                        <a:rPr lang="en-IN" sz="800">
+                          <a:effectLst/>
+                        </a:rPr>
+                        <a:t>0.981790</a:t>
+                      </a:r>
+                    </a:p>
+                  </a:txBody>
+                  <a:tcPr marL="43083" marR="43083" marT="21541" marB="21541" anchor="ctr">
+                    <a:lnL>
+                      <a:noFill/>
+                    </a:lnL>
+                    <a:lnR>
+                      <a:noFill/>
+                    </a:lnR>
+                    <a:lnT>
+                      <a:noFill/>
+                    </a:lnT>
+                    <a:lnB>
+                      <a:noFill/>
+                    </a:lnB>
+                    <a:solidFill>
+                      <a:srgbClr val="FFFFFF"/>
+                    </a:solidFill>
+                  </a:tcPr>
+                </a:tc>
+                <a:tc>
+                  <a:txBody>
+                    <a:bodyPr/>
+                    <a:lstStyle/>
+                    <a:p>
+                      <a:pPr algn="r" fontAlgn="ctr"/>
+                      <a:r>
+                        <a:rPr lang="en-IN" sz="800">
+                          <a:effectLst/>
+                        </a:rPr>
+                        <a:t>1.000000</a:t>
+                      </a:r>
+                    </a:p>
+                  </a:txBody>
+                  <a:tcPr marL="43083" marR="43083" marT="21541" marB="21541" anchor="ctr">
+                    <a:lnL>
+                      <a:noFill/>
+                    </a:lnL>
+                    <a:lnR>
+                      <a:noFill/>
+                    </a:lnR>
+                    <a:lnT>
+                      <a:noFill/>
+                    </a:lnT>
+                    <a:lnB>
+                      <a:noFill/>
+                    </a:lnB>
+                    <a:solidFill>
+                      <a:srgbClr val="FFFFFF"/>
+                    </a:solidFill>
+                  </a:tcPr>
+                </a:tc>
+                <a:tc>
+                  <a:txBody>
+                    <a:bodyPr/>
+                    <a:lstStyle/>
+                    <a:p>
+                      <a:pPr algn="r" fontAlgn="ctr"/>
+                      <a:r>
+                        <a:rPr lang="en-IN" sz="800">
+                          <a:effectLst/>
+                        </a:rPr>
+                        <a:t>0.956172</a:t>
+                      </a:r>
+                    </a:p>
+                  </a:txBody>
+                  <a:tcPr marL="43083" marR="43083" marT="21541" marB="21541" anchor="ctr">
+                    <a:lnL>
+                      <a:noFill/>
+                    </a:lnL>
+                    <a:lnR>
+                      <a:noFill/>
+                    </a:lnR>
+                    <a:lnT>
+                      <a:noFill/>
+                    </a:lnT>
+                    <a:lnB>
+                      <a:noFill/>
+                    </a:lnB>
+                    <a:solidFill>
+                      <a:srgbClr val="FFFFFF"/>
+                    </a:solidFill>
+                  </a:tcPr>
+                </a:tc>
+                <a:tc>
+                  <a:txBody>
+                    <a:bodyPr/>
+                    <a:lstStyle/>
+                    <a:p>
+                      <a:pPr algn="r" fontAlgn="ctr"/>
+                      <a:r>
+                        <a:rPr lang="en-IN" sz="800">
+                          <a:effectLst/>
+                        </a:rPr>
+                        <a:t>0.304930</a:t>
+                      </a:r>
+                    </a:p>
+                  </a:txBody>
+                  <a:tcPr marL="43083" marR="43083" marT="21541" marB="21541" anchor="ctr">
+                    <a:lnL>
+                      <a:noFill/>
+                    </a:lnL>
+                    <a:lnR>
+                      <a:noFill/>
+                    </a:lnR>
+                    <a:lnT>
+                      <a:noFill/>
+                    </a:lnT>
+                    <a:lnB>
+                      <a:noFill/>
+                    </a:lnB>
+                    <a:solidFill>
+                      <a:srgbClr val="FFFFFF"/>
+                    </a:solidFill>
+                  </a:tcPr>
+                </a:tc>
+                <a:tc>
+                  <a:txBody>
+                    <a:bodyPr/>
+                    <a:lstStyle/>
+                    <a:p>
+                      <a:pPr algn="r" fontAlgn="ctr"/>
+                      <a:r>
+                        <a:rPr lang="en-IN" sz="800">
+                          <a:effectLst/>
+                        </a:rPr>
+                        <a:t>0.958035</a:t>
+                      </a:r>
+                    </a:p>
+                  </a:txBody>
+                  <a:tcPr marL="43083" marR="43083" marT="21541" marB="21541" anchor="ctr">
+                    <a:lnL>
+                      <a:noFill/>
+                    </a:lnL>
+                    <a:lnR>
+                      <a:noFill/>
+                    </a:lnR>
+                    <a:lnT>
+                      <a:noFill/>
+                    </a:lnT>
+                    <a:lnB>
+                      <a:noFill/>
+                    </a:lnB>
+                    <a:solidFill>
+                      <a:srgbClr val="FFFFFF"/>
+                    </a:solidFill>
+                  </a:tcPr>
+                </a:tc>
+                <a:tc>
+                  <a:txBody>
+                    <a:bodyPr/>
+                    <a:lstStyle/>
+                    <a:p>
+                      <a:pPr algn="r" fontAlgn="ctr"/>
+                      <a:r>
+                        <a:rPr lang="en-IN" sz="800">
+                          <a:effectLst/>
+                        </a:rPr>
+                        <a:t>0.264798</a:t>
+                      </a:r>
+                    </a:p>
+                  </a:txBody>
+                  <a:tcPr marL="43083" marR="43083" marT="21541" marB="21541" anchor="ctr">
+                    <a:lnL>
+                      <a:noFill/>
+                    </a:lnL>
+                    <a:lnR>
+                      <a:noFill/>
+                    </a:lnR>
+                    <a:lnT>
+                      <a:noFill/>
+                    </a:lnT>
+                    <a:lnB>
+                      <a:noFill/>
+                    </a:lnB>
+                    <a:solidFill>
+                      <a:srgbClr val="FFFFFF"/>
+                    </a:solidFill>
+                  </a:tcPr>
+                </a:tc>
+                <a:tc>
+                  <a:txBody>
+                    <a:bodyPr/>
+                    <a:lstStyle/>
+                    <a:p>
+                      <a:pPr algn="r" fontAlgn="ctr"/>
+                      <a:r>
+                        <a:rPr lang="en-IN" sz="800">
+                          <a:effectLst/>
+                        </a:rPr>
+                        <a:t>0.062194</a:t>
+                      </a:r>
+                    </a:p>
+                  </a:txBody>
+                  <a:tcPr marL="43083" marR="43083" marT="21541" marB="21541" anchor="ctr">
+                    <a:lnL>
+                      <a:noFill/>
+                    </a:lnL>
+                    <a:lnR>
+                      <a:noFill/>
+                    </a:lnR>
+                    <a:lnT>
+                      <a:noFill/>
+                    </a:lnT>
+                    <a:lnB>
+                      <a:noFill/>
+                    </a:lnB>
+                    <a:solidFill>
+                      <a:srgbClr val="FFFFFF"/>
+                    </a:solidFill>
+                  </a:tcPr>
+                </a:tc>
+                <a:tc>
+                  <a:txBody>
+                    <a:bodyPr/>
+                    <a:lstStyle/>
+                    <a:p>
+                      <a:pPr algn="r" fontAlgn="ctr"/>
+                      <a:r>
+                        <a:rPr lang="en-IN" sz="800">
+                          <a:effectLst/>
+                        </a:rPr>
+                        <a:t>0.015969</a:t>
+                      </a:r>
+                    </a:p>
+                  </a:txBody>
+                  <a:tcPr marL="43083" marR="43083" marT="21541" marB="21541" anchor="ctr">
+                    <a:lnL>
+                      <a:noFill/>
+                    </a:lnL>
+                    <a:lnR>
+                      <a:noFill/>
+                    </a:lnR>
+                    <a:lnT>
+                      <a:noFill/>
+                    </a:lnT>
+                    <a:lnB>
+                      <a:noFill/>
+                    </a:lnB>
+                    <a:solidFill>
+                      <a:srgbClr val="FFFFFF"/>
+                    </a:solidFill>
+                  </a:tcPr>
+                </a:tc>
+                <a:extLst>
+                  <a:ext uri="{0D108BD9-81ED-4DB2-BD59-A6C34878D82A}">
+                    <a16:rowId xmlns:a16="http://schemas.microsoft.com/office/drawing/2014/main" val="498100868"/>
+                  </a:ext>
+                </a:extLst>
+              </a:tr>
+              <a:tr h="430826">
+                <a:tc>
+                  <a:txBody>
+                    <a:bodyPr/>
+                    <a:lstStyle/>
+                    <a:p>
+                      <a:pPr algn="r" fontAlgn="ctr"/>
+                      <a:r>
+                        <a:rPr lang="en-IN" sz="800" b="1">
+                          <a:effectLst/>
+                        </a:rPr>
+                        <a:t>funded_amnt_inv</a:t>
+                      </a:r>
+                    </a:p>
+                  </a:txBody>
+                  <a:tcPr marL="43083" marR="43083" marT="21541" marB="21541" anchor="ctr">
+                    <a:lnL>
+                      <a:noFill/>
+                    </a:lnL>
+                    <a:lnR>
+                      <a:noFill/>
+                    </a:lnR>
+                    <a:lnT>
+                      <a:noFill/>
+                    </a:lnT>
+                    <a:lnB>
+                      <a:noFill/>
+                    </a:lnB>
+                    <a:solidFill>
+                      <a:srgbClr val="F5F5F5"/>
+                    </a:solidFill>
+                  </a:tcPr>
+                </a:tc>
+                <a:tc>
+                  <a:txBody>
+                    <a:bodyPr/>
+                    <a:lstStyle/>
+                    <a:p>
+                      <a:pPr algn="r" fontAlgn="ctr"/>
+                      <a:r>
+                        <a:rPr lang="en-IN" sz="800">
+                          <a:effectLst/>
+                        </a:rPr>
+                        <a:t>0.231603</a:t>
+                      </a:r>
+                    </a:p>
+                  </a:txBody>
+                  <a:tcPr marL="43083" marR="43083" marT="21541" marB="21541" anchor="ctr">
+                    <a:lnL>
+                      <a:noFill/>
+                    </a:lnL>
+                    <a:lnR>
+                      <a:noFill/>
+                    </a:lnR>
+                    <a:lnT>
+                      <a:noFill/>
+                    </a:lnT>
+                    <a:lnB>
+                      <a:noFill/>
+                    </a:lnB>
+                    <a:solidFill>
+                      <a:srgbClr val="F5F5F5"/>
+                    </a:solidFill>
+                  </a:tcPr>
+                </a:tc>
+                <a:tc>
+                  <a:txBody>
+                    <a:bodyPr/>
+                    <a:lstStyle/>
+                    <a:p>
+                      <a:pPr algn="r" fontAlgn="ctr"/>
+                      <a:r>
+                        <a:rPr lang="en-IN" sz="800">
+                          <a:effectLst/>
+                        </a:rPr>
+                        <a:t>0.241324</a:t>
+                      </a:r>
+                    </a:p>
+                  </a:txBody>
+                  <a:tcPr marL="43083" marR="43083" marT="21541" marB="21541" anchor="ctr">
+                    <a:lnL>
+                      <a:noFill/>
+                    </a:lnL>
+                    <a:lnR>
+                      <a:noFill/>
+                    </a:lnR>
+                    <a:lnT>
+                      <a:noFill/>
+                    </a:lnT>
+                    <a:lnB>
+                      <a:noFill/>
+                    </a:lnB>
+                    <a:solidFill>
+                      <a:srgbClr val="F5F5F5"/>
+                    </a:solidFill>
+                  </a:tcPr>
+                </a:tc>
+                <a:tc>
+                  <a:txBody>
+                    <a:bodyPr/>
+                    <a:lstStyle/>
+                    <a:p>
+                      <a:pPr algn="r" fontAlgn="ctr"/>
+                      <a:r>
+                        <a:rPr lang="en-IN" sz="800">
+                          <a:effectLst/>
+                        </a:rPr>
+                        <a:t>0.937922</a:t>
+                      </a:r>
+                    </a:p>
+                  </a:txBody>
+                  <a:tcPr marL="43083" marR="43083" marT="21541" marB="21541" anchor="ctr">
+                    <a:lnL>
+                      <a:noFill/>
+                    </a:lnL>
+                    <a:lnR>
+                      <a:noFill/>
+                    </a:lnR>
+                    <a:lnT>
+                      <a:noFill/>
+                    </a:lnT>
+                    <a:lnB>
+                      <a:noFill/>
+                    </a:lnB>
+                    <a:solidFill>
+                      <a:srgbClr val="F5F5F5"/>
+                    </a:solidFill>
+                  </a:tcPr>
+                </a:tc>
+                <a:tc>
+                  <a:txBody>
+                    <a:bodyPr/>
+                    <a:lstStyle/>
+                    <a:p>
+                      <a:pPr algn="r" fontAlgn="ctr"/>
+                      <a:r>
+                        <a:rPr lang="en-IN" sz="800">
+                          <a:effectLst/>
+                        </a:rPr>
+                        <a:t>0.956172</a:t>
+                      </a:r>
+                    </a:p>
+                  </a:txBody>
+                  <a:tcPr marL="43083" marR="43083" marT="21541" marB="21541" anchor="ctr">
+                    <a:lnL>
+                      <a:noFill/>
+                    </a:lnL>
+                    <a:lnR>
+                      <a:noFill/>
+                    </a:lnR>
+                    <a:lnT>
+                      <a:noFill/>
+                    </a:lnT>
+                    <a:lnB>
+                      <a:noFill/>
+                    </a:lnB>
+                    <a:solidFill>
+                      <a:srgbClr val="F5F5F5"/>
+                    </a:solidFill>
+                  </a:tcPr>
+                </a:tc>
+                <a:tc>
+                  <a:txBody>
+                    <a:bodyPr/>
+                    <a:lstStyle/>
+                    <a:p>
+                      <a:pPr algn="r" fontAlgn="ctr"/>
+                      <a:r>
+                        <a:rPr lang="en-IN" sz="800">
+                          <a:effectLst/>
+                        </a:rPr>
+                        <a:t>1.000000</a:t>
+                      </a:r>
+                    </a:p>
+                  </a:txBody>
+                  <a:tcPr marL="43083" marR="43083" marT="21541" marB="21541" anchor="ctr">
+                    <a:lnL>
+                      <a:noFill/>
+                    </a:lnL>
+                    <a:lnR>
+                      <a:noFill/>
+                    </a:lnR>
+                    <a:lnT>
+                      <a:noFill/>
+                    </a:lnT>
+                    <a:lnB>
+                      <a:noFill/>
+                    </a:lnB>
+                    <a:solidFill>
+                      <a:srgbClr val="F5F5F5"/>
+                    </a:solidFill>
+                  </a:tcPr>
+                </a:tc>
+                <a:tc>
+                  <a:txBody>
+                    <a:bodyPr/>
+                    <a:lstStyle/>
+                    <a:p>
+                      <a:pPr algn="r" fontAlgn="ctr"/>
+                      <a:r>
+                        <a:rPr lang="en-IN" sz="800">
+                          <a:effectLst/>
+                        </a:rPr>
+                        <a:t>0.297473</a:t>
+                      </a:r>
+                    </a:p>
+                  </a:txBody>
+                  <a:tcPr marL="43083" marR="43083" marT="21541" marB="21541" anchor="ctr">
+                    <a:lnL>
+                      <a:noFill/>
+                    </a:lnL>
+                    <a:lnR>
+                      <a:noFill/>
+                    </a:lnR>
+                    <a:lnT>
+                      <a:noFill/>
+                    </a:lnT>
+                    <a:lnB>
+                      <a:noFill/>
+                    </a:lnB>
+                    <a:solidFill>
+                      <a:srgbClr val="F5F5F5"/>
+                    </a:solidFill>
+                  </a:tcPr>
+                </a:tc>
+                <a:tc>
+                  <a:txBody>
+                    <a:bodyPr/>
+                    <a:lstStyle/>
+                    <a:p>
+                      <a:pPr algn="r" fontAlgn="ctr"/>
+                      <a:r>
+                        <a:rPr lang="en-IN" sz="800">
+                          <a:effectLst/>
+                        </a:rPr>
+                        <a:t>0.905464</a:t>
+                      </a:r>
+                    </a:p>
+                  </a:txBody>
+                  <a:tcPr marL="43083" marR="43083" marT="21541" marB="21541" anchor="ctr">
+                    <a:lnL>
+                      <a:noFill/>
+                    </a:lnL>
+                    <a:lnR>
+                      <a:noFill/>
+                    </a:lnR>
+                    <a:lnT>
+                      <a:noFill/>
+                    </a:lnT>
+                    <a:lnB>
+                      <a:noFill/>
+                    </a:lnB>
+                    <a:solidFill>
+                      <a:srgbClr val="F5F5F5"/>
+                    </a:solidFill>
+                  </a:tcPr>
+                </a:tc>
+                <a:tc>
+                  <a:txBody>
+                    <a:bodyPr/>
+                    <a:lstStyle/>
+                    <a:p>
+                      <a:pPr algn="r" fontAlgn="ctr"/>
+                      <a:r>
+                        <a:rPr lang="en-IN" sz="800">
+                          <a:effectLst/>
+                        </a:rPr>
+                        <a:t>0.251981</a:t>
+                      </a:r>
+                    </a:p>
+                  </a:txBody>
+                  <a:tcPr marL="43083" marR="43083" marT="21541" marB="21541" anchor="ctr">
+                    <a:lnL>
+                      <a:noFill/>
+                    </a:lnL>
+                    <a:lnR>
+                      <a:noFill/>
+                    </a:lnR>
+                    <a:lnT>
+                      <a:noFill/>
+                    </a:lnT>
+                    <a:lnB>
+                      <a:noFill/>
+                    </a:lnB>
+                    <a:solidFill>
+                      <a:srgbClr val="F5F5F5"/>
+                    </a:solidFill>
+                  </a:tcPr>
+                </a:tc>
+                <a:tc>
+                  <a:txBody>
+                    <a:bodyPr/>
+                    <a:lstStyle/>
+                    <a:p>
+                      <a:pPr algn="r" fontAlgn="ctr"/>
+                      <a:r>
+                        <a:rPr lang="en-IN" sz="800">
+                          <a:effectLst/>
+                        </a:rPr>
+                        <a:t>0.070663</a:t>
+                      </a:r>
+                    </a:p>
+                  </a:txBody>
+                  <a:tcPr marL="43083" marR="43083" marT="21541" marB="21541" anchor="ctr">
+                    <a:lnL>
+                      <a:noFill/>
+                    </a:lnL>
+                    <a:lnR>
+                      <a:noFill/>
+                    </a:lnR>
+                    <a:lnT>
+                      <a:noFill/>
+                    </a:lnT>
+                    <a:lnB>
+                      <a:noFill/>
+                    </a:lnB>
+                    <a:solidFill>
+                      <a:srgbClr val="F5F5F5"/>
+                    </a:solidFill>
+                  </a:tcPr>
+                </a:tc>
+                <a:tc>
+                  <a:txBody>
+                    <a:bodyPr/>
+                    <a:lstStyle/>
+                    <a:p>
+                      <a:pPr algn="r" fontAlgn="ctr"/>
+                      <a:r>
+                        <a:rPr lang="en-IN" sz="800">
+                          <a:effectLst/>
+                        </a:rPr>
+                        <a:t>0.073367</a:t>
+                      </a:r>
+                    </a:p>
+                  </a:txBody>
+                  <a:tcPr marL="43083" marR="43083" marT="21541" marB="21541" anchor="ctr">
+                    <a:lnL>
+                      <a:noFill/>
+                    </a:lnL>
+                    <a:lnR>
+                      <a:noFill/>
+                    </a:lnR>
+                    <a:lnT>
+                      <a:noFill/>
+                    </a:lnT>
+                    <a:lnB>
+                      <a:noFill/>
+                    </a:lnB>
+                    <a:solidFill>
+                      <a:srgbClr val="F5F5F5"/>
+                    </a:solidFill>
+                  </a:tcPr>
+                </a:tc>
+                <a:extLst>
+                  <a:ext uri="{0D108BD9-81ED-4DB2-BD59-A6C34878D82A}">
+                    <a16:rowId xmlns:a16="http://schemas.microsoft.com/office/drawing/2014/main" val="3275639747"/>
+                  </a:ext>
+                </a:extLst>
+              </a:tr>
+              <a:tr h="430826">
+                <a:tc>
+                  <a:txBody>
+                    <a:bodyPr/>
+                    <a:lstStyle/>
+                    <a:p>
+                      <a:pPr algn="r" fontAlgn="ctr"/>
+                      <a:r>
+                        <a:rPr lang="en-IN" sz="800" b="1">
+                          <a:effectLst/>
+                        </a:rPr>
+                        <a:t>int_rate</a:t>
+                      </a:r>
+                    </a:p>
+                  </a:txBody>
+                  <a:tcPr marL="43083" marR="43083" marT="21541" marB="21541" anchor="ctr">
+                    <a:lnL>
+                      <a:noFill/>
+                    </a:lnL>
+                    <a:lnR>
+                      <a:noFill/>
+                    </a:lnR>
+                    <a:lnT>
+                      <a:noFill/>
+                    </a:lnT>
+                    <a:lnB>
+                      <a:noFill/>
+                    </a:lnB>
+                    <a:solidFill>
+                      <a:srgbClr val="FFFFFF"/>
+                    </a:solidFill>
+                  </a:tcPr>
+                </a:tc>
+                <a:tc>
+                  <a:txBody>
+                    <a:bodyPr/>
+                    <a:lstStyle/>
+                    <a:p>
+                      <a:pPr algn="r" fontAlgn="ctr"/>
+                      <a:r>
+                        <a:rPr lang="en-IN" sz="800">
+                          <a:effectLst/>
+                        </a:rPr>
+                        <a:t>0.053936</a:t>
+                      </a:r>
+                    </a:p>
+                  </a:txBody>
+                  <a:tcPr marL="43083" marR="43083" marT="21541" marB="21541" anchor="ctr">
+                    <a:lnL>
+                      <a:noFill/>
+                    </a:lnL>
+                    <a:lnR>
+                      <a:noFill/>
+                    </a:lnR>
+                    <a:lnT>
+                      <a:noFill/>
+                    </a:lnT>
+                    <a:lnB>
+                      <a:noFill/>
+                    </a:lnB>
+                    <a:solidFill>
+                      <a:srgbClr val="FFFFFF"/>
+                    </a:solidFill>
+                  </a:tcPr>
+                </a:tc>
+                <a:tc>
+                  <a:txBody>
+                    <a:bodyPr/>
+                    <a:lstStyle/>
+                    <a:p>
+                      <a:pPr algn="r" fontAlgn="ctr"/>
+                      <a:r>
+                        <a:rPr lang="en-IN" sz="800">
+                          <a:effectLst/>
+                        </a:rPr>
+                        <a:t>0.050808</a:t>
+                      </a:r>
+                    </a:p>
+                  </a:txBody>
+                  <a:tcPr marL="43083" marR="43083" marT="21541" marB="21541" anchor="ctr">
+                    <a:lnL>
+                      <a:noFill/>
+                    </a:lnL>
+                    <a:lnR>
+                      <a:noFill/>
+                    </a:lnR>
+                    <a:lnT>
+                      <a:noFill/>
+                    </a:lnT>
+                    <a:lnB>
+                      <a:noFill/>
+                    </a:lnB>
+                    <a:solidFill>
+                      <a:srgbClr val="FFFFFF"/>
+                    </a:solidFill>
+                  </a:tcPr>
+                </a:tc>
+                <a:tc>
+                  <a:txBody>
+                    <a:bodyPr/>
+                    <a:lstStyle/>
+                    <a:p>
+                      <a:pPr algn="r" fontAlgn="ctr"/>
+                      <a:r>
+                        <a:rPr lang="en-IN" sz="800">
+                          <a:effectLst/>
+                        </a:rPr>
+                        <a:t>0.301265</a:t>
+                      </a:r>
+                    </a:p>
+                  </a:txBody>
+                  <a:tcPr marL="43083" marR="43083" marT="21541" marB="21541" anchor="ctr">
+                    <a:lnL>
+                      <a:noFill/>
+                    </a:lnL>
+                    <a:lnR>
+                      <a:noFill/>
+                    </a:lnR>
+                    <a:lnT>
+                      <a:noFill/>
+                    </a:lnT>
+                    <a:lnB>
+                      <a:noFill/>
+                    </a:lnB>
+                    <a:solidFill>
+                      <a:srgbClr val="FFFFFF"/>
+                    </a:solidFill>
+                  </a:tcPr>
+                </a:tc>
+                <a:tc>
+                  <a:txBody>
+                    <a:bodyPr/>
+                    <a:lstStyle/>
+                    <a:p>
+                      <a:pPr algn="r" fontAlgn="ctr"/>
+                      <a:r>
+                        <a:rPr lang="en-IN" sz="800">
+                          <a:effectLst/>
+                        </a:rPr>
+                        <a:t>0.304930</a:t>
+                      </a:r>
+                    </a:p>
+                  </a:txBody>
+                  <a:tcPr marL="43083" marR="43083" marT="21541" marB="21541" anchor="ctr">
+                    <a:lnL>
+                      <a:noFill/>
+                    </a:lnL>
+                    <a:lnR>
+                      <a:noFill/>
+                    </a:lnR>
+                    <a:lnT>
+                      <a:noFill/>
+                    </a:lnT>
+                    <a:lnB>
+                      <a:noFill/>
+                    </a:lnB>
+                    <a:solidFill>
+                      <a:srgbClr val="FFFFFF"/>
+                    </a:solidFill>
+                  </a:tcPr>
+                </a:tc>
+                <a:tc>
+                  <a:txBody>
+                    <a:bodyPr/>
+                    <a:lstStyle/>
+                    <a:p>
+                      <a:pPr algn="r" fontAlgn="ctr"/>
+                      <a:r>
+                        <a:rPr lang="en-IN" sz="800">
+                          <a:effectLst/>
+                        </a:rPr>
+                        <a:t>0.297473</a:t>
+                      </a:r>
+                    </a:p>
+                  </a:txBody>
+                  <a:tcPr marL="43083" marR="43083" marT="21541" marB="21541" anchor="ctr">
+                    <a:lnL>
+                      <a:noFill/>
+                    </a:lnL>
+                    <a:lnR>
+                      <a:noFill/>
+                    </a:lnR>
+                    <a:lnT>
+                      <a:noFill/>
+                    </a:lnT>
+                    <a:lnB>
+                      <a:noFill/>
+                    </a:lnB>
+                    <a:solidFill>
+                      <a:srgbClr val="FFFFFF"/>
+                    </a:solidFill>
+                  </a:tcPr>
+                </a:tc>
+                <a:tc>
+                  <a:txBody>
+                    <a:bodyPr/>
+                    <a:lstStyle/>
+                    <a:p>
+                      <a:pPr algn="r" fontAlgn="ctr"/>
+                      <a:r>
+                        <a:rPr lang="en-IN" sz="800">
+                          <a:effectLst/>
+                        </a:rPr>
+                        <a:t>1.000000</a:t>
+                      </a:r>
+                    </a:p>
+                  </a:txBody>
+                  <a:tcPr marL="43083" marR="43083" marT="21541" marB="21541" anchor="ctr">
+                    <a:lnL>
+                      <a:noFill/>
+                    </a:lnL>
+                    <a:lnR>
+                      <a:noFill/>
+                    </a:lnR>
+                    <a:lnT>
+                      <a:noFill/>
+                    </a:lnT>
+                    <a:lnB>
+                      <a:noFill/>
+                    </a:lnB>
+                    <a:solidFill>
+                      <a:srgbClr val="FFFFFF"/>
+                    </a:solidFill>
+                  </a:tcPr>
+                </a:tc>
+                <a:tc>
+                  <a:txBody>
+                    <a:bodyPr/>
+                    <a:lstStyle/>
+                    <a:p>
+                      <a:pPr algn="r" fontAlgn="ctr"/>
+                      <a:r>
+                        <a:rPr lang="en-IN" sz="800">
+                          <a:effectLst/>
+                        </a:rPr>
+                        <a:t>0.277203</a:t>
+                      </a:r>
+                    </a:p>
+                  </a:txBody>
+                  <a:tcPr marL="43083" marR="43083" marT="21541" marB="21541" anchor="ctr">
+                    <a:lnL>
+                      <a:noFill/>
+                    </a:lnL>
+                    <a:lnR>
+                      <a:noFill/>
+                    </a:lnR>
+                    <a:lnT>
+                      <a:noFill/>
+                    </a:lnT>
+                    <a:lnB>
+                      <a:noFill/>
+                    </a:lnB>
+                    <a:solidFill>
+                      <a:srgbClr val="FFFFFF"/>
+                    </a:solidFill>
+                  </a:tcPr>
+                </a:tc>
+                <a:tc>
+                  <a:txBody>
+                    <a:bodyPr/>
+                    <a:lstStyle/>
+                    <a:p>
+                      <a:pPr algn="r" fontAlgn="ctr"/>
+                      <a:r>
+                        <a:rPr lang="en-IN" sz="800">
+                          <a:effectLst/>
+                        </a:rPr>
+                        <a:t>0.048899</a:t>
+                      </a:r>
+                    </a:p>
+                  </a:txBody>
+                  <a:tcPr marL="43083" marR="43083" marT="21541" marB="21541" anchor="ctr">
+                    <a:lnL>
+                      <a:noFill/>
+                    </a:lnL>
+                    <a:lnR>
+                      <a:noFill/>
+                    </a:lnR>
+                    <a:lnT>
+                      <a:noFill/>
+                    </a:lnT>
+                    <a:lnB>
+                      <a:noFill/>
+                    </a:lnB>
+                    <a:solidFill>
+                      <a:srgbClr val="FFFFFF"/>
+                    </a:solidFill>
+                  </a:tcPr>
+                </a:tc>
+                <a:tc>
+                  <a:txBody>
+                    <a:bodyPr/>
+                    <a:lstStyle/>
+                    <a:p>
+                      <a:pPr algn="r" fontAlgn="ctr"/>
+                      <a:r>
+                        <a:rPr lang="en-IN" sz="800">
+                          <a:effectLst/>
+                        </a:rPr>
+                        <a:t>0.110913</a:t>
+                      </a:r>
+                    </a:p>
+                  </a:txBody>
+                  <a:tcPr marL="43083" marR="43083" marT="21541" marB="21541" anchor="ctr">
+                    <a:lnL>
+                      <a:noFill/>
+                    </a:lnL>
+                    <a:lnR>
+                      <a:noFill/>
+                    </a:lnR>
+                    <a:lnT>
+                      <a:noFill/>
+                    </a:lnT>
+                    <a:lnB>
+                      <a:noFill/>
+                    </a:lnB>
+                    <a:solidFill>
+                      <a:srgbClr val="FFFFFF"/>
+                    </a:solidFill>
+                  </a:tcPr>
+                </a:tc>
+                <a:tc>
+                  <a:txBody>
+                    <a:bodyPr/>
+                    <a:lstStyle/>
+                    <a:p>
+                      <a:pPr algn="r" fontAlgn="ctr"/>
+                      <a:r>
+                        <a:rPr lang="en-IN" sz="800">
+                          <a:effectLst/>
+                        </a:rPr>
+                        <a:t>-0.054307</a:t>
+                      </a:r>
+                    </a:p>
+                  </a:txBody>
+                  <a:tcPr marL="43083" marR="43083" marT="21541" marB="21541" anchor="ctr">
+                    <a:lnL>
+                      <a:noFill/>
+                    </a:lnL>
+                    <a:lnR>
+                      <a:noFill/>
+                    </a:lnR>
+                    <a:lnT>
+                      <a:noFill/>
+                    </a:lnT>
+                    <a:lnB>
+                      <a:noFill/>
+                    </a:lnB>
+                    <a:solidFill>
+                      <a:srgbClr val="FFFFFF"/>
+                    </a:solidFill>
+                  </a:tcPr>
+                </a:tc>
+                <a:extLst>
+                  <a:ext uri="{0D108BD9-81ED-4DB2-BD59-A6C34878D82A}">
+                    <a16:rowId xmlns:a16="http://schemas.microsoft.com/office/drawing/2014/main" val="2407737254"/>
+                  </a:ext>
+                </a:extLst>
+              </a:tr>
+              <a:tr h="301578">
+                <a:tc>
+                  <a:txBody>
+                    <a:bodyPr/>
+                    <a:lstStyle/>
+                    <a:p>
+                      <a:pPr algn="r" fontAlgn="ctr"/>
+                      <a:r>
+                        <a:rPr lang="en-IN" sz="800" b="1">
+                          <a:effectLst/>
+                        </a:rPr>
+                        <a:t>installment</a:t>
+                      </a:r>
+                    </a:p>
+                  </a:txBody>
+                  <a:tcPr marL="43083" marR="43083" marT="21541" marB="21541" anchor="ctr">
+                    <a:lnL>
+                      <a:noFill/>
+                    </a:lnL>
+                    <a:lnR>
+                      <a:noFill/>
+                    </a:lnR>
+                    <a:lnT>
+                      <a:noFill/>
+                    </a:lnT>
+                    <a:lnB>
+                      <a:noFill/>
+                    </a:lnB>
+                    <a:solidFill>
+                      <a:srgbClr val="F5F5F5"/>
+                    </a:solidFill>
+                  </a:tcPr>
+                </a:tc>
+                <a:tc>
+                  <a:txBody>
+                    <a:bodyPr/>
+                    <a:lstStyle/>
+                    <a:p>
+                      <a:pPr algn="r" fontAlgn="ctr"/>
+                      <a:r>
+                        <a:rPr lang="en-IN" sz="800">
+                          <a:effectLst/>
+                        </a:rPr>
+                        <a:t>0.076088</a:t>
+                      </a:r>
+                    </a:p>
+                  </a:txBody>
+                  <a:tcPr marL="43083" marR="43083" marT="21541" marB="21541" anchor="ctr">
+                    <a:lnL>
+                      <a:noFill/>
+                    </a:lnL>
+                    <a:lnR>
+                      <a:noFill/>
+                    </a:lnR>
+                    <a:lnT>
+                      <a:noFill/>
+                    </a:lnT>
+                    <a:lnB>
+                      <a:noFill/>
+                    </a:lnB>
+                    <a:solidFill>
+                      <a:srgbClr val="F5F5F5"/>
+                    </a:solidFill>
+                  </a:tcPr>
+                </a:tc>
+                <a:tc>
+                  <a:txBody>
+                    <a:bodyPr/>
+                    <a:lstStyle/>
+                    <a:p>
+                      <a:pPr algn="r" fontAlgn="ctr"/>
+                      <a:r>
+                        <a:rPr lang="en-IN" sz="800">
+                          <a:effectLst/>
+                        </a:rPr>
+                        <a:t>0.070918</a:t>
+                      </a:r>
+                    </a:p>
+                  </a:txBody>
+                  <a:tcPr marL="43083" marR="43083" marT="21541" marB="21541" anchor="ctr">
+                    <a:lnL>
+                      <a:noFill/>
+                    </a:lnL>
+                    <a:lnR>
+                      <a:noFill/>
+                    </a:lnR>
+                    <a:lnT>
+                      <a:noFill/>
+                    </a:lnT>
+                    <a:lnB>
+                      <a:noFill/>
+                    </a:lnB>
+                    <a:solidFill>
+                      <a:srgbClr val="F5F5F5"/>
+                    </a:solidFill>
+                  </a:tcPr>
+                </a:tc>
+                <a:tc>
+                  <a:txBody>
+                    <a:bodyPr/>
+                    <a:lstStyle/>
+                    <a:p>
+                      <a:pPr algn="r" fontAlgn="ctr"/>
+                      <a:r>
+                        <a:rPr lang="en-IN" sz="800">
+                          <a:effectLst/>
+                        </a:rPr>
+                        <a:t>0.932260</a:t>
+                      </a:r>
+                    </a:p>
+                  </a:txBody>
+                  <a:tcPr marL="43083" marR="43083" marT="21541" marB="21541" anchor="ctr">
+                    <a:lnL>
+                      <a:noFill/>
+                    </a:lnL>
+                    <a:lnR>
+                      <a:noFill/>
+                    </a:lnR>
+                    <a:lnT>
+                      <a:noFill/>
+                    </a:lnT>
+                    <a:lnB>
+                      <a:noFill/>
+                    </a:lnB>
+                    <a:solidFill>
+                      <a:srgbClr val="F5F5F5"/>
+                    </a:solidFill>
+                  </a:tcPr>
+                </a:tc>
+                <a:tc>
+                  <a:txBody>
+                    <a:bodyPr/>
+                    <a:lstStyle/>
+                    <a:p>
+                      <a:pPr algn="r" fontAlgn="ctr"/>
+                      <a:r>
+                        <a:rPr lang="en-IN" sz="800">
+                          <a:effectLst/>
+                        </a:rPr>
+                        <a:t>0.958035</a:t>
+                      </a:r>
+                    </a:p>
+                  </a:txBody>
+                  <a:tcPr marL="43083" marR="43083" marT="21541" marB="21541" anchor="ctr">
+                    <a:lnL>
+                      <a:noFill/>
+                    </a:lnL>
+                    <a:lnR>
+                      <a:noFill/>
+                    </a:lnR>
+                    <a:lnT>
+                      <a:noFill/>
+                    </a:lnT>
+                    <a:lnB>
+                      <a:noFill/>
+                    </a:lnB>
+                    <a:solidFill>
+                      <a:srgbClr val="F5F5F5"/>
+                    </a:solidFill>
+                  </a:tcPr>
+                </a:tc>
+                <a:tc>
+                  <a:txBody>
+                    <a:bodyPr/>
+                    <a:lstStyle/>
+                    <a:p>
+                      <a:pPr algn="r" fontAlgn="ctr"/>
+                      <a:r>
+                        <a:rPr lang="en-IN" sz="800">
+                          <a:effectLst/>
+                        </a:rPr>
+                        <a:t>0.905464</a:t>
+                      </a:r>
+                    </a:p>
+                  </a:txBody>
+                  <a:tcPr marL="43083" marR="43083" marT="21541" marB="21541" anchor="ctr">
+                    <a:lnL>
+                      <a:noFill/>
+                    </a:lnL>
+                    <a:lnR>
+                      <a:noFill/>
+                    </a:lnR>
+                    <a:lnT>
+                      <a:noFill/>
+                    </a:lnT>
+                    <a:lnB>
+                      <a:noFill/>
+                    </a:lnB>
+                    <a:solidFill>
+                      <a:srgbClr val="F5F5F5"/>
+                    </a:solidFill>
+                  </a:tcPr>
+                </a:tc>
+                <a:tc>
+                  <a:txBody>
+                    <a:bodyPr/>
+                    <a:lstStyle/>
+                    <a:p>
+                      <a:pPr algn="r" fontAlgn="ctr"/>
+                      <a:r>
+                        <a:rPr lang="en-IN" sz="800">
+                          <a:effectLst/>
+                        </a:rPr>
+                        <a:t>0.277203</a:t>
+                      </a:r>
+                    </a:p>
+                  </a:txBody>
+                  <a:tcPr marL="43083" marR="43083" marT="21541" marB="21541" anchor="ctr">
+                    <a:lnL>
+                      <a:noFill/>
+                    </a:lnL>
+                    <a:lnR>
+                      <a:noFill/>
+                    </a:lnR>
+                    <a:lnT>
+                      <a:noFill/>
+                    </a:lnT>
+                    <a:lnB>
+                      <a:noFill/>
+                    </a:lnB>
+                    <a:solidFill>
+                      <a:srgbClr val="F5F5F5"/>
+                    </a:solidFill>
+                  </a:tcPr>
+                </a:tc>
+                <a:tc>
+                  <a:txBody>
+                    <a:bodyPr/>
+                    <a:lstStyle/>
+                    <a:p>
+                      <a:pPr algn="r" fontAlgn="ctr"/>
+                      <a:r>
+                        <a:rPr lang="en-IN" sz="800">
+                          <a:effectLst/>
+                        </a:rPr>
+                        <a:t>1.000000</a:t>
+                      </a:r>
+                    </a:p>
+                  </a:txBody>
+                  <a:tcPr marL="43083" marR="43083" marT="21541" marB="21541" anchor="ctr">
+                    <a:lnL>
+                      <a:noFill/>
+                    </a:lnL>
+                    <a:lnR>
+                      <a:noFill/>
+                    </a:lnR>
+                    <a:lnT>
+                      <a:noFill/>
+                    </a:lnT>
+                    <a:lnB>
+                      <a:noFill/>
+                    </a:lnB>
+                    <a:solidFill>
+                      <a:srgbClr val="F5F5F5"/>
+                    </a:solidFill>
+                  </a:tcPr>
+                </a:tc>
+                <a:tc>
+                  <a:txBody>
+                    <a:bodyPr/>
+                    <a:lstStyle/>
+                    <a:p>
+                      <a:pPr algn="r" fontAlgn="ctr"/>
+                      <a:r>
+                        <a:rPr lang="en-IN" sz="800">
+                          <a:effectLst/>
+                        </a:rPr>
+                        <a:t>0.267842</a:t>
+                      </a:r>
+                    </a:p>
+                  </a:txBody>
+                  <a:tcPr marL="43083" marR="43083" marT="21541" marB="21541" anchor="ctr">
+                    <a:lnL>
+                      <a:noFill/>
+                    </a:lnL>
+                    <a:lnR>
+                      <a:noFill/>
+                    </a:lnR>
+                    <a:lnT>
+                      <a:noFill/>
+                    </a:lnT>
+                    <a:lnB>
+                      <a:noFill/>
+                    </a:lnB>
+                    <a:solidFill>
+                      <a:srgbClr val="F5F5F5"/>
+                    </a:solidFill>
+                  </a:tcPr>
+                </a:tc>
+                <a:tc>
+                  <a:txBody>
+                    <a:bodyPr/>
+                    <a:lstStyle/>
+                    <a:p>
+                      <a:pPr algn="r" fontAlgn="ctr"/>
+                      <a:r>
+                        <a:rPr lang="en-IN" sz="800">
+                          <a:effectLst/>
+                        </a:rPr>
+                        <a:t>0.052038</a:t>
+                      </a:r>
+                    </a:p>
+                  </a:txBody>
+                  <a:tcPr marL="43083" marR="43083" marT="21541" marB="21541" anchor="ctr">
+                    <a:lnL>
+                      <a:noFill/>
+                    </a:lnL>
+                    <a:lnR>
+                      <a:noFill/>
+                    </a:lnR>
+                    <a:lnT>
+                      <a:noFill/>
+                    </a:lnT>
+                    <a:lnB>
+                      <a:noFill/>
+                    </a:lnB>
+                    <a:solidFill>
+                      <a:srgbClr val="F5F5F5"/>
+                    </a:solidFill>
+                  </a:tcPr>
+                </a:tc>
+                <a:tc>
+                  <a:txBody>
+                    <a:bodyPr/>
+                    <a:lstStyle/>
+                    <a:p>
+                      <a:pPr algn="r" fontAlgn="ctr"/>
+                      <a:r>
+                        <a:rPr lang="en-IN" sz="800">
+                          <a:effectLst/>
+                        </a:rPr>
+                        <a:t>0.000268</a:t>
+                      </a:r>
+                    </a:p>
+                  </a:txBody>
+                  <a:tcPr marL="43083" marR="43083" marT="21541" marB="21541" anchor="ctr">
+                    <a:lnL>
+                      <a:noFill/>
+                    </a:lnL>
+                    <a:lnR>
+                      <a:noFill/>
+                    </a:lnR>
+                    <a:lnT>
+                      <a:noFill/>
+                    </a:lnT>
+                    <a:lnB>
+                      <a:noFill/>
+                    </a:lnB>
+                    <a:solidFill>
+                      <a:srgbClr val="F5F5F5"/>
+                    </a:solidFill>
+                  </a:tcPr>
+                </a:tc>
+                <a:extLst>
+                  <a:ext uri="{0D108BD9-81ED-4DB2-BD59-A6C34878D82A}">
+                    <a16:rowId xmlns:a16="http://schemas.microsoft.com/office/drawing/2014/main" val="3519267711"/>
+                  </a:ext>
+                </a:extLst>
+              </a:tr>
+              <a:tr h="430826">
+                <a:tc>
+                  <a:txBody>
+                    <a:bodyPr/>
+                    <a:lstStyle/>
+                    <a:p>
+                      <a:pPr algn="r" fontAlgn="ctr"/>
+                      <a:r>
+                        <a:rPr lang="en-IN" sz="800" b="1">
+                          <a:effectLst/>
+                        </a:rPr>
+                        <a:t>annual_inc</a:t>
+                      </a:r>
+                    </a:p>
+                  </a:txBody>
+                  <a:tcPr marL="43083" marR="43083" marT="21541" marB="21541" anchor="ctr">
+                    <a:lnL>
+                      <a:noFill/>
+                    </a:lnL>
+                    <a:lnR>
+                      <a:noFill/>
+                    </a:lnR>
+                    <a:lnT>
+                      <a:noFill/>
+                    </a:lnT>
+                    <a:lnB>
+                      <a:noFill/>
+                    </a:lnB>
+                    <a:solidFill>
+                      <a:srgbClr val="FFFFFF"/>
+                    </a:solidFill>
+                  </a:tcPr>
+                </a:tc>
+                <a:tc>
+                  <a:txBody>
+                    <a:bodyPr/>
+                    <a:lstStyle/>
+                    <a:p>
+                      <a:pPr algn="r" fontAlgn="ctr"/>
+                      <a:r>
+                        <a:rPr lang="en-IN" sz="800">
+                          <a:effectLst/>
+                        </a:rPr>
+                        <a:t>0.005572</a:t>
+                      </a:r>
+                    </a:p>
+                  </a:txBody>
+                  <a:tcPr marL="43083" marR="43083" marT="21541" marB="21541" anchor="ctr">
+                    <a:lnL>
+                      <a:noFill/>
+                    </a:lnL>
+                    <a:lnR>
+                      <a:noFill/>
+                    </a:lnR>
+                    <a:lnT>
+                      <a:noFill/>
+                    </a:lnT>
+                    <a:lnB>
+                      <a:noFill/>
+                    </a:lnB>
+                    <a:solidFill>
+                      <a:srgbClr val="FFFFFF"/>
+                    </a:solidFill>
+                  </a:tcPr>
+                </a:tc>
+                <a:tc>
+                  <a:txBody>
+                    <a:bodyPr/>
+                    <a:lstStyle/>
+                    <a:p>
+                      <a:pPr algn="r" fontAlgn="ctr"/>
+                      <a:r>
+                        <a:rPr lang="en-IN" sz="800">
+                          <a:effectLst/>
+                        </a:rPr>
+                        <a:t>0.006442</a:t>
+                      </a:r>
+                    </a:p>
+                  </a:txBody>
+                  <a:tcPr marL="43083" marR="43083" marT="21541" marB="21541" anchor="ctr">
+                    <a:lnL>
+                      <a:noFill/>
+                    </a:lnL>
+                    <a:lnR>
+                      <a:noFill/>
+                    </a:lnR>
+                    <a:lnT>
+                      <a:noFill/>
+                    </a:lnT>
+                    <a:lnB>
+                      <a:noFill/>
+                    </a:lnB>
+                    <a:solidFill>
+                      <a:srgbClr val="FFFFFF"/>
+                    </a:solidFill>
+                  </a:tcPr>
+                </a:tc>
+                <a:tc>
+                  <a:txBody>
+                    <a:bodyPr/>
+                    <a:lstStyle/>
+                    <a:p>
+                      <a:pPr algn="r" fontAlgn="ctr"/>
+                      <a:r>
+                        <a:rPr lang="en-IN" sz="800">
+                          <a:effectLst/>
+                        </a:rPr>
+                        <a:t>0.268999</a:t>
+                      </a:r>
+                    </a:p>
+                  </a:txBody>
+                  <a:tcPr marL="43083" marR="43083" marT="21541" marB="21541" anchor="ctr">
+                    <a:lnL>
+                      <a:noFill/>
+                    </a:lnL>
+                    <a:lnR>
+                      <a:noFill/>
+                    </a:lnR>
+                    <a:lnT>
+                      <a:noFill/>
+                    </a:lnT>
+                    <a:lnB>
+                      <a:noFill/>
+                    </a:lnB>
+                    <a:solidFill>
+                      <a:srgbClr val="FFFFFF"/>
+                    </a:solidFill>
+                  </a:tcPr>
+                </a:tc>
+                <a:tc>
+                  <a:txBody>
+                    <a:bodyPr/>
+                    <a:lstStyle/>
+                    <a:p>
+                      <a:pPr algn="r" fontAlgn="ctr"/>
+                      <a:r>
+                        <a:rPr lang="en-IN" sz="800">
+                          <a:effectLst/>
+                        </a:rPr>
+                        <a:t>0.264798</a:t>
+                      </a:r>
+                    </a:p>
+                  </a:txBody>
+                  <a:tcPr marL="43083" marR="43083" marT="21541" marB="21541" anchor="ctr">
+                    <a:lnL>
+                      <a:noFill/>
+                    </a:lnL>
+                    <a:lnR>
+                      <a:noFill/>
+                    </a:lnR>
+                    <a:lnT>
+                      <a:noFill/>
+                    </a:lnT>
+                    <a:lnB>
+                      <a:noFill/>
+                    </a:lnB>
+                    <a:solidFill>
+                      <a:srgbClr val="FFFFFF"/>
+                    </a:solidFill>
+                  </a:tcPr>
+                </a:tc>
+                <a:tc>
+                  <a:txBody>
+                    <a:bodyPr/>
+                    <a:lstStyle/>
+                    <a:p>
+                      <a:pPr algn="r" fontAlgn="ctr"/>
+                      <a:r>
+                        <a:rPr lang="en-IN" sz="800">
+                          <a:effectLst/>
+                        </a:rPr>
+                        <a:t>0.251981</a:t>
+                      </a:r>
+                    </a:p>
+                  </a:txBody>
+                  <a:tcPr marL="43083" marR="43083" marT="21541" marB="21541" anchor="ctr">
+                    <a:lnL>
+                      <a:noFill/>
+                    </a:lnL>
+                    <a:lnR>
+                      <a:noFill/>
+                    </a:lnR>
+                    <a:lnT>
+                      <a:noFill/>
+                    </a:lnT>
+                    <a:lnB>
+                      <a:noFill/>
+                    </a:lnB>
+                    <a:solidFill>
+                      <a:srgbClr val="FFFFFF"/>
+                    </a:solidFill>
+                  </a:tcPr>
+                </a:tc>
+                <a:tc>
+                  <a:txBody>
+                    <a:bodyPr/>
+                    <a:lstStyle/>
+                    <a:p>
+                      <a:pPr algn="r" fontAlgn="ctr"/>
+                      <a:r>
+                        <a:rPr lang="en-IN" sz="800">
+                          <a:effectLst/>
+                        </a:rPr>
+                        <a:t>0.048899</a:t>
+                      </a:r>
+                    </a:p>
+                  </a:txBody>
+                  <a:tcPr marL="43083" marR="43083" marT="21541" marB="21541" anchor="ctr">
+                    <a:lnL>
+                      <a:noFill/>
+                    </a:lnL>
+                    <a:lnR>
+                      <a:noFill/>
+                    </a:lnR>
+                    <a:lnT>
+                      <a:noFill/>
+                    </a:lnT>
+                    <a:lnB>
+                      <a:noFill/>
+                    </a:lnB>
+                    <a:solidFill>
+                      <a:srgbClr val="FFFFFF"/>
+                    </a:solidFill>
+                  </a:tcPr>
+                </a:tc>
+                <a:tc>
+                  <a:txBody>
+                    <a:bodyPr/>
+                    <a:lstStyle/>
+                    <a:p>
+                      <a:pPr algn="r" fontAlgn="ctr"/>
+                      <a:r>
+                        <a:rPr lang="en-IN" sz="800">
+                          <a:effectLst/>
+                        </a:rPr>
+                        <a:t>0.267842</a:t>
+                      </a:r>
+                    </a:p>
+                  </a:txBody>
+                  <a:tcPr marL="43083" marR="43083" marT="21541" marB="21541" anchor="ctr">
+                    <a:lnL>
+                      <a:noFill/>
+                    </a:lnL>
+                    <a:lnR>
+                      <a:noFill/>
+                    </a:lnR>
+                    <a:lnT>
+                      <a:noFill/>
+                    </a:lnT>
+                    <a:lnB>
+                      <a:noFill/>
+                    </a:lnB>
+                    <a:solidFill>
+                      <a:srgbClr val="FFFFFF"/>
+                    </a:solidFill>
+                  </a:tcPr>
+                </a:tc>
+                <a:tc>
+                  <a:txBody>
+                    <a:bodyPr/>
+                    <a:lstStyle/>
+                    <a:p>
+                      <a:pPr algn="r" fontAlgn="ctr"/>
+                      <a:r>
+                        <a:rPr lang="en-IN" sz="800">
+                          <a:effectLst/>
+                        </a:rPr>
+                        <a:t>1.000000</a:t>
+                      </a:r>
+                    </a:p>
+                  </a:txBody>
+                  <a:tcPr marL="43083" marR="43083" marT="21541" marB="21541" anchor="ctr">
+                    <a:lnL>
+                      <a:noFill/>
+                    </a:lnL>
+                    <a:lnR>
+                      <a:noFill/>
+                    </a:lnR>
+                    <a:lnT>
+                      <a:noFill/>
+                    </a:lnT>
+                    <a:lnB>
+                      <a:noFill/>
+                    </a:lnB>
+                    <a:solidFill>
+                      <a:srgbClr val="FFFFFF"/>
+                    </a:solidFill>
+                  </a:tcPr>
+                </a:tc>
+                <a:tc>
+                  <a:txBody>
+                    <a:bodyPr/>
+                    <a:lstStyle/>
+                    <a:p>
+                      <a:pPr algn="r" fontAlgn="ctr"/>
+                      <a:r>
+                        <a:rPr lang="en-IN" sz="800">
+                          <a:effectLst/>
+                        </a:rPr>
+                        <a:t>-0.121530</a:t>
+                      </a:r>
+                    </a:p>
+                  </a:txBody>
+                  <a:tcPr marL="43083" marR="43083" marT="21541" marB="21541" anchor="ctr">
+                    <a:lnL>
+                      <a:noFill/>
+                    </a:lnL>
+                    <a:lnR>
+                      <a:noFill/>
+                    </a:lnR>
+                    <a:lnT>
+                      <a:noFill/>
+                    </a:lnT>
+                    <a:lnB>
+                      <a:noFill/>
+                    </a:lnB>
+                    <a:solidFill>
+                      <a:srgbClr val="FFFFFF"/>
+                    </a:solidFill>
+                  </a:tcPr>
+                </a:tc>
+                <a:tc>
+                  <a:txBody>
+                    <a:bodyPr/>
+                    <a:lstStyle/>
+                    <a:p>
+                      <a:pPr algn="r" fontAlgn="ctr"/>
+                      <a:r>
+                        <a:rPr lang="en-IN" sz="800">
+                          <a:effectLst/>
+                        </a:rPr>
+                        <a:t>-0.007442</a:t>
+                      </a:r>
+                    </a:p>
+                  </a:txBody>
+                  <a:tcPr marL="43083" marR="43083" marT="21541" marB="21541" anchor="ctr">
+                    <a:lnL>
+                      <a:noFill/>
+                    </a:lnL>
+                    <a:lnR>
+                      <a:noFill/>
+                    </a:lnR>
+                    <a:lnT>
+                      <a:noFill/>
+                    </a:lnT>
+                    <a:lnB>
+                      <a:noFill/>
+                    </a:lnB>
+                    <a:solidFill>
+                      <a:srgbClr val="FFFFFF"/>
+                    </a:solidFill>
+                  </a:tcPr>
+                </a:tc>
+                <a:extLst>
+                  <a:ext uri="{0D108BD9-81ED-4DB2-BD59-A6C34878D82A}">
+                    <a16:rowId xmlns:a16="http://schemas.microsoft.com/office/drawing/2014/main" val="2855741865"/>
+                  </a:ext>
+                </a:extLst>
+              </a:tr>
+              <a:tr h="430826">
+                <a:tc>
+                  <a:txBody>
+                    <a:bodyPr/>
+                    <a:lstStyle/>
+                    <a:p>
+                      <a:pPr algn="r" fontAlgn="ctr"/>
+                      <a:r>
+                        <a:rPr lang="en-IN" sz="800" b="1">
+                          <a:effectLst/>
+                        </a:rPr>
+                        <a:t>dti</a:t>
+                      </a:r>
+                    </a:p>
+                  </a:txBody>
+                  <a:tcPr marL="43083" marR="43083" marT="21541" marB="21541" anchor="ctr">
+                    <a:lnL>
+                      <a:noFill/>
+                    </a:lnL>
+                    <a:lnR>
+                      <a:noFill/>
+                    </a:lnR>
+                    <a:lnT>
+                      <a:noFill/>
+                    </a:lnT>
+                    <a:lnB>
+                      <a:noFill/>
+                    </a:lnB>
+                    <a:solidFill>
+                      <a:srgbClr val="F5F5F5"/>
+                    </a:solidFill>
+                  </a:tcPr>
+                </a:tc>
+                <a:tc>
+                  <a:txBody>
+                    <a:bodyPr/>
+                    <a:lstStyle/>
+                    <a:p>
+                      <a:pPr algn="r" fontAlgn="ctr"/>
+                      <a:r>
+                        <a:rPr lang="en-IN" sz="800">
+                          <a:effectLst/>
+                        </a:rPr>
+                        <a:t>0.091785</a:t>
+                      </a:r>
+                    </a:p>
+                  </a:txBody>
+                  <a:tcPr marL="43083" marR="43083" marT="21541" marB="21541" anchor="ctr">
+                    <a:lnL>
+                      <a:noFill/>
+                    </a:lnL>
+                    <a:lnR>
+                      <a:noFill/>
+                    </a:lnR>
+                    <a:lnT>
+                      <a:noFill/>
+                    </a:lnT>
+                    <a:lnB>
+                      <a:noFill/>
+                    </a:lnB>
+                    <a:solidFill>
+                      <a:srgbClr val="F5F5F5"/>
+                    </a:solidFill>
+                  </a:tcPr>
+                </a:tc>
+                <a:tc>
+                  <a:txBody>
+                    <a:bodyPr/>
+                    <a:lstStyle/>
+                    <a:p>
+                      <a:pPr algn="r" fontAlgn="ctr"/>
+                      <a:r>
+                        <a:rPr lang="en-IN" sz="800">
+                          <a:effectLst/>
+                        </a:rPr>
+                        <a:t>0.092910</a:t>
+                      </a:r>
+                    </a:p>
+                  </a:txBody>
+                  <a:tcPr marL="43083" marR="43083" marT="21541" marB="21541" anchor="ctr">
+                    <a:lnL>
+                      <a:noFill/>
+                    </a:lnL>
+                    <a:lnR>
+                      <a:noFill/>
+                    </a:lnR>
+                    <a:lnT>
+                      <a:noFill/>
+                    </a:lnT>
+                    <a:lnB>
+                      <a:noFill/>
+                    </a:lnB>
+                    <a:solidFill>
+                      <a:srgbClr val="F5F5F5"/>
+                    </a:solidFill>
+                  </a:tcPr>
+                </a:tc>
+                <a:tc>
+                  <a:txBody>
+                    <a:bodyPr/>
+                    <a:lstStyle/>
+                    <a:p>
+                      <a:pPr algn="r" fontAlgn="ctr"/>
+                      <a:r>
+                        <a:rPr lang="en-IN" sz="800">
+                          <a:effectLst/>
+                        </a:rPr>
+                        <a:t>0.062436</a:t>
+                      </a:r>
+                    </a:p>
+                  </a:txBody>
+                  <a:tcPr marL="43083" marR="43083" marT="21541" marB="21541" anchor="ctr">
+                    <a:lnL>
+                      <a:noFill/>
+                    </a:lnL>
+                    <a:lnR>
+                      <a:noFill/>
+                    </a:lnR>
+                    <a:lnT>
+                      <a:noFill/>
+                    </a:lnT>
+                    <a:lnB>
+                      <a:noFill/>
+                    </a:lnB>
+                    <a:solidFill>
+                      <a:srgbClr val="F5F5F5"/>
+                    </a:solidFill>
+                  </a:tcPr>
+                </a:tc>
+                <a:tc>
+                  <a:txBody>
+                    <a:bodyPr/>
+                    <a:lstStyle/>
+                    <a:p>
+                      <a:pPr algn="r" fontAlgn="ctr"/>
+                      <a:r>
+                        <a:rPr lang="en-IN" sz="800">
+                          <a:effectLst/>
+                        </a:rPr>
+                        <a:t>0.062194</a:t>
+                      </a:r>
+                    </a:p>
+                  </a:txBody>
+                  <a:tcPr marL="43083" marR="43083" marT="21541" marB="21541" anchor="ctr">
+                    <a:lnL>
+                      <a:noFill/>
+                    </a:lnL>
+                    <a:lnR>
+                      <a:noFill/>
+                    </a:lnR>
+                    <a:lnT>
+                      <a:noFill/>
+                    </a:lnT>
+                    <a:lnB>
+                      <a:noFill/>
+                    </a:lnB>
+                    <a:solidFill>
+                      <a:srgbClr val="F5F5F5"/>
+                    </a:solidFill>
+                  </a:tcPr>
+                </a:tc>
+                <a:tc>
+                  <a:txBody>
+                    <a:bodyPr/>
+                    <a:lstStyle/>
+                    <a:p>
+                      <a:pPr algn="r" fontAlgn="ctr"/>
+                      <a:r>
+                        <a:rPr lang="en-IN" sz="800">
+                          <a:effectLst/>
+                        </a:rPr>
+                        <a:t>0.070663</a:t>
+                      </a:r>
+                    </a:p>
+                  </a:txBody>
+                  <a:tcPr marL="43083" marR="43083" marT="21541" marB="21541" anchor="ctr">
+                    <a:lnL>
+                      <a:noFill/>
+                    </a:lnL>
+                    <a:lnR>
+                      <a:noFill/>
+                    </a:lnR>
+                    <a:lnT>
+                      <a:noFill/>
+                    </a:lnT>
+                    <a:lnB>
+                      <a:noFill/>
+                    </a:lnB>
+                    <a:solidFill>
+                      <a:srgbClr val="F5F5F5"/>
+                    </a:solidFill>
+                  </a:tcPr>
+                </a:tc>
+                <a:tc>
+                  <a:txBody>
+                    <a:bodyPr/>
+                    <a:lstStyle/>
+                    <a:p>
+                      <a:pPr algn="r" fontAlgn="ctr"/>
+                      <a:r>
+                        <a:rPr lang="en-IN" sz="800">
+                          <a:effectLst/>
+                        </a:rPr>
+                        <a:t>0.110913</a:t>
+                      </a:r>
+                    </a:p>
+                  </a:txBody>
+                  <a:tcPr marL="43083" marR="43083" marT="21541" marB="21541" anchor="ctr">
+                    <a:lnL>
+                      <a:noFill/>
+                    </a:lnL>
+                    <a:lnR>
+                      <a:noFill/>
+                    </a:lnR>
+                    <a:lnT>
+                      <a:noFill/>
+                    </a:lnT>
+                    <a:lnB>
+                      <a:noFill/>
+                    </a:lnB>
+                    <a:solidFill>
+                      <a:srgbClr val="F5F5F5"/>
+                    </a:solidFill>
+                  </a:tcPr>
+                </a:tc>
+                <a:tc>
+                  <a:txBody>
+                    <a:bodyPr/>
+                    <a:lstStyle/>
+                    <a:p>
+                      <a:pPr algn="r" fontAlgn="ctr"/>
+                      <a:r>
+                        <a:rPr lang="en-IN" sz="800">
+                          <a:effectLst/>
+                        </a:rPr>
+                        <a:t>0.052038</a:t>
+                      </a:r>
+                    </a:p>
+                  </a:txBody>
+                  <a:tcPr marL="43083" marR="43083" marT="21541" marB="21541" anchor="ctr">
+                    <a:lnL>
+                      <a:noFill/>
+                    </a:lnL>
+                    <a:lnR>
+                      <a:noFill/>
+                    </a:lnR>
+                    <a:lnT>
+                      <a:noFill/>
+                    </a:lnT>
+                    <a:lnB>
+                      <a:noFill/>
+                    </a:lnB>
+                    <a:solidFill>
+                      <a:srgbClr val="F5F5F5"/>
+                    </a:solidFill>
+                  </a:tcPr>
+                </a:tc>
+                <a:tc>
+                  <a:txBody>
+                    <a:bodyPr/>
+                    <a:lstStyle/>
+                    <a:p>
+                      <a:pPr algn="r" fontAlgn="ctr"/>
+                      <a:r>
+                        <a:rPr lang="en-IN" sz="800">
+                          <a:effectLst/>
+                        </a:rPr>
+                        <a:t>-0.121530</a:t>
+                      </a:r>
+                    </a:p>
+                  </a:txBody>
+                  <a:tcPr marL="43083" marR="43083" marT="21541" marB="21541" anchor="ctr">
+                    <a:lnL>
+                      <a:noFill/>
+                    </a:lnL>
+                    <a:lnR>
+                      <a:noFill/>
+                    </a:lnR>
+                    <a:lnT>
+                      <a:noFill/>
+                    </a:lnT>
+                    <a:lnB>
+                      <a:noFill/>
+                    </a:lnB>
+                    <a:solidFill>
+                      <a:srgbClr val="F5F5F5"/>
+                    </a:solidFill>
+                  </a:tcPr>
+                </a:tc>
+                <a:tc>
+                  <a:txBody>
+                    <a:bodyPr/>
+                    <a:lstStyle/>
+                    <a:p>
+                      <a:pPr algn="r" fontAlgn="ctr"/>
+                      <a:r>
+                        <a:rPr lang="en-IN" sz="800">
+                          <a:effectLst/>
+                        </a:rPr>
+                        <a:t>1.000000</a:t>
+                      </a:r>
+                    </a:p>
+                  </a:txBody>
+                  <a:tcPr marL="43083" marR="43083" marT="21541" marB="21541" anchor="ctr">
+                    <a:lnL>
+                      <a:noFill/>
+                    </a:lnL>
+                    <a:lnR>
+                      <a:noFill/>
+                    </a:lnR>
+                    <a:lnT>
+                      <a:noFill/>
+                    </a:lnT>
+                    <a:lnB>
+                      <a:noFill/>
+                    </a:lnB>
+                    <a:solidFill>
+                      <a:srgbClr val="F5F5F5"/>
+                    </a:solidFill>
+                  </a:tcPr>
+                </a:tc>
+                <a:tc>
+                  <a:txBody>
+                    <a:bodyPr/>
+                    <a:lstStyle/>
+                    <a:p>
+                      <a:pPr algn="r" fontAlgn="ctr"/>
+                      <a:r>
+                        <a:rPr lang="en-IN" sz="800">
+                          <a:effectLst/>
+                        </a:rPr>
+                        <a:t>0.068705</a:t>
+                      </a:r>
+                    </a:p>
+                  </a:txBody>
+                  <a:tcPr marL="43083" marR="43083" marT="21541" marB="21541" anchor="ctr">
+                    <a:lnL>
+                      <a:noFill/>
+                    </a:lnL>
+                    <a:lnR>
+                      <a:noFill/>
+                    </a:lnR>
+                    <a:lnT>
+                      <a:noFill/>
+                    </a:lnT>
+                    <a:lnB>
+                      <a:noFill/>
+                    </a:lnB>
+                    <a:solidFill>
+                      <a:srgbClr val="F5F5F5"/>
+                    </a:solidFill>
+                  </a:tcPr>
+                </a:tc>
+                <a:extLst>
+                  <a:ext uri="{0D108BD9-81ED-4DB2-BD59-A6C34878D82A}">
+                    <a16:rowId xmlns:a16="http://schemas.microsoft.com/office/drawing/2014/main" val="25953926"/>
+                  </a:ext>
+                </a:extLst>
+              </a:tr>
+              <a:tr h="560073">
+                <a:tc>
+                  <a:txBody>
+                    <a:bodyPr/>
+                    <a:lstStyle/>
+                    <a:p>
+                      <a:pPr algn="r" fontAlgn="ctr"/>
+                      <a:r>
+                        <a:rPr lang="en-IN" sz="800" b="1">
+                          <a:effectLst/>
+                        </a:rPr>
+                        <a:t>mths_since_last_delinq</a:t>
+                      </a:r>
+                    </a:p>
+                  </a:txBody>
+                  <a:tcPr marL="43083" marR="43083" marT="21541" marB="21541" anchor="ctr">
+                    <a:lnL>
+                      <a:noFill/>
+                    </a:lnL>
+                    <a:lnR>
+                      <a:noFill/>
+                    </a:lnR>
+                    <a:lnT>
+                      <a:noFill/>
+                    </a:lnT>
+                    <a:lnB>
+                      <a:noFill/>
+                    </a:lnB>
+                    <a:solidFill>
+                      <a:srgbClr val="FFFFFF"/>
+                    </a:solidFill>
+                  </a:tcPr>
+                </a:tc>
+                <a:tc>
+                  <a:txBody>
+                    <a:bodyPr/>
+                    <a:lstStyle/>
+                    <a:p>
+                      <a:pPr algn="r" fontAlgn="ctr"/>
+                      <a:r>
+                        <a:rPr lang="en-IN" sz="800">
+                          <a:effectLst/>
+                        </a:rPr>
+                        <a:t>0.119468</a:t>
+                      </a:r>
+                    </a:p>
+                  </a:txBody>
+                  <a:tcPr marL="43083" marR="43083" marT="21541" marB="21541" anchor="ctr">
+                    <a:lnL>
+                      <a:noFill/>
+                    </a:lnL>
+                    <a:lnR>
+                      <a:noFill/>
+                    </a:lnR>
+                    <a:lnT>
+                      <a:noFill/>
+                    </a:lnT>
+                    <a:lnB>
+                      <a:noFill/>
+                    </a:lnB>
+                    <a:solidFill>
+                      <a:srgbClr val="FFFFFF"/>
+                    </a:solidFill>
+                  </a:tcPr>
+                </a:tc>
+                <a:tc>
+                  <a:txBody>
+                    <a:bodyPr/>
+                    <a:lstStyle/>
+                    <a:p>
+                      <a:pPr algn="r" fontAlgn="ctr"/>
+                      <a:r>
+                        <a:rPr lang="en-IN" sz="800">
+                          <a:effectLst/>
+                        </a:rPr>
+                        <a:t>0.125311</a:t>
+                      </a:r>
+                    </a:p>
+                  </a:txBody>
+                  <a:tcPr marL="43083" marR="43083" marT="21541" marB="21541" anchor="ctr">
+                    <a:lnL>
+                      <a:noFill/>
+                    </a:lnL>
+                    <a:lnR>
+                      <a:noFill/>
+                    </a:lnR>
+                    <a:lnT>
+                      <a:noFill/>
+                    </a:lnT>
+                    <a:lnB>
+                      <a:noFill/>
+                    </a:lnB>
+                    <a:solidFill>
+                      <a:srgbClr val="FFFFFF"/>
+                    </a:solidFill>
+                  </a:tcPr>
+                </a:tc>
+                <a:tc>
+                  <a:txBody>
+                    <a:bodyPr/>
+                    <a:lstStyle/>
+                    <a:p>
+                      <a:pPr algn="r" fontAlgn="ctr"/>
+                      <a:r>
+                        <a:rPr lang="en-IN" sz="800">
+                          <a:effectLst/>
+                        </a:rPr>
+                        <a:t>0.015440</a:t>
+                      </a:r>
+                    </a:p>
+                  </a:txBody>
+                  <a:tcPr marL="43083" marR="43083" marT="21541" marB="21541" anchor="ctr">
+                    <a:lnL>
+                      <a:noFill/>
+                    </a:lnL>
+                    <a:lnR>
+                      <a:noFill/>
+                    </a:lnR>
+                    <a:lnT>
+                      <a:noFill/>
+                    </a:lnT>
+                    <a:lnB>
+                      <a:noFill/>
+                    </a:lnB>
+                    <a:solidFill>
+                      <a:srgbClr val="FFFFFF"/>
+                    </a:solidFill>
+                  </a:tcPr>
+                </a:tc>
+                <a:tc>
+                  <a:txBody>
+                    <a:bodyPr/>
+                    <a:lstStyle/>
+                    <a:p>
+                      <a:pPr algn="r" fontAlgn="ctr"/>
+                      <a:r>
+                        <a:rPr lang="en-IN" sz="800">
+                          <a:effectLst/>
+                        </a:rPr>
+                        <a:t>0.015969</a:t>
+                      </a:r>
+                    </a:p>
+                  </a:txBody>
+                  <a:tcPr marL="43083" marR="43083" marT="21541" marB="21541" anchor="ctr">
+                    <a:lnL>
+                      <a:noFill/>
+                    </a:lnL>
+                    <a:lnR>
+                      <a:noFill/>
+                    </a:lnR>
+                    <a:lnT>
+                      <a:noFill/>
+                    </a:lnT>
+                    <a:lnB>
+                      <a:noFill/>
+                    </a:lnB>
+                    <a:solidFill>
+                      <a:srgbClr val="FFFFFF"/>
+                    </a:solidFill>
+                  </a:tcPr>
+                </a:tc>
+                <a:tc>
+                  <a:txBody>
+                    <a:bodyPr/>
+                    <a:lstStyle/>
+                    <a:p>
+                      <a:pPr algn="r" fontAlgn="ctr"/>
+                      <a:r>
+                        <a:rPr lang="en-IN" sz="800">
+                          <a:effectLst/>
+                        </a:rPr>
+                        <a:t>0.073367</a:t>
+                      </a:r>
+                    </a:p>
+                  </a:txBody>
+                  <a:tcPr marL="43083" marR="43083" marT="21541" marB="21541" anchor="ctr">
+                    <a:lnL>
+                      <a:noFill/>
+                    </a:lnL>
+                    <a:lnR>
+                      <a:noFill/>
+                    </a:lnR>
+                    <a:lnT>
+                      <a:noFill/>
+                    </a:lnT>
+                    <a:lnB>
+                      <a:noFill/>
+                    </a:lnB>
+                    <a:solidFill>
+                      <a:srgbClr val="FFFFFF"/>
+                    </a:solidFill>
+                  </a:tcPr>
+                </a:tc>
+                <a:tc>
+                  <a:txBody>
+                    <a:bodyPr/>
+                    <a:lstStyle/>
+                    <a:p>
+                      <a:pPr algn="r" fontAlgn="ctr"/>
+                      <a:r>
+                        <a:rPr lang="en-IN" sz="800">
+                          <a:effectLst/>
+                        </a:rPr>
+                        <a:t>-0.054307</a:t>
+                      </a:r>
+                    </a:p>
+                  </a:txBody>
+                  <a:tcPr marL="43083" marR="43083" marT="21541" marB="21541" anchor="ctr">
+                    <a:lnL>
+                      <a:noFill/>
+                    </a:lnL>
+                    <a:lnR>
+                      <a:noFill/>
+                    </a:lnR>
+                    <a:lnT>
+                      <a:noFill/>
+                    </a:lnT>
+                    <a:lnB>
+                      <a:noFill/>
+                    </a:lnB>
+                    <a:solidFill>
+                      <a:srgbClr val="FFFFFF"/>
+                    </a:solidFill>
+                  </a:tcPr>
+                </a:tc>
+                <a:tc>
+                  <a:txBody>
+                    <a:bodyPr/>
+                    <a:lstStyle/>
+                    <a:p>
+                      <a:pPr algn="r" fontAlgn="ctr"/>
+                      <a:r>
+                        <a:rPr lang="en-IN" sz="800">
+                          <a:effectLst/>
+                        </a:rPr>
+                        <a:t>0.000268</a:t>
+                      </a:r>
+                    </a:p>
+                  </a:txBody>
+                  <a:tcPr marL="43083" marR="43083" marT="21541" marB="21541" anchor="ctr">
+                    <a:lnL>
+                      <a:noFill/>
+                    </a:lnL>
+                    <a:lnR>
+                      <a:noFill/>
+                    </a:lnR>
+                    <a:lnT>
+                      <a:noFill/>
+                    </a:lnT>
+                    <a:lnB>
+                      <a:noFill/>
+                    </a:lnB>
+                    <a:solidFill>
+                      <a:srgbClr val="FFFFFF"/>
+                    </a:solidFill>
+                  </a:tcPr>
+                </a:tc>
+                <a:tc>
+                  <a:txBody>
+                    <a:bodyPr/>
+                    <a:lstStyle/>
+                    <a:p>
+                      <a:pPr algn="r" fontAlgn="ctr"/>
+                      <a:r>
+                        <a:rPr lang="en-IN" sz="800">
+                          <a:effectLst/>
+                        </a:rPr>
+                        <a:t>-0.007442</a:t>
+                      </a:r>
+                    </a:p>
+                  </a:txBody>
+                  <a:tcPr marL="43083" marR="43083" marT="21541" marB="21541" anchor="ctr">
+                    <a:lnL>
+                      <a:noFill/>
+                    </a:lnL>
+                    <a:lnR>
+                      <a:noFill/>
+                    </a:lnR>
+                    <a:lnT>
+                      <a:noFill/>
+                    </a:lnT>
+                    <a:lnB>
+                      <a:noFill/>
+                    </a:lnB>
+                    <a:solidFill>
+                      <a:srgbClr val="FFFFFF"/>
+                    </a:solidFill>
+                  </a:tcPr>
+                </a:tc>
+                <a:tc>
+                  <a:txBody>
+                    <a:bodyPr/>
+                    <a:lstStyle/>
+                    <a:p>
+                      <a:pPr algn="r" fontAlgn="ctr"/>
+                      <a:r>
+                        <a:rPr lang="en-IN" sz="800">
+                          <a:effectLst/>
+                        </a:rPr>
+                        <a:t>0.068705</a:t>
+                      </a:r>
+                    </a:p>
+                  </a:txBody>
+                  <a:tcPr marL="43083" marR="43083" marT="21541" marB="21541" anchor="ctr">
+                    <a:lnL>
+                      <a:noFill/>
+                    </a:lnL>
+                    <a:lnR>
+                      <a:noFill/>
+                    </a:lnR>
+                    <a:lnT>
+                      <a:noFill/>
+                    </a:lnT>
+                    <a:lnB>
+                      <a:noFill/>
+                    </a:lnB>
+                    <a:solidFill>
+                      <a:srgbClr val="FFFFFF"/>
+                    </a:solidFill>
+                  </a:tcPr>
+                </a:tc>
+                <a:tc>
+                  <a:txBody>
+                    <a:bodyPr/>
+                    <a:lstStyle/>
+                    <a:p>
+                      <a:pPr algn="r" fontAlgn="ctr"/>
+                      <a:r>
+                        <a:rPr lang="en-IN" sz="800" dirty="0">
+                          <a:effectLst/>
+                        </a:rPr>
+                        <a:t>1.000000</a:t>
+                      </a:r>
+                    </a:p>
+                  </a:txBody>
+                  <a:tcPr marL="43083" marR="43083" marT="21541" marB="21541" anchor="ctr">
+                    <a:lnL>
+                      <a:noFill/>
+                    </a:lnL>
+                    <a:lnR>
+                      <a:noFill/>
+                    </a:lnR>
+                    <a:lnT>
+                      <a:noFill/>
+                    </a:lnT>
+                    <a:lnB>
+                      <a:noFill/>
+                    </a:lnB>
+                    <a:solidFill>
+                      <a:srgbClr val="FFFFFF"/>
+                    </a:solidFill>
+                  </a:tcPr>
+                </a:tc>
+                <a:extLst>
+                  <a:ext uri="{0D108BD9-81ED-4DB2-BD59-A6C34878D82A}">
+                    <a16:rowId xmlns:a16="http://schemas.microsoft.com/office/drawing/2014/main" val="1915706624"/>
+                  </a:ext>
+                </a:extLst>
+              </a:tr>
+            </a:tbl>
+          </a:graphicData>
+        </a:graphic>
+      </p:graphicFrame>
+    </p:spTree>
+    <p:extLst>
+      <p:ext uri="{BB962C8B-B14F-4D97-AF65-F5344CB8AC3E}">
+        <p14:creationId xmlns:p14="http://schemas.microsoft.com/office/powerpoint/2010/main" val="2152343813"/>
+      </p:ext>
+    </p:extLst>
+  </p:cSld>
+  <p:clrMapOvr>
+    <a:masterClrMapping/>
+  </p:clrMapOvr>
+</p:sld>
+</file>
+
 <file path=ppt/slides/slide2.xml><?xml version="1.0" encoding="utf-8"?>
 <p:sld xmlns:a="http://schemas.openxmlformats.org/drawingml/2006/main" xmlns:r="http://schemas.openxmlformats.org/officeDocument/2006/relationships" xmlns:p="http://schemas.openxmlformats.org/presentationml/2006/main">
   <p:cSld>
@@ -4261,6 +8742,801 @@
     <p:extLst>
       <p:ext uri="{BB962C8B-B14F-4D97-AF65-F5344CB8AC3E}">
         <p14:creationId xmlns:p14="http://schemas.microsoft.com/office/powerpoint/2010/main" val="1187481988"/>
+      </p:ext>
+    </p:extLst>
+  </p:cSld>
+  <p:clrMapOvr>
+    <a:masterClrMapping/>
+  </p:clrMapOvr>
+</p:sld>
+</file>
+
+<file path=ppt/slides/slide7.xml><?xml version="1.0" encoding="utf-8"?>
+<p:sld xmlns:a="http://schemas.openxmlformats.org/drawingml/2006/main" xmlns:r="http://schemas.openxmlformats.org/officeDocument/2006/relationships" xmlns:p="http://schemas.openxmlformats.org/presentationml/2006/main">
+  <p:cSld>
+    <p:spTree>
+      <p:nvGrpSpPr>
+        <p:cNvPr id="1" name=""/>
+        <p:cNvGrpSpPr/>
+        <p:nvPr/>
+      </p:nvGrpSpPr>
+      <p:grpSpPr>
+        <a:xfrm>
+          <a:off x="0" y="0"/>
+          <a:ext cx="0" cy="0"/>
+          <a:chOff x="0" y="0"/>
+          <a:chExt cx="0" cy="0"/>
+        </a:xfrm>
+      </p:grpSpPr>
+      <p:sp>
+        <p:nvSpPr>
+          <p:cNvPr id="2" name="Title 1">
+            <a:extLst>
+              <a:ext uri="{FF2B5EF4-FFF2-40B4-BE49-F238E27FC236}">
+                <a16:creationId xmlns:a16="http://schemas.microsoft.com/office/drawing/2014/main" id="{AC3C1103-507C-EE13-196A-4BCA925A213F}"/>
+              </a:ext>
+            </a:extLst>
+          </p:cNvPr>
+          <p:cNvSpPr>
+            <a:spLocks noGrp="1"/>
+          </p:cNvSpPr>
+          <p:nvPr>
+            <p:ph type="title"/>
+          </p:nvPr>
+        </p:nvSpPr>
+        <p:spPr>
+          <a:xfrm>
+            <a:off x="839788" y="457200"/>
+            <a:ext cx="9817326" cy="646331"/>
+          </a:xfrm>
+        </p:spPr>
+        <p:txBody>
+          <a:bodyPr/>
+          <a:lstStyle/>
+          <a:p>
+            <a:pPr algn="ctr"/>
+            <a:r>
+              <a:rPr lang="en-US" dirty="0"/>
+              <a:t>Univariate </a:t>
+            </a:r>
+            <a:r>
+              <a:rPr lang="en-US" dirty="0" err="1"/>
+              <a:t>Vaiables</a:t>
+            </a:r>
+            <a:endParaRPr lang="en-IN" dirty="0"/>
+          </a:p>
+        </p:txBody>
+      </p:sp>
+      <p:sp>
+        <p:nvSpPr>
+          <p:cNvPr id="4" name="Text Placeholder 3">
+            <a:extLst>
+              <a:ext uri="{FF2B5EF4-FFF2-40B4-BE49-F238E27FC236}">
+                <a16:creationId xmlns:a16="http://schemas.microsoft.com/office/drawing/2014/main" id="{611CD95F-D74F-18A0-B936-229301A635A8}"/>
+              </a:ext>
+            </a:extLst>
+          </p:cNvPr>
+          <p:cNvSpPr>
+            <a:spLocks noGrp="1"/>
+          </p:cNvSpPr>
+          <p:nvPr>
+            <p:ph idx="1"/>
+          </p:nvPr>
+        </p:nvSpPr>
+        <p:spPr>
+          <a:xfrm>
+            <a:off x="5335588" y="1836511"/>
+            <a:ext cx="6172200" cy="4873625"/>
+          </a:xfrm>
+        </p:spPr>
+        <p:txBody>
+          <a:bodyPr/>
+          <a:lstStyle/>
+          <a:p>
+            <a:r>
+              <a:rPr lang="en-US" dirty="0"/>
+              <a:t>We have considered different categorical variables which are unordered as well as ordered.</a:t>
+            </a:r>
+          </a:p>
+          <a:p>
+            <a:r>
+              <a:rPr lang="en-US" dirty="0"/>
+              <a:t>Also, there are few numerical variables too.</a:t>
+            </a:r>
+            <a:endParaRPr lang="en-IN" dirty="0"/>
+          </a:p>
+        </p:txBody>
+      </p:sp>
+      <p:sp>
+        <p:nvSpPr>
+          <p:cNvPr id="3" name="Text Placeholder 2">
+            <a:extLst>
+              <a:ext uri="{FF2B5EF4-FFF2-40B4-BE49-F238E27FC236}">
+                <a16:creationId xmlns:a16="http://schemas.microsoft.com/office/drawing/2014/main" id="{925094F0-3037-B64B-0678-547A52CABD12}"/>
+              </a:ext>
+            </a:extLst>
+          </p:cNvPr>
+          <p:cNvSpPr>
+            <a:spLocks noGrp="1"/>
+          </p:cNvSpPr>
+          <p:nvPr>
+            <p:ph type="body" sz="half" idx="2"/>
+          </p:nvPr>
+        </p:nvSpPr>
+        <p:spPr>
+          <a:xfrm>
+            <a:off x="839788" y="1734234"/>
+            <a:ext cx="3932237" cy="4134754"/>
+          </a:xfrm>
+        </p:spPr>
+        <p:txBody>
+          <a:bodyPr/>
+          <a:lstStyle/>
+          <a:p>
+            <a:r>
+              <a:rPr lang="en-US" dirty="0"/>
+              <a:t>Categorical Variables:</a:t>
+            </a:r>
+          </a:p>
+          <a:p>
+            <a:pPr marL="342900" indent="-342900">
+              <a:buAutoNum type="arabicParenR"/>
+            </a:pPr>
+            <a:r>
+              <a:rPr lang="en-US" dirty="0"/>
+              <a:t>Loan Status (‘Fully Paid’, ’Charged Off’)</a:t>
+            </a:r>
+          </a:p>
+          <a:p>
+            <a:pPr marL="342900" indent="-342900">
+              <a:buAutoNum type="arabicParenR"/>
+            </a:pPr>
+            <a:r>
+              <a:rPr lang="en-US" dirty="0"/>
+              <a:t>Different Grades of customer</a:t>
+            </a:r>
+          </a:p>
+          <a:p>
+            <a:pPr marL="342900" indent="-342900">
+              <a:buAutoNum type="arabicParenR"/>
+            </a:pPr>
+            <a:r>
+              <a:rPr lang="en-US" dirty="0"/>
+              <a:t>Verification Status(Verified, Not Verified)</a:t>
+            </a:r>
+          </a:p>
+          <a:p>
+            <a:r>
+              <a:rPr lang="en-US" dirty="0"/>
+              <a:t>Numerical Variables:</a:t>
+            </a:r>
+          </a:p>
+          <a:p>
+            <a:r>
+              <a:rPr lang="en-US" dirty="0"/>
+              <a:t>1)   Interest rate</a:t>
+            </a:r>
+          </a:p>
+        </p:txBody>
+      </p:sp>
+      <p:sp>
+        <p:nvSpPr>
+          <p:cNvPr id="7" name="Rectangle 1">
+            <a:extLst>
+              <a:ext uri="{FF2B5EF4-FFF2-40B4-BE49-F238E27FC236}">
+                <a16:creationId xmlns:a16="http://schemas.microsoft.com/office/drawing/2014/main" id="{62ADF9BD-8E12-3096-219D-4C8B19B24BFF}"/>
+              </a:ext>
+            </a:extLst>
+          </p:cNvPr>
+          <p:cNvSpPr>
+            <a:spLocks noChangeArrowheads="1"/>
+          </p:cNvSpPr>
+          <p:nvPr/>
+        </p:nvSpPr>
+        <p:spPr bwMode="auto">
+          <a:xfrm>
+            <a:off x="839788" y="1734234"/>
+            <a:ext cx="6007650" cy="646331"/>
+          </a:xfrm>
+          <a:prstGeom prst="rect">
+            <a:avLst/>
+          </a:prstGeom>
+          <a:noFill/>
+          <a:ln>
+            <a:noFill/>
+          </a:ln>
+          <a:effectLst/>
+          <a:extLst>
+            <a:ext uri="{909E8E84-426E-40DD-AFC4-6F175D3DCCD1}">
+              <a14:hiddenFill xmlns:a14="http://schemas.microsoft.com/office/drawing/2010/main">
+                <a:solidFill>
+                  <a:schemeClr val="accent1"/>
+                </a:solidFill>
+              </a14:hiddenFill>
+            </a:ext>
+            <a:ext uri="{91240B29-F687-4F45-9708-019B960494DF}">
+              <a14:hiddenLine xmlns:a14="http://schemas.microsoft.com/office/drawing/2010/main" w="9525">
+                <a:solidFill>
+                  <a:schemeClr val="tx1"/>
+                </a:solidFill>
+                <a:miter lim="800000"/>
+                <a:headEnd/>
+                <a:tailEnd/>
+              </a14:hiddenLine>
+            </a:ext>
+            <a:ext uri="{AF507438-7753-43E0-B8FC-AC1667EBCBE1}">
+              <a14:hiddenEffects xmlns:a14="http://schemas.microsoft.com/office/drawing/2010/main">
+                <a:effectLst>
+                  <a:outerShdw dist="35921" dir="2700000" algn="ctr" rotWithShape="0">
+                    <a:schemeClr val="bg2"/>
+                  </a:outerShdw>
+                </a:effectLst>
+              </a14:hiddenEffects>
+            </a:ext>
+          </a:extLst>
+        </p:spPr>
+        <p:txBody>
+          <a:bodyPr vert="horz" wrap="square" lIns="91440" tIns="45720" rIns="91440" bIns="45720" numCol="1" anchor="ctr" anchorCtr="0" compatLnSpc="1">
+            <a:prstTxWarp prst="textNoShape">
+              <a:avLst/>
+            </a:prstTxWarp>
+            <a:spAutoFit/>
+          </a:bodyPr>
+          <a:lstStyle/>
+          <a:p>
+            <a:pPr marL="0" marR="0" lvl="0" indent="0" algn="l" defTabSz="914400" rtl="0" eaLnBrk="0" fontAlgn="base" latinLnBrk="0" hangingPunct="0">
+              <a:lnSpc>
+                <a:spcPct val="100000"/>
+              </a:lnSpc>
+              <a:spcBef>
+                <a:spcPct val="0"/>
+              </a:spcBef>
+              <a:spcAft>
+                <a:spcPct val="0"/>
+              </a:spcAft>
+              <a:buClrTx/>
+              <a:buSzTx/>
+              <a:buFontTx/>
+              <a:buNone/>
+              <a:tabLst/>
+            </a:pPr>
+            <a:br>
+              <a:rPr kumimoji="0" lang="en-US" altLang="en-US" sz="1800" b="0" i="0" u="none" strike="noStrike" cap="none" normalizeH="0" baseline="0">
+                <a:ln>
+                  <a:noFill/>
+                </a:ln>
+                <a:solidFill>
+                  <a:schemeClr val="tx1"/>
+                </a:solidFill>
+                <a:effectLst/>
+                <a:latin typeface="Arial" panose="020B0604020202020204" pitchFamily="34" charset="0"/>
+              </a:rPr>
+            </a:br>
+            <a:endParaRPr kumimoji="0" lang="en-US" altLang="en-US" sz="1800" b="0" i="0" u="none" strike="noStrike" cap="none" normalizeH="0" baseline="0">
+              <a:ln>
+                <a:noFill/>
+              </a:ln>
+              <a:solidFill>
+                <a:schemeClr val="tx1"/>
+              </a:solidFill>
+              <a:effectLst/>
+              <a:latin typeface="Arial" panose="020B0604020202020204" pitchFamily="34" charset="0"/>
+            </a:endParaRPr>
+          </a:p>
+        </p:txBody>
+      </p:sp>
+    </p:spTree>
+    <p:extLst>
+      <p:ext uri="{BB962C8B-B14F-4D97-AF65-F5344CB8AC3E}">
+        <p14:creationId xmlns:p14="http://schemas.microsoft.com/office/powerpoint/2010/main" val="1557932944"/>
+      </p:ext>
+    </p:extLst>
+  </p:cSld>
+  <p:clrMapOvr>
+    <a:masterClrMapping/>
+  </p:clrMapOvr>
+</p:sld>
+</file>
+
+<file path=ppt/slides/slide8.xml><?xml version="1.0" encoding="utf-8"?>
+<p:sld xmlns:a="http://schemas.openxmlformats.org/drawingml/2006/main" xmlns:r="http://schemas.openxmlformats.org/officeDocument/2006/relationships" xmlns:p="http://schemas.openxmlformats.org/presentationml/2006/main">
+  <p:cSld>
+    <p:spTree>
+      <p:nvGrpSpPr>
+        <p:cNvPr id="1" name=""/>
+        <p:cNvGrpSpPr/>
+        <p:nvPr/>
+      </p:nvGrpSpPr>
+      <p:grpSpPr>
+        <a:xfrm>
+          <a:off x="0" y="0"/>
+          <a:ext cx="0" cy="0"/>
+          <a:chOff x="0" y="0"/>
+          <a:chExt cx="0" cy="0"/>
+        </a:xfrm>
+      </p:grpSpPr>
+      <p:sp>
+        <p:nvSpPr>
+          <p:cNvPr id="2" name="Title 1">
+            <a:extLst>
+              <a:ext uri="{FF2B5EF4-FFF2-40B4-BE49-F238E27FC236}">
+                <a16:creationId xmlns:a16="http://schemas.microsoft.com/office/drawing/2014/main" id="{AC3C1103-507C-EE13-196A-4BCA925A213F}"/>
+              </a:ext>
+            </a:extLst>
+          </p:cNvPr>
+          <p:cNvSpPr>
+            <a:spLocks noGrp="1"/>
+          </p:cNvSpPr>
+          <p:nvPr>
+            <p:ph type="title"/>
+          </p:nvPr>
+        </p:nvSpPr>
+        <p:spPr>
+          <a:xfrm>
+            <a:off x="838200" y="288925"/>
+            <a:ext cx="10515600" cy="1325563"/>
+          </a:xfrm>
+        </p:spPr>
+        <p:txBody>
+          <a:bodyPr/>
+          <a:lstStyle/>
+          <a:p>
+            <a:pPr algn="ctr"/>
+            <a:r>
+              <a:rPr lang="en-US" dirty="0"/>
+              <a:t>Visualizations</a:t>
+            </a:r>
+            <a:endParaRPr lang="en-IN" dirty="0"/>
+          </a:p>
+        </p:txBody>
+      </p:sp>
+      <p:sp>
+        <p:nvSpPr>
+          <p:cNvPr id="4" name="Text Placeholder 3">
+            <a:extLst>
+              <a:ext uri="{FF2B5EF4-FFF2-40B4-BE49-F238E27FC236}">
+                <a16:creationId xmlns:a16="http://schemas.microsoft.com/office/drawing/2014/main" id="{611CD95F-D74F-18A0-B936-229301A635A8}"/>
+              </a:ext>
+            </a:extLst>
+          </p:cNvPr>
+          <p:cNvSpPr>
+            <a:spLocks noGrp="1"/>
+          </p:cNvSpPr>
+          <p:nvPr>
+            <p:ph sz="half" idx="2"/>
+          </p:nvPr>
+        </p:nvSpPr>
+        <p:spPr>
+          <a:xfrm>
+            <a:off x="7119256" y="1825625"/>
+            <a:ext cx="4234543" cy="4351338"/>
+          </a:xfrm>
+        </p:spPr>
+        <p:txBody>
+          <a:bodyPr/>
+          <a:lstStyle/>
+          <a:p>
+            <a:r>
+              <a:rPr lang="en-US" dirty="0"/>
+              <a:t>We can see the median interest  rate for Charged Off is more than Fully Paid.</a:t>
+            </a:r>
+          </a:p>
+          <a:p>
+            <a:endParaRPr lang="en-IN" dirty="0"/>
+          </a:p>
+        </p:txBody>
+      </p:sp>
+      <p:sp>
+        <p:nvSpPr>
+          <p:cNvPr id="7" name="Rectangle 1">
+            <a:extLst>
+              <a:ext uri="{FF2B5EF4-FFF2-40B4-BE49-F238E27FC236}">
+                <a16:creationId xmlns:a16="http://schemas.microsoft.com/office/drawing/2014/main" id="{62ADF9BD-8E12-3096-219D-4C8B19B24BFF}"/>
+              </a:ext>
+            </a:extLst>
+          </p:cNvPr>
+          <p:cNvSpPr>
+            <a:spLocks noChangeArrowheads="1"/>
+          </p:cNvSpPr>
+          <p:nvPr/>
+        </p:nvSpPr>
+        <p:spPr bwMode="auto">
+          <a:xfrm>
+            <a:off x="838200" y="1665973"/>
+            <a:ext cx="6007650" cy="646331"/>
+          </a:xfrm>
+          <a:prstGeom prst="rect">
+            <a:avLst/>
+          </a:prstGeom>
+          <a:noFill/>
+          <a:ln>
+            <a:noFill/>
+          </a:ln>
+          <a:effectLst/>
+          <a:extLst>
+            <a:ext uri="{909E8E84-426E-40DD-AFC4-6F175D3DCCD1}">
+              <a14:hiddenFill xmlns:a14="http://schemas.microsoft.com/office/drawing/2010/main">
+                <a:solidFill>
+                  <a:schemeClr val="accent1"/>
+                </a:solidFill>
+              </a14:hiddenFill>
+            </a:ext>
+            <a:ext uri="{91240B29-F687-4F45-9708-019B960494DF}">
+              <a14:hiddenLine xmlns:a14="http://schemas.microsoft.com/office/drawing/2010/main" w="9525">
+                <a:solidFill>
+                  <a:schemeClr val="tx1"/>
+                </a:solidFill>
+                <a:miter lim="800000"/>
+                <a:headEnd/>
+                <a:tailEnd/>
+              </a14:hiddenLine>
+            </a:ext>
+            <a:ext uri="{AF507438-7753-43E0-B8FC-AC1667EBCBE1}">
+              <a14:hiddenEffects xmlns:a14="http://schemas.microsoft.com/office/drawing/2010/main">
+                <a:effectLst>
+                  <a:outerShdw dist="35921" dir="2700000" algn="ctr" rotWithShape="0">
+                    <a:schemeClr val="bg2"/>
+                  </a:outerShdw>
+                </a:effectLst>
+              </a14:hiddenEffects>
+            </a:ext>
+          </a:extLst>
+        </p:spPr>
+        <p:txBody>
+          <a:bodyPr vert="horz" wrap="square" lIns="91440" tIns="45720" rIns="91440" bIns="45720" numCol="1" anchor="ctr" anchorCtr="0" compatLnSpc="1">
+            <a:prstTxWarp prst="textNoShape">
+              <a:avLst/>
+            </a:prstTxWarp>
+            <a:spAutoFit/>
+          </a:bodyPr>
+          <a:lstStyle/>
+          <a:p>
+            <a:pPr marL="0" marR="0" lvl="0" indent="0" algn="l" defTabSz="914400" rtl="0" eaLnBrk="0" fontAlgn="base" latinLnBrk="0" hangingPunct="0">
+              <a:lnSpc>
+                <a:spcPct val="100000"/>
+              </a:lnSpc>
+              <a:spcBef>
+                <a:spcPct val="0"/>
+              </a:spcBef>
+              <a:spcAft>
+                <a:spcPct val="0"/>
+              </a:spcAft>
+              <a:buClrTx/>
+              <a:buSzTx/>
+              <a:buFontTx/>
+              <a:buNone/>
+              <a:tabLst/>
+            </a:pPr>
+            <a:br>
+              <a:rPr kumimoji="0" lang="en-US" altLang="en-US" sz="1800" b="0" i="0" u="none" strike="noStrike" cap="none" normalizeH="0" baseline="0">
+                <a:ln>
+                  <a:noFill/>
+                </a:ln>
+                <a:solidFill>
+                  <a:schemeClr val="tx1"/>
+                </a:solidFill>
+                <a:effectLst/>
+                <a:latin typeface="Arial" panose="020B0604020202020204" pitchFamily="34" charset="0"/>
+              </a:rPr>
+            </a:br>
+            <a:endParaRPr kumimoji="0" lang="en-US" altLang="en-US" sz="1800" b="0" i="0" u="none" strike="noStrike" cap="none" normalizeH="0" baseline="0">
+              <a:ln>
+                <a:noFill/>
+              </a:ln>
+              <a:solidFill>
+                <a:schemeClr val="tx1"/>
+              </a:solidFill>
+              <a:effectLst/>
+              <a:latin typeface="Arial" panose="020B0604020202020204" pitchFamily="34" charset="0"/>
+            </a:endParaRPr>
+          </a:p>
+        </p:txBody>
+      </p:sp>
+      <p:pic>
+        <p:nvPicPr>
+          <p:cNvPr id="1028" name="Picture 4">
+            <a:extLst>
+              <a:ext uri="{FF2B5EF4-FFF2-40B4-BE49-F238E27FC236}">
+                <a16:creationId xmlns:a16="http://schemas.microsoft.com/office/drawing/2014/main" id="{CA8B4619-A3E6-7E87-73BE-37C67C8897E1}"/>
+              </a:ext>
+            </a:extLst>
+          </p:cNvPr>
+          <p:cNvPicPr>
+            <a:picLocks noChangeAspect="1" noChangeArrowheads="1"/>
+          </p:cNvPicPr>
+          <p:nvPr/>
+        </p:nvPicPr>
+        <p:blipFill>
+          <a:blip r:embed="rId2">
+            <a:extLst>
+              <a:ext uri="{28A0092B-C50C-407E-A947-70E740481C1C}">
+                <a14:useLocalDpi xmlns:a14="http://schemas.microsoft.com/office/drawing/2010/main" val="0"/>
+              </a:ext>
+            </a:extLst>
+          </a:blip>
+          <a:srcRect/>
+          <a:stretch>
+            <a:fillRect/>
+          </a:stretch>
+        </p:blipFill>
+        <p:spPr bwMode="auto">
+          <a:xfrm>
+            <a:off x="838200" y="1466170"/>
+            <a:ext cx="5619750" cy="4448175"/>
+          </a:xfrm>
+          <a:prstGeom prst="rect">
+            <a:avLst/>
+          </a:prstGeom>
+          <a:noFill/>
+          <a:extLst>
+            <a:ext uri="{909E8E84-426E-40DD-AFC4-6F175D3DCCD1}">
+              <a14:hiddenFill xmlns:a14="http://schemas.microsoft.com/office/drawing/2010/main">
+                <a:solidFill>
+                  <a:srgbClr val="FFFFFF"/>
+                </a:solidFill>
+              </a14:hiddenFill>
+            </a:ext>
+          </a:extLst>
+        </p:spPr>
+      </p:pic>
+    </p:spTree>
+    <p:extLst>
+      <p:ext uri="{BB962C8B-B14F-4D97-AF65-F5344CB8AC3E}">
+        <p14:creationId xmlns:p14="http://schemas.microsoft.com/office/powerpoint/2010/main" val="3204627507"/>
+      </p:ext>
+    </p:extLst>
+  </p:cSld>
+  <p:clrMapOvr>
+    <a:masterClrMapping/>
+  </p:clrMapOvr>
+</p:sld>
+</file>
+
+<file path=ppt/slides/slide9.xml><?xml version="1.0" encoding="utf-8"?>
+<p:sld xmlns:a="http://schemas.openxmlformats.org/drawingml/2006/main" xmlns:r="http://schemas.openxmlformats.org/officeDocument/2006/relationships" xmlns:p="http://schemas.openxmlformats.org/presentationml/2006/main">
+  <p:cSld>
+    <p:spTree>
+      <p:nvGrpSpPr>
+        <p:cNvPr id="1" name=""/>
+        <p:cNvGrpSpPr/>
+        <p:nvPr/>
+      </p:nvGrpSpPr>
+      <p:grpSpPr>
+        <a:xfrm>
+          <a:off x="0" y="0"/>
+          <a:ext cx="0" cy="0"/>
+          <a:chOff x="0" y="0"/>
+          <a:chExt cx="0" cy="0"/>
+        </a:xfrm>
+      </p:grpSpPr>
+      <p:sp>
+        <p:nvSpPr>
+          <p:cNvPr id="2" name="Title 1">
+            <a:extLst>
+              <a:ext uri="{FF2B5EF4-FFF2-40B4-BE49-F238E27FC236}">
+                <a16:creationId xmlns:a16="http://schemas.microsoft.com/office/drawing/2014/main" id="{AC3C1103-507C-EE13-196A-4BCA925A213F}"/>
+              </a:ext>
+            </a:extLst>
+          </p:cNvPr>
+          <p:cNvSpPr>
+            <a:spLocks noGrp="1"/>
+          </p:cNvSpPr>
+          <p:nvPr>
+            <p:ph type="title"/>
+          </p:nvPr>
+        </p:nvSpPr>
+        <p:spPr>
+          <a:xfrm>
+            <a:off x="838200" y="288925"/>
+            <a:ext cx="10515600" cy="1325563"/>
+          </a:xfrm>
+        </p:spPr>
+        <p:txBody>
+          <a:bodyPr/>
+          <a:lstStyle/>
+          <a:p>
+            <a:pPr algn="ctr"/>
+            <a:r>
+              <a:rPr lang="en-US" dirty="0"/>
+              <a:t>Visualizations</a:t>
+            </a:r>
+            <a:endParaRPr lang="en-IN" dirty="0"/>
+          </a:p>
+        </p:txBody>
+      </p:sp>
+      <p:sp>
+        <p:nvSpPr>
+          <p:cNvPr id="4" name="Text Placeholder 3">
+            <a:extLst>
+              <a:ext uri="{FF2B5EF4-FFF2-40B4-BE49-F238E27FC236}">
+                <a16:creationId xmlns:a16="http://schemas.microsoft.com/office/drawing/2014/main" id="{611CD95F-D74F-18A0-B936-229301A635A8}"/>
+              </a:ext>
+            </a:extLst>
+          </p:cNvPr>
+          <p:cNvSpPr>
+            <a:spLocks noGrp="1"/>
+          </p:cNvSpPr>
+          <p:nvPr>
+            <p:ph sz="half" idx="2"/>
+          </p:nvPr>
+        </p:nvSpPr>
+        <p:spPr>
+          <a:xfrm>
+            <a:off x="7119256" y="1825625"/>
+            <a:ext cx="4234543" cy="4351338"/>
+          </a:xfrm>
+        </p:spPr>
+        <p:txBody>
+          <a:bodyPr/>
+          <a:lstStyle/>
+          <a:p>
+            <a:r>
+              <a:rPr lang="en-US" dirty="0"/>
+              <a:t>This can be presented as this.</a:t>
+            </a:r>
+          </a:p>
+          <a:p>
+            <a:endParaRPr lang="en-IN" dirty="0"/>
+          </a:p>
+        </p:txBody>
+      </p:sp>
+      <p:sp>
+        <p:nvSpPr>
+          <p:cNvPr id="7" name="Rectangle 1">
+            <a:extLst>
+              <a:ext uri="{FF2B5EF4-FFF2-40B4-BE49-F238E27FC236}">
+                <a16:creationId xmlns:a16="http://schemas.microsoft.com/office/drawing/2014/main" id="{62ADF9BD-8E12-3096-219D-4C8B19B24BFF}"/>
+              </a:ext>
+            </a:extLst>
+          </p:cNvPr>
+          <p:cNvSpPr>
+            <a:spLocks noChangeArrowheads="1"/>
+          </p:cNvSpPr>
+          <p:nvPr/>
+        </p:nvSpPr>
+        <p:spPr bwMode="auto">
+          <a:xfrm>
+            <a:off x="838200" y="1665973"/>
+            <a:ext cx="6007650" cy="646331"/>
+          </a:xfrm>
+          <a:prstGeom prst="rect">
+            <a:avLst/>
+          </a:prstGeom>
+          <a:noFill/>
+          <a:ln>
+            <a:noFill/>
+          </a:ln>
+          <a:effectLst/>
+          <a:extLst>
+            <a:ext uri="{909E8E84-426E-40DD-AFC4-6F175D3DCCD1}">
+              <a14:hiddenFill xmlns:a14="http://schemas.microsoft.com/office/drawing/2010/main">
+                <a:solidFill>
+                  <a:schemeClr val="accent1"/>
+                </a:solidFill>
+              </a14:hiddenFill>
+            </a:ext>
+            <a:ext uri="{91240B29-F687-4F45-9708-019B960494DF}">
+              <a14:hiddenLine xmlns:a14="http://schemas.microsoft.com/office/drawing/2010/main" w="9525">
+                <a:solidFill>
+                  <a:schemeClr val="tx1"/>
+                </a:solidFill>
+                <a:miter lim="800000"/>
+                <a:headEnd/>
+                <a:tailEnd/>
+              </a14:hiddenLine>
+            </a:ext>
+            <a:ext uri="{AF507438-7753-43E0-B8FC-AC1667EBCBE1}">
+              <a14:hiddenEffects xmlns:a14="http://schemas.microsoft.com/office/drawing/2010/main">
+                <a:effectLst>
+                  <a:outerShdw dist="35921" dir="2700000" algn="ctr" rotWithShape="0">
+                    <a:schemeClr val="bg2"/>
+                  </a:outerShdw>
+                </a:effectLst>
+              </a14:hiddenEffects>
+            </a:ext>
+          </a:extLst>
+        </p:spPr>
+        <p:txBody>
+          <a:bodyPr vert="horz" wrap="square" lIns="91440" tIns="45720" rIns="91440" bIns="45720" numCol="1" anchor="ctr" anchorCtr="0" compatLnSpc="1">
+            <a:prstTxWarp prst="textNoShape">
+              <a:avLst/>
+            </a:prstTxWarp>
+            <a:spAutoFit/>
+          </a:bodyPr>
+          <a:lstStyle/>
+          <a:p>
+            <a:pPr marL="0" marR="0" lvl="0" indent="0" algn="l" defTabSz="914400" rtl="0" eaLnBrk="0" fontAlgn="base" latinLnBrk="0" hangingPunct="0">
+              <a:lnSpc>
+                <a:spcPct val="100000"/>
+              </a:lnSpc>
+              <a:spcBef>
+                <a:spcPct val="0"/>
+              </a:spcBef>
+              <a:spcAft>
+                <a:spcPct val="0"/>
+              </a:spcAft>
+              <a:buClrTx/>
+              <a:buSzTx/>
+              <a:buFontTx/>
+              <a:buNone/>
+              <a:tabLst/>
+            </a:pPr>
+            <a:br>
+              <a:rPr kumimoji="0" lang="en-US" altLang="en-US" sz="1800" b="0" i="0" u="none" strike="noStrike" cap="none" normalizeH="0" baseline="0">
+                <a:ln>
+                  <a:noFill/>
+                </a:ln>
+                <a:solidFill>
+                  <a:schemeClr val="tx1"/>
+                </a:solidFill>
+                <a:effectLst/>
+                <a:latin typeface="Arial" panose="020B0604020202020204" pitchFamily="34" charset="0"/>
+              </a:rPr>
+            </a:br>
+            <a:endParaRPr kumimoji="0" lang="en-US" altLang="en-US" sz="1800" b="0" i="0" u="none" strike="noStrike" cap="none" normalizeH="0" baseline="0">
+              <a:ln>
+                <a:noFill/>
+              </a:ln>
+              <a:solidFill>
+                <a:schemeClr val="tx1"/>
+              </a:solidFill>
+              <a:effectLst/>
+              <a:latin typeface="Arial" panose="020B0604020202020204" pitchFamily="34" charset="0"/>
+            </a:endParaRPr>
+          </a:p>
+        </p:txBody>
+      </p:sp>
+      <p:pic>
+        <p:nvPicPr>
+          <p:cNvPr id="1026" name="Picture 2">
+            <a:extLst>
+              <a:ext uri="{FF2B5EF4-FFF2-40B4-BE49-F238E27FC236}">
+                <a16:creationId xmlns:a16="http://schemas.microsoft.com/office/drawing/2014/main" id="{FE1687FE-D682-858D-F177-3E8D524D6734}"/>
+              </a:ext>
+            </a:extLst>
+          </p:cNvPr>
+          <p:cNvPicPr>
+            <a:picLocks noChangeAspect="1" noChangeArrowheads="1"/>
+          </p:cNvPicPr>
+          <p:nvPr/>
+        </p:nvPicPr>
+        <p:blipFill>
+          <a:blip r:embed="rId2">
+            <a:extLst>
+              <a:ext uri="{28A0092B-C50C-407E-A947-70E740481C1C}">
+                <a14:useLocalDpi xmlns:a14="http://schemas.microsoft.com/office/drawing/2010/main" val="0"/>
+              </a:ext>
+            </a:extLst>
+          </a:blip>
+          <a:srcRect/>
+          <a:stretch>
+            <a:fillRect/>
+          </a:stretch>
+        </p:blipFill>
+        <p:spPr bwMode="auto">
+          <a:xfrm>
+            <a:off x="1252538" y="1775729"/>
+            <a:ext cx="5419725" cy="4743450"/>
+          </a:xfrm>
+          <a:prstGeom prst="rect">
+            <a:avLst/>
+          </a:prstGeom>
+          <a:noFill/>
+          <a:extLst>
+            <a:ext uri="{909E8E84-426E-40DD-AFC4-6F175D3DCCD1}">
+              <a14:hiddenFill xmlns:a14="http://schemas.microsoft.com/office/drawing/2010/main">
+                <a:solidFill>
+                  <a:srgbClr val="FFFFFF"/>
+                </a:solidFill>
+              </a14:hiddenFill>
+            </a:ext>
+          </a:extLst>
+        </p:spPr>
+      </p:pic>
+    </p:spTree>
+    <p:extLst>
+      <p:ext uri="{BB962C8B-B14F-4D97-AF65-F5344CB8AC3E}">
+        <p14:creationId xmlns:p14="http://schemas.microsoft.com/office/powerpoint/2010/main" val="4119895990"/>
       </p:ext>
     </p:extLst>
   </p:cSld>

--- a/Lending_club_case_study.pptx
+++ b/Lending_club_case_study.pptx
@@ -9,14 +9,15 @@
     <p:sldId id="257" r:id="rId3"/>
     <p:sldId id="258" r:id="rId4"/>
     <p:sldId id="259" r:id="rId5"/>
-    <p:sldId id="260" r:id="rId6"/>
-    <p:sldId id="261" r:id="rId7"/>
-    <p:sldId id="264" r:id="rId8"/>
-    <p:sldId id="262" r:id="rId9"/>
-    <p:sldId id="265" r:id="rId10"/>
+    <p:sldId id="264" r:id="rId6"/>
+    <p:sldId id="260" r:id="rId7"/>
+    <p:sldId id="261" r:id="rId8"/>
+    <p:sldId id="265" r:id="rId9"/>
+    <p:sldId id="262" r:id="rId10"/>
     <p:sldId id="263" r:id="rId11"/>
     <p:sldId id="267" r:id="rId12"/>
     <p:sldId id="266" r:id="rId13"/>
+    <p:sldId id="268" r:id="rId14"/>
   </p:sldIdLst>
   <p:sldSz cx="12192000" cy="6858000"/>
   <p:notesSz cx="6858000" cy="9144000"/>
@@ -3781,6 +3782,34 @@
               <a:rPr lang="en-US" dirty="0"/>
               <a:t>For this we plot a correlation matrix of the variables.</a:t>
             </a:r>
+          </a:p>
+          <a:p>
+            <a:r>
+              <a:rPr lang="en-US" dirty="0"/>
+              <a:t>Here we can see that annual income is negatively proportional to </a:t>
+            </a:r>
+            <a:r>
+              <a:rPr lang="en-US" dirty="0" err="1"/>
+              <a:t>dti</a:t>
+            </a:r>
+            <a:r>
+              <a:rPr lang="en-US" dirty="0"/>
+              <a:t> and months since last delinquent.</a:t>
+            </a:r>
+          </a:p>
+          <a:p>
+            <a:r>
+              <a:rPr lang="en-US" dirty="0"/>
+              <a:t>That means that if annual income increase </a:t>
+            </a:r>
+            <a:r>
+              <a:rPr lang="en-US" dirty="0" err="1"/>
+              <a:t>dti</a:t>
+            </a:r>
+            <a:r>
+              <a:rPr lang="en-US" dirty="0"/>
+              <a:t> decreases.</a:t>
+            </a:r>
             <a:endParaRPr lang="en-IN" dirty="0"/>
           </a:p>
         </p:txBody>
@@ -7916,6 +7945,72 @@
 </p:sld>
 </file>
 
+<file path=ppt/slides/slide13.xml><?xml version="1.0" encoding="utf-8"?>
+<p:sld xmlns:a="http://schemas.openxmlformats.org/drawingml/2006/main" xmlns:r="http://schemas.openxmlformats.org/officeDocument/2006/relationships" xmlns:p="http://schemas.openxmlformats.org/presentationml/2006/main">
+  <p:cSld>
+    <p:spTree>
+      <p:nvGrpSpPr>
+        <p:cNvPr id="1" name=""/>
+        <p:cNvGrpSpPr/>
+        <p:nvPr/>
+      </p:nvGrpSpPr>
+      <p:grpSpPr>
+        <a:xfrm>
+          <a:off x="0" y="0"/>
+          <a:ext cx="0" cy="0"/>
+          <a:chOff x="0" y="0"/>
+          <a:chExt cx="0" cy="0"/>
+        </a:xfrm>
+      </p:grpSpPr>
+      <p:sp>
+        <p:nvSpPr>
+          <p:cNvPr id="5" name="TextBox 4">
+            <a:extLst>
+              <a:ext uri="{FF2B5EF4-FFF2-40B4-BE49-F238E27FC236}">
+                <a16:creationId xmlns:a16="http://schemas.microsoft.com/office/drawing/2014/main" id="{931944B6-47AF-E4B7-B898-AEAAE0D7D9B8}"/>
+              </a:ext>
+            </a:extLst>
+          </p:cNvPr>
+          <p:cNvSpPr txBox="1"/>
+          <p:nvPr/>
+        </p:nvSpPr>
+        <p:spPr>
+          <a:xfrm>
+            <a:off x="5080000" y="2721114"/>
+            <a:ext cx="7680960" cy="707886"/>
+          </a:xfrm>
+          <a:prstGeom prst="rect">
+            <a:avLst/>
+          </a:prstGeom>
+          <a:noFill/>
+        </p:spPr>
+        <p:txBody>
+          <a:bodyPr wrap="square" rtlCol="0">
+            <a:spAutoFit/>
+          </a:bodyPr>
+          <a:lstStyle/>
+          <a:p>
+            <a:r>
+              <a:rPr lang="en-US" sz="4000" dirty="0"/>
+              <a:t>Thankyou</a:t>
+            </a:r>
+            <a:endParaRPr lang="en-IN" sz="4000" dirty="0"/>
+          </a:p>
+        </p:txBody>
+      </p:sp>
+    </p:spTree>
+    <p:extLst>
+      <p:ext uri="{BB962C8B-B14F-4D97-AF65-F5344CB8AC3E}">
+        <p14:creationId xmlns:p14="http://schemas.microsoft.com/office/powerpoint/2010/main" val="122281449"/>
+      </p:ext>
+    </p:extLst>
+  </p:cSld>
+  <p:clrMapOvr>
+    <a:masterClrMapping/>
+  </p:clrMapOvr>
+</p:sld>
+</file>
+
 <file path=ppt/slides/slide2.xml><?xml version="1.0" encoding="utf-8"?>
 <p:sld xmlns:a="http://schemas.openxmlformats.org/drawingml/2006/main" xmlns:r="http://schemas.openxmlformats.org/officeDocument/2006/relationships" xmlns:p="http://schemas.openxmlformats.org/presentationml/2006/main">
   <p:cSld>
@@ -8406,6 +8501,293 @@
             <p:ph type="title"/>
           </p:nvPr>
         </p:nvSpPr>
+        <p:spPr>
+          <a:xfrm>
+            <a:off x="839788" y="457200"/>
+            <a:ext cx="9817326" cy="646331"/>
+          </a:xfrm>
+        </p:spPr>
+        <p:txBody>
+          <a:bodyPr/>
+          <a:lstStyle/>
+          <a:p>
+            <a:pPr algn="ctr"/>
+            <a:r>
+              <a:rPr lang="en-US" dirty="0"/>
+              <a:t>Univariate </a:t>
+            </a:r>
+            <a:r>
+              <a:rPr lang="en-US" dirty="0" err="1"/>
+              <a:t>Vaiables</a:t>
+            </a:r>
+            <a:endParaRPr lang="en-IN" dirty="0"/>
+          </a:p>
+        </p:txBody>
+      </p:sp>
+      <p:sp>
+        <p:nvSpPr>
+          <p:cNvPr id="4" name="Text Placeholder 3">
+            <a:extLst>
+              <a:ext uri="{FF2B5EF4-FFF2-40B4-BE49-F238E27FC236}">
+                <a16:creationId xmlns:a16="http://schemas.microsoft.com/office/drawing/2014/main" id="{611CD95F-D74F-18A0-B936-229301A635A8}"/>
+              </a:ext>
+            </a:extLst>
+          </p:cNvPr>
+          <p:cNvSpPr>
+            <a:spLocks noGrp="1"/>
+          </p:cNvSpPr>
+          <p:nvPr>
+            <p:ph idx="1"/>
+          </p:nvPr>
+        </p:nvSpPr>
+        <p:spPr>
+          <a:xfrm>
+            <a:off x="5335588" y="1836511"/>
+            <a:ext cx="6172200" cy="4873625"/>
+          </a:xfrm>
+        </p:spPr>
+        <p:txBody>
+          <a:bodyPr/>
+          <a:lstStyle/>
+          <a:p>
+            <a:r>
+              <a:rPr lang="en-US" dirty="0"/>
+              <a:t>We have considered different categorical variables which are unordered as well as ordered.</a:t>
+            </a:r>
+          </a:p>
+          <a:p>
+            <a:r>
+              <a:rPr lang="en-US" dirty="0"/>
+              <a:t>Also, there are few numerical variables too.</a:t>
+            </a:r>
+            <a:endParaRPr lang="en-IN" dirty="0"/>
+          </a:p>
+        </p:txBody>
+      </p:sp>
+      <p:sp>
+        <p:nvSpPr>
+          <p:cNvPr id="3" name="Text Placeholder 2">
+            <a:extLst>
+              <a:ext uri="{FF2B5EF4-FFF2-40B4-BE49-F238E27FC236}">
+                <a16:creationId xmlns:a16="http://schemas.microsoft.com/office/drawing/2014/main" id="{925094F0-3037-B64B-0678-547A52CABD12}"/>
+              </a:ext>
+            </a:extLst>
+          </p:cNvPr>
+          <p:cNvSpPr>
+            <a:spLocks noGrp="1"/>
+          </p:cNvSpPr>
+          <p:nvPr>
+            <p:ph type="body" sz="half" idx="2"/>
+          </p:nvPr>
+        </p:nvSpPr>
+        <p:spPr>
+          <a:xfrm>
+            <a:off x="839788" y="1734234"/>
+            <a:ext cx="3932237" cy="4134754"/>
+          </a:xfrm>
+        </p:spPr>
+        <p:txBody>
+          <a:bodyPr/>
+          <a:lstStyle/>
+          <a:p>
+            <a:r>
+              <a:rPr lang="en-US" dirty="0"/>
+              <a:t>Categorical Variables:</a:t>
+            </a:r>
+          </a:p>
+          <a:p>
+            <a:pPr marL="342900" indent="-342900">
+              <a:buAutoNum type="arabicParenR"/>
+            </a:pPr>
+            <a:r>
+              <a:rPr lang="en-US" dirty="0"/>
+              <a:t>Loan Status (‘Fully Paid’, ’Charged Off’)</a:t>
+            </a:r>
+          </a:p>
+          <a:p>
+            <a:pPr marL="342900" indent="-342900">
+              <a:buAutoNum type="arabicParenR"/>
+            </a:pPr>
+            <a:r>
+              <a:rPr lang="en-US" dirty="0"/>
+              <a:t>Different Grades of customer</a:t>
+            </a:r>
+          </a:p>
+          <a:p>
+            <a:pPr marL="342900" indent="-342900">
+              <a:buAutoNum type="arabicParenR"/>
+            </a:pPr>
+            <a:r>
+              <a:rPr lang="en-US" dirty="0"/>
+              <a:t>Verification Status(Verified, Not Verified)</a:t>
+            </a:r>
+          </a:p>
+          <a:p>
+            <a:r>
+              <a:rPr lang="en-US" dirty="0"/>
+              <a:t>Numerical Variables:</a:t>
+            </a:r>
+          </a:p>
+          <a:p>
+            <a:r>
+              <a:rPr lang="en-US" dirty="0"/>
+              <a:t>1)   Interest rate</a:t>
+            </a:r>
+          </a:p>
+        </p:txBody>
+      </p:sp>
+      <p:sp>
+        <p:nvSpPr>
+          <p:cNvPr id="7" name="Rectangle 1">
+            <a:extLst>
+              <a:ext uri="{FF2B5EF4-FFF2-40B4-BE49-F238E27FC236}">
+                <a16:creationId xmlns:a16="http://schemas.microsoft.com/office/drawing/2014/main" id="{62ADF9BD-8E12-3096-219D-4C8B19B24BFF}"/>
+              </a:ext>
+            </a:extLst>
+          </p:cNvPr>
+          <p:cNvSpPr>
+            <a:spLocks noChangeArrowheads="1"/>
+          </p:cNvSpPr>
+          <p:nvPr/>
+        </p:nvSpPr>
+        <p:spPr bwMode="auto">
+          <a:xfrm>
+            <a:off x="839788" y="1734234"/>
+            <a:ext cx="6007650" cy="646331"/>
+          </a:xfrm>
+          <a:prstGeom prst="rect">
+            <a:avLst/>
+          </a:prstGeom>
+          <a:noFill/>
+          <a:ln>
+            <a:noFill/>
+          </a:ln>
+          <a:effectLst/>
+          <a:extLst>
+            <a:ext uri="{909E8E84-426E-40DD-AFC4-6F175D3DCCD1}">
+              <a14:hiddenFill xmlns:a14="http://schemas.microsoft.com/office/drawing/2010/main">
+                <a:solidFill>
+                  <a:schemeClr val="accent1"/>
+                </a:solidFill>
+              </a14:hiddenFill>
+            </a:ext>
+            <a:ext uri="{91240B29-F687-4F45-9708-019B960494DF}">
+              <a14:hiddenLine xmlns:a14="http://schemas.microsoft.com/office/drawing/2010/main" w="9525">
+                <a:solidFill>
+                  <a:schemeClr val="tx1"/>
+                </a:solidFill>
+                <a:miter lim="800000"/>
+                <a:headEnd/>
+                <a:tailEnd/>
+              </a14:hiddenLine>
+            </a:ext>
+            <a:ext uri="{AF507438-7753-43E0-B8FC-AC1667EBCBE1}">
+              <a14:hiddenEffects xmlns:a14="http://schemas.microsoft.com/office/drawing/2010/main">
+                <a:effectLst>
+                  <a:outerShdw dist="35921" dir="2700000" algn="ctr" rotWithShape="0">
+                    <a:schemeClr val="bg2"/>
+                  </a:outerShdw>
+                </a:effectLst>
+              </a14:hiddenEffects>
+            </a:ext>
+          </a:extLst>
+        </p:spPr>
+        <p:txBody>
+          <a:bodyPr vert="horz" wrap="square" lIns="91440" tIns="45720" rIns="91440" bIns="45720" numCol="1" anchor="ctr" anchorCtr="0" compatLnSpc="1">
+            <a:prstTxWarp prst="textNoShape">
+              <a:avLst/>
+            </a:prstTxWarp>
+            <a:spAutoFit/>
+          </a:bodyPr>
+          <a:lstStyle/>
+          <a:p>
+            <a:pPr marL="0" marR="0" lvl="0" indent="0" algn="l" defTabSz="914400" rtl="0" eaLnBrk="0" fontAlgn="base" latinLnBrk="0" hangingPunct="0">
+              <a:lnSpc>
+                <a:spcPct val="100000"/>
+              </a:lnSpc>
+              <a:spcBef>
+                <a:spcPct val="0"/>
+              </a:spcBef>
+              <a:spcAft>
+                <a:spcPct val="0"/>
+              </a:spcAft>
+              <a:buClrTx/>
+              <a:buSzTx/>
+              <a:buFontTx/>
+              <a:buNone/>
+              <a:tabLst/>
+            </a:pPr>
+            <a:br>
+              <a:rPr kumimoji="0" lang="en-US" altLang="en-US" sz="1800" b="0" i="0" u="none" strike="noStrike" cap="none" normalizeH="0" baseline="0">
+                <a:ln>
+                  <a:noFill/>
+                </a:ln>
+                <a:solidFill>
+                  <a:schemeClr val="tx1"/>
+                </a:solidFill>
+                <a:effectLst/>
+                <a:latin typeface="Arial" panose="020B0604020202020204" pitchFamily="34" charset="0"/>
+              </a:rPr>
+            </a:br>
+            <a:endParaRPr kumimoji="0" lang="en-US" altLang="en-US" sz="1800" b="0" i="0" u="none" strike="noStrike" cap="none" normalizeH="0" baseline="0">
+              <a:ln>
+                <a:noFill/>
+              </a:ln>
+              <a:solidFill>
+                <a:schemeClr val="tx1"/>
+              </a:solidFill>
+              <a:effectLst/>
+              <a:latin typeface="Arial" panose="020B0604020202020204" pitchFamily="34" charset="0"/>
+            </a:endParaRPr>
+          </a:p>
+        </p:txBody>
+      </p:sp>
+    </p:spTree>
+    <p:extLst>
+      <p:ext uri="{BB962C8B-B14F-4D97-AF65-F5344CB8AC3E}">
+        <p14:creationId xmlns:p14="http://schemas.microsoft.com/office/powerpoint/2010/main" val="1557932944"/>
+      </p:ext>
+    </p:extLst>
+  </p:cSld>
+  <p:clrMapOvr>
+    <a:masterClrMapping/>
+  </p:clrMapOvr>
+</p:sld>
+</file>
+
+<file path=ppt/slides/slide6.xml><?xml version="1.0" encoding="utf-8"?>
+<p:sld xmlns:a="http://schemas.openxmlformats.org/drawingml/2006/main" xmlns:r="http://schemas.openxmlformats.org/officeDocument/2006/relationships" xmlns:p="http://schemas.openxmlformats.org/presentationml/2006/main">
+  <p:cSld>
+    <p:spTree>
+      <p:nvGrpSpPr>
+        <p:cNvPr id="1" name=""/>
+        <p:cNvGrpSpPr/>
+        <p:nvPr/>
+      </p:nvGrpSpPr>
+      <p:grpSpPr>
+        <a:xfrm>
+          <a:off x="0" y="0"/>
+          <a:ext cx="0" cy="0"/>
+          <a:chOff x="0" y="0"/>
+          <a:chExt cx="0" cy="0"/>
+        </a:xfrm>
+      </p:grpSpPr>
+      <p:sp>
+        <p:nvSpPr>
+          <p:cNvPr id="2" name="Title 1">
+            <a:extLst>
+              <a:ext uri="{FF2B5EF4-FFF2-40B4-BE49-F238E27FC236}">
+                <a16:creationId xmlns:a16="http://schemas.microsoft.com/office/drawing/2014/main" id="{AC3C1103-507C-EE13-196A-4BCA925A213F}"/>
+              </a:ext>
+            </a:extLst>
+          </p:cNvPr>
+          <p:cNvSpPr>
+            <a:spLocks noGrp="1"/>
+          </p:cNvSpPr>
+          <p:nvPr>
+            <p:ph type="title"/>
+          </p:nvPr>
+        </p:nvSpPr>
         <p:spPr/>
         <p:txBody>
           <a:bodyPr/>
@@ -8514,7 +8896,7 @@
 </p:sld>
 </file>
 
-<file path=ppt/slides/slide6.xml><?xml version="1.0" encoding="utf-8"?>
+<file path=ppt/slides/slide7.xml><?xml version="1.0" encoding="utf-8"?>
 <p:sld xmlns:a="http://schemas.openxmlformats.org/drawingml/2006/main" xmlns:r="http://schemas.openxmlformats.org/officeDocument/2006/relationships" xmlns:p="http://schemas.openxmlformats.org/presentationml/2006/main">
   <p:cSld>
     <p:spTree>
@@ -8751,293 +9133,6 @@
 </p:sld>
 </file>
 
-<file path=ppt/slides/slide7.xml><?xml version="1.0" encoding="utf-8"?>
-<p:sld xmlns:a="http://schemas.openxmlformats.org/drawingml/2006/main" xmlns:r="http://schemas.openxmlformats.org/officeDocument/2006/relationships" xmlns:p="http://schemas.openxmlformats.org/presentationml/2006/main">
-  <p:cSld>
-    <p:spTree>
-      <p:nvGrpSpPr>
-        <p:cNvPr id="1" name=""/>
-        <p:cNvGrpSpPr/>
-        <p:nvPr/>
-      </p:nvGrpSpPr>
-      <p:grpSpPr>
-        <a:xfrm>
-          <a:off x="0" y="0"/>
-          <a:ext cx="0" cy="0"/>
-          <a:chOff x="0" y="0"/>
-          <a:chExt cx="0" cy="0"/>
-        </a:xfrm>
-      </p:grpSpPr>
-      <p:sp>
-        <p:nvSpPr>
-          <p:cNvPr id="2" name="Title 1">
-            <a:extLst>
-              <a:ext uri="{FF2B5EF4-FFF2-40B4-BE49-F238E27FC236}">
-                <a16:creationId xmlns:a16="http://schemas.microsoft.com/office/drawing/2014/main" id="{AC3C1103-507C-EE13-196A-4BCA925A213F}"/>
-              </a:ext>
-            </a:extLst>
-          </p:cNvPr>
-          <p:cNvSpPr>
-            <a:spLocks noGrp="1"/>
-          </p:cNvSpPr>
-          <p:nvPr>
-            <p:ph type="title"/>
-          </p:nvPr>
-        </p:nvSpPr>
-        <p:spPr>
-          <a:xfrm>
-            <a:off x="839788" y="457200"/>
-            <a:ext cx="9817326" cy="646331"/>
-          </a:xfrm>
-        </p:spPr>
-        <p:txBody>
-          <a:bodyPr/>
-          <a:lstStyle/>
-          <a:p>
-            <a:pPr algn="ctr"/>
-            <a:r>
-              <a:rPr lang="en-US" dirty="0"/>
-              <a:t>Univariate </a:t>
-            </a:r>
-            <a:r>
-              <a:rPr lang="en-US" dirty="0" err="1"/>
-              <a:t>Vaiables</a:t>
-            </a:r>
-            <a:endParaRPr lang="en-IN" dirty="0"/>
-          </a:p>
-        </p:txBody>
-      </p:sp>
-      <p:sp>
-        <p:nvSpPr>
-          <p:cNvPr id="4" name="Text Placeholder 3">
-            <a:extLst>
-              <a:ext uri="{FF2B5EF4-FFF2-40B4-BE49-F238E27FC236}">
-                <a16:creationId xmlns:a16="http://schemas.microsoft.com/office/drawing/2014/main" id="{611CD95F-D74F-18A0-B936-229301A635A8}"/>
-              </a:ext>
-            </a:extLst>
-          </p:cNvPr>
-          <p:cNvSpPr>
-            <a:spLocks noGrp="1"/>
-          </p:cNvSpPr>
-          <p:nvPr>
-            <p:ph idx="1"/>
-          </p:nvPr>
-        </p:nvSpPr>
-        <p:spPr>
-          <a:xfrm>
-            <a:off x="5335588" y="1836511"/>
-            <a:ext cx="6172200" cy="4873625"/>
-          </a:xfrm>
-        </p:spPr>
-        <p:txBody>
-          <a:bodyPr/>
-          <a:lstStyle/>
-          <a:p>
-            <a:r>
-              <a:rPr lang="en-US" dirty="0"/>
-              <a:t>We have considered different categorical variables which are unordered as well as ordered.</a:t>
-            </a:r>
-          </a:p>
-          <a:p>
-            <a:r>
-              <a:rPr lang="en-US" dirty="0"/>
-              <a:t>Also, there are few numerical variables too.</a:t>
-            </a:r>
-            <a:endParaRPr lang="en-IN" dirty="0"/>
-          </a:p>
-        </p:txBody>
-      </p:sp>
-      <p:sp>
-        <p:nvSpPr>
-          <p:cNvPr id="3" name="Text Placeholder 2">
-            <a:extLst>
-              <a:ext uri="{FF2B5EF4-FFF2-40B4-BE49-F238E27FC236}">
-                <a16:creationId xmlns:a16="http://schemas.microsoft.com/office/drawing/2014/main" id="{925094F0-3037-B64B-0678-547A52CABD12}"/>
-              </a:ext>
-            </a:extLst>
-          </p:cNvPr>
-          <p:cNvSpPr>
-            <a:spLocks noGrp="1"/>
-          </p:cNvSpPr>
-          <p:nvPr>
-            <p:ph type="body" sz="half" idx="2"/>
-          </p:nvPr>
-        </p:nvSpPr>
-        <p:spPr>
-          <a:xfrm>
-            <a:off x="839788" y="1734234"/>
-            <a:ext cx="3932237" cy="4134754"/>
-          </a:xfrm>
-        </p:spPr>
-        <p:txBody>
-          <a:bodyPr/>
-          <a:lstStyle/>
-          <a:p>
-            <a:r>
-              <a:rPr lang="en-US" dirty="0"/>
-              <a:t>Categorical Variables:</a:t>
-            </a:r>
-          </a:p>
-          <a:p>
-            <a:pPr marL="342900" indent="-342900">
-              <a:buAutoNum type="arabicParenR"/>
-            </a:pPr>
-            <a:r>
-              <a:rPr lang="en-US" dirty="0"/>
-              <a:t>Loan Status (‘Fully Paid’, ’Charged Off’)</a:t>
-            </a:r>
-          </a:p>
-          <a:p>
-            <a:pPr marL="342900" indent="-342900">
-              <a:buAutoNum type="arabicParenR"/>
-            </a:pPr>
-            <a:r>
-              <a:rPr lang="en-US" dirty="0"/>
-              <a:t>Different Grades of customer</a:t>
-            </a:r>
-          </a:p>
-          <a:p>
-            <a:pPr marL="342900" indent="-342900">
-              <a:buAutoNum type="arabicParenR"/>
-            </a:pPr>
-            <a:r>
-              <a:rPr lang="en-US" dirty="0"/>
-              <a:t>Verification Status(Verified, Not Verified)</a:t>
-            </a:r>
-          </a:p>
-          <a:p>
-            <a:r>
-              <a:rPr lang="en-US" dirty="0"/>
-              <a:t>Numerical Variables:</a:t>
-            </a:r>
-          </a:p>
-          <a:p>
-            <a:r>
-              <a:rPr lang="en-US" dirty="0"/>
-              <a:t>1)   Interest rate</a:t>
-            </a:r>
-          </a:p>
-        </p:txBody>
-      </p:sp>
-      <p:sp>
-        <p:nvSpPr>
-          <p:cNvPr id="7" name="Rectangle 1">
-            <a:extLst>
-              <a:ext uri="{FF2B5EF4-FFF2-40B4-BE49-F238E27FC236}">
-                <a16:creationId xmlns:a16="http://schemas.microsoft.com/office/drawing/2014/main" id="{62ADF9BD-8E12-3096-219D-4C8B19B24BFF}"/>
-              </a:ext>
-            </a:extLst>
-          </p:cNvPr>
-          <p:cNvSpPr>
-            <a:spLocks noChangeArrowheads="1"/>
-          </p:cNvSpPr>
-          <p:nvPr/>
-        </p:nvSpPr>
-        <p:spPr bwMode="auto">
-          <a:xfrm>
-            <a:off x="839788" y="1734234"/>
-            <a:ext cx="6007650" cy="646331"/>
-          </a:xfrm>
-          <a:prstGeom prst="rect">
-            <a:avLst/>
-          </a:prstGeom>
-          <a:noFill/>
-          <a:ln>
-            <a:noFill/>
-          </a:ln>
-          <a:effectLst/>
-          <a:extLst>
-            <a:ext uri="{909E8E84-426E-40DD-AFC4-6F175D3DCCD1}">
-              <a14:hiddenFill xmlns:a14="http://schemas.microsoft.com/office/drawing/2010/main">
-                <a:solidFill>
-                  <a:schemeClr val="accent1"/>
-                </a:solidFill>
-              </a14:hiddenFill>
-            </a:ext>
-            <a:ext uri="{91240B29-F687-4F45-9708-019B960494DF}">
-              <a14:hiddenLine xmlns:a14="http://schemas.microsoft.com/office/drawing/2010/main" w="9525">
-                <a:solidFill>
-                  <a:schemeClr val="tx1"/>
-                </a:solidFill>
-                <a:miter lim="800000"/>
-                <a:headEnd/>
-                <a:tailEnd/>
-              </a14:hiddenLine>
-            </a:ext>
-            <a:ext uri="{AF507438-7753-43E0-B8FC-AC1667EBCBE1}">
-              <a14:hiddenEffects xmlns:a14="http://schemas.microsoft.com/office/drawing/2010/main">
-                <a:effectLst>
-                  <a:outerShdw dist="35921" dir="2700000" algn="ctr" rotWithShape="0">
-                    <a:schemeClr val="bg2"/>
-                  </a:outerShdw>
-                </a:effectLst>
-              </a14:hiddenEffects>
-            </a:ext>
-          </a:extLst>
-        </p:spPr>
-        <p:txBody>
-          <a:bodyPr vert="horz" wrap="square" lIns="91440" tIns="45720" rIns="91440" bIns="45720" numCol="1" anchor="ctr" anchorCtr="0" compatLnSpc="1">
-            <a:prstTxWarp prst="textNoShape">
-              <a:avLst/>
-            </a:prstTxWarp>
-            <a:spAutoFit/>
-          </a:bodyPr>
-          <a:lstStyle/>
-          <a:p>
-            <a:pPr marL="0" marR="0" lvl="0" indent="0" algn="l" defTabSz="914400" rtl="0" eaLnBrk="0" fontAlgn="base" latinLnBrk="0" hangingPunct="0">
-              <a:lnSpc>
-                <a:spcPct val="100000"/>
-              </a:lnSpc>
-              <a:spcBef>
-                <a:spcPct val="0"/>
-              </a:spcBef>
-              <a:spcAft>
-                <a:spcPct val="0"/>
-              </a:spcAft>
-              <a:buClrTx/>
-              <a:buSzTx/>
-              <a:buFontTx/>
-              <a:buNone/>
-              <a:tabLst/>
-            </a:pPr>
-            <a:br>
-              <a:rPr kumimoji="0" lang="en-US" altLang="en-US" sz="1800" b="0" i="0" u="none" strike="noStrike" cap="none" normalizeH="0" baseline="0">
-                <a:ln>
-                  <a:noFill/>
-                </a:ln>
-                <a:solidFill>
-                  <a:schemeClr val="tx1"/>
-                </a:solidFill>
-                <a:effectLst/>
-                <a:latin typeface="Arial" panose="020B0604020202020204" pitchFamily="34" charset="0"/>
-              </a:rPr>
-            </a:br>
-            <a:endParaRPr kumimoji="0" lang="en-US" altLang="en-US" sz="1800" b="0" i="0" u="none" strike="noStrike" cap="none" normalizeH="0" baseline="0">
-              <a:ln>
-                <a:noFill/>
-              </a:ln>
-              <a:solidFill>
-                <a:schemeClr val="tx1"/>
-              </a:solidFill>
-              <a:effectLst/>
-              <a:latin typeface="Arial" panose="020B0604020202020204" pitchFamily="34" charset="0"/>
-            </a:endParaRPr>
-          </a:p>
-        </p:txBody>
-      </p:sp>
-    </p:spTree>
-    <p:extLst>
-      <p:ext uri="{BB962C8B-B14F-4D97-AF65-F5344CB8AC3E}">
-        <p14:creationId xmlns:p14="http://schemas.microsoft.com/office/powerpoint/2010/main" val="1557932944"/>
-      </p:ext>
-    </p:extLst>
-  </p:cSld>
-  <p:clrMapOvr>
-    <a:masterClrMapping/>
-  </p:clrMapOvr>
-</p:sld>
-</file>
-
 <file path=ppt/slides/slide8.xml><?xml version="1.0" encoding="utf-8"?>
 <p:sld xmlns:a="http://schemas.openxmlformats.org/drawingml/2006/main" xmlns:r="http://schemas.openxmlformats.org/officeDocument/2006/relationships" xmlns:p="http://schemas.openxmlformats.org/presentationml/2006/main">
   <p:cSld>
@@ -9118,7 +9213,7 @@
           <a:p>
             <a:r>
               <a:rPr lang="en-US" dirty="0"/>
-              <a:t>We can see the median interest  rate for Charged Off is more than Fully Paid.</a:t>
+              <a:t>The previous data can be represented in this manner.</a:t>
             </a:r>
           </a:p>
           <a:p>
@@ -9234,10 +9329,10 @@
       </p:sp>
       <p:pic>
         <p:nvPicPr>
-          <p:cNvPr id="1028" name="Picture 4">
+          <p:cNvPr id="1026" name="Picture 2">
             <a:extLst>
               <a:ext uri="{FF2B5EF4-FFF2-40B4-BE49-F238E27FC236}">
-                <a16:creationId xmlns:a16="http://schemas.microsoft.com/office/drawing/2014/main" id="{CA8B4619-A3E6-7E87-73BE-37C67C8897E1}"/>
+                <a16:creationId xmlns:a16="http://schemas.microsoft.com/office/drawing/2014/main" id="{FE1687FE-D682-858D-F177-3E8D524D6734}"/>
               </a:ext>
             </a:extLst>
           </p:cNvPr>
@@ -9261,8 +9356,8 @@
         </p:blipFill>
         <p:spPr bwMode="auto">
           <a:xfrm>
-            <a:off x="838200" y="1466170"/>
-            <a:ext cx="5619750" cy="4448175"/>
+            <a:off x="1252538" y="1775729"/>
+            <a:ext cx="5419725" cy="4743450"/>
           </a:xfrm>
           <a:prstGeom prst="rect">
             <a:avLst/>
@@ -9282,7 +9377,7 @@
     </p:spTree>
     <p:extLst>
       <p:ext uri="{BB962C8B-B14F-4D97-AF65-F5344CB8AC3E}">
-        <p14:creationId xmlns:p14="http://schemas.microsoft.com/office/powerpoint/2010/main" val="3204627507"/>
+        <p14:creationId xmlns:p14="http://schemas.microsoft.com/office/powerpoint/2010/main" val="4119895990"/>
       </p:ext>
     </p:extLst>
   </p:cSld>
@@ -9372,7 +9467,7 @@
           <a:p>
             <a:r>
               <a:rPr lang="en-US" dirty="0"/>
-              <a:t>This can be presented as this.</a:t>
+              <a:t>We can see the median interest  rate for Charged Off is more than Fully Paid.</a:t>
             </a:r>
           </a:p>
           <a:p>
@@ -9488,10 +9583,10 @@
       </p:sp>
       <p:pic>
         <p:nvPicPr>
-          <p:cNvPr id="1026" name="Picture 2">
+          <p:cNvPr id="1028" name="Picture 4">
             <a:extLst>
               <a:ext uri="{FF2B5EF4-FFF2-40B4-BE49-F238E27FC236}">
-                <a16:creationId xmlns:a16="http://schemas.microsoft.com/office/drawing/2014/main" id="{FE1687FE-D682-858D-F177-3E8D524D6734}"/>
+                <a16:creationId xmlns:a16="http://schemas.microsoft.com/office/drawing/2014/main" id="{CA8B4619-A3E6-7E87-73BE-37C67C8897E1}"/>
               </a:ext>
             </a:extLst>
           </p:cNvPr>
@@ -9515,8 +9610,8 @@
         </p:blipFill>
         <p:spPr bwMode="auto">
           <a:xfrm>
-            <a:off x="1252538" y="1775729"/>
-            <a:ext cx="5419725" cy="4743450"/>
+            <a:off x="838200" y="1466170"/>
+            <a:ext cx="5619750" cy="4448175"/>
           </a:xfrm>
           <a:prstGeom prst="rect">
             <a:avLst/>
@@ -9536,7 +9631,7 @@
     </p:spTree>
     <p:extLst>
       <p:ext uri="{BB962C8B-B14F-4D97-AF65-F5344CB8AC3E}">
-        <p14:creationId xmlns:p14="http://schemas.microsoft.com/office/powerpoint/2010/main" val="4119895990"/>
+        <p14:creationId xmlns:p14="http://schemas.microsoft.com/office/powerpoint/2010/main" val="3204627507"/>
       </p:ext>
     </p:extLst>
   </p:cSld>
